--- a/Block 01/slides/GEO8026_202122_Lecture1.pptx
+++ b/Block 01/slides/GEO8026_202122_Lecture1.pptx
@@ -5,10 +5,10 @@
     <p:sldMasterId id="2147483648" r:id="rId1"/>
   </p:sldMasterIdLst>
   <p:notesMasterIdLst>
-    <p:notesMasterId r:id="rId20"/>
+    <p:notesMasterId r:id="rId24"/>
   </p:notesMasterIdLst>
   <p:handoutMasterIdLst>
-    <p:handoutMasterId r:id="rId21"/>
+    <p:handoutMasterId r:id="rId25"/>
   </p:handoutMasterIdLst>
   <p:sldIdLst>
     <p:sldId id="256" r:id="rId2"/>
@@ -22,38 +22,38 @@
     <p:sldId id="266" r:id="rId10"/>
     <p:sldId id="257" r:id="rId11"/>
     <p:sldId id="264" r:id="rId12"/>
-    <p:sldId id="258" r:id="rId13"/>
-    <p:sldId id="267" r:id="rId14"/>
-    <p:sldId id="259" r:id="rId15"/>
-    <p:sldId id="265" r:id="rId16"/>
-    <p:sldId id="260" r:id="rId17"/>
-    <p:sldId id="261" r:id="rId18"/>
-    <p:sldId id="262" r:id="rId19"/>
+    <p:sldId id="275" r:id="rId13"/>
+    <p:sldId id="277" r:id="rId14"/>
+    <p:sldId id="258" r:id="rId15"/>
+    <p:sldId id="267" r:id="rId16"/>
+    <p:sldId id="259" r:id="rId17"/>
+    <p:sldId id="265" r:id="rId18"/>
+    <p:sldId id="260" r:id="rId19"/>
+    <p:sldId id="261" r:id="rId20"/>
+    <p:sldId id="262" r:id="rId21"/>
+    <p:sldId id="278" r:id="rId22"/>
+    <p:sldId id="279" r:id="rId23"/>
   </p:sldIdLst>
   <p:sldSz cx="12192000" cy="6858000"/>
   <p:notesSz cx="6858000" cy="9144000"/>
   <p:embeddedFontLst>
     <p:embeddedFont>
       <p:font typeface="Arial Rounded MT Bold" panose="020F0704030504030204" pitchFamily="34" charset="0"/>
-      <p:regular r:id="rId22"/>
+      <p:regular r:id="rId26"/>
     </p:embeddedFont>
     <p:embeddedFont>
       <p:font typeface="Calibri" panose="020F0502020204030204" pitchFamily="34" charset="0"/>
-      <p:regular r:id="rId23"/>
-      <p:bold r:id="rId24"/>
-      <p:italic r:id="rId25"/>
-      <p:boldItalic r:id="rId26"/>
-    </p:embeddedFont>
-    <p:embeddedFont>
-      <p:font typeface="Cambria" panose="02040503050406030204" pitchFamily="18" charset="0"/>
       <p:regular r:id="rId27"/>
       <p:bold r:id="rId28"/>
       <p:italic r:id="rId29"/>
       <p:boldItalic r:id="rId30"/>
     </p:embeddedFont>
     <p:embeddedFont>
-      <p:font typeface="Cambria Math" panose="02040503050406030204" pitchFamily="18" charset="0"/>
+      <p:font typeface="Consolas" panose="020B0609020204030204" pitchFamily="49" charset="0"/>
       <p:regular r:id="rId31"/>
+      <p:bold r:id="rId32"/>
+      <p:italic r:id="rId33"/>
+      <p:boldItalic r:id="rId34"/>
     </p:embeddedFont>
   </p:embeddedFontLst>
   <p:defaultTextStyle>
@@ -2270,6 +2270,45 @@
     </pc:docChg>
   </pc:docChgLst>
   <pc:docChgLst>
+    <pc:chgData name="Matthew Perks" userId="e7ba33f6-2c59-4a03-a42a-2f5a85dfb500" providerId="ADAL" clId="{5B89D6F2-9088-4D8D-B83E-736F73B2737D}"/>
+    <pc:docChg chg="modSld">
+      <pc:chgData name="Matthew Perks" userId="e7ba33f6-2c59-4a03-a42a-2f5a85dfb500" providerId="ADAL" clId="{5B89D6F2-9088-4D8D-B83E-736F73B2737D}" dt="2020-10-22T10:26:29.791" v="73" actId="20577"/>
+      <pc:docMkLst>
+        <pc:docMk/>
+      </pc:docMkLst>
+      <pc:sldChg chg="modSp mod">
+        <pc:chgData name="Matthew Perks" userId="e7ba33f6-2c59-4a03-a42a-2f5a85dfb500" providerId="ADAL" clId="{5B89D6F2-9088-4D8D-B83E-736F73B2737D}" dt="2020-10-22T10:26:29.791" v="73" actId="20577"/>
+        <pc:sldMkLst>
+          <pc:docMk/>
+          <pc:sldMk cId="2749322127" sldId="386"/>
+        </pc:sldMkLst>
+        <pc:spChg chg="mod">
+          <ac:chgData name="Matthew Perks" userId="e7ba33f6-2c59-4a03-a42a-2f5a85dfb500" providerId="ADAL" clId="{5B89D6F2-9088-4D8D-B83E-736F73B2737D}" dt="2020-10-22T10:26:29.791" v="73" actId="20577"/>
+          <ac:spMkLst>
+            <pc:docMk/>
+            <pc:sldMk cId="2749322127" sldId="386"/>
+            <ac:spMk id="2" creationId="{00000000-0000-0000-0000-000000000000}"/>
+          </ac:spMkLst>
+        </pc:spChg>
+      </pc:sldChg>
+      <pc:sldChg chg="addSp modSp mod">
+        <pc:chgData name="Matthew Perks" userId="e7ba33f6-2c59-4a03-a42a-2f5a85dfb500" providerId="ADAL" clId="{5B89D6F2-9088-4D8D-B83E-736F73B2737D}" dt="2020-10-14T10:15:19.218" v="36" actId="1076"/>
+        <pc:sldMkLst>
+          <pc:docMk/>
+          <pc:sldMk cId="4202296687" sldId="391"/>
+        </pc:sldMkLst>
+        <pc:spChg chg="add mod">
+          <ac:chgData name="Matthew Perks" userId="e7ba33f6-2c59-4a03-a42a-2f5a85dfb500" providerId="ADAL" clId="{5B89D6F2-9088-4D8D-B83E-736F73B2737D}" dt="2020-10-14T10:15:19.218" v="36" actId="1076"/>
+          <ac:spMkLst>
+            <pc:docMk/>
+            <pc:sldMk cId="4202296687" sldId="391"/>
+            <ac:spMk id="2" creationId="{C9BA0237-EAF5-46D8-85D4-3D9BACC39664}"/>
+          </ac:spMkLst>
+        </pc:spChg>
+      </pc:sldChg>
+    </pc:docChg>
+  </pc:docChgLst>
+  <pc:docChgLst>
     <pc:chgData name="Matthew Perks" userId="e7ba33f6-2c59-4a03-a42a-2f5a85dfb500" providerId="ADAL" clId="{10E3554F-5780-4E62-8A9A-A52237E4CB2A}"/>
     <pc:docChg chg="undo custSel mod addSld delSld modSld">
       <pc:chgData name="Matthew Perks" userId="e7ba33f6-2c59-4a03-a42a-2f5a85dfb500" providerId="ADAL" clId="{10E3554F-5780-4E62-8A9A-A52237E4CB2A}" dt="2020-10-12T15:15:48.124" v="122" actId="22"/>
@@ -2485,45 +2524,6 @@
             <ac:picMk id="3" creationId="{6C40C279-39EE-47C2-8732-69AD5825AC31}"/>
           </ac:picMkLst>
         </pc:picChg>
-      </pc:sldChg>
-    </pc:docChg>
-  </pc:docChgLst>
-  <pc:docChgLst>
-    <pc:chgData name="Matthew Perks" userId="e7ba33f6-2c59-4a03-a42a-2f5a85dfb500" providerId="ADAL" clId="{5B89D6F2-9088-4D8D-B83E-736F73B2737D}"/>
-    <pc:docChg chg="modSld">
-      <pc:chgData name="Matthew Perks" userId="e7ba33f6-2c59-4a03-a42a-2f5a85dfb500" providerId="ADAL" clId="{5B89D6F2-9088-4D8D-B83E-736F73B2737D}" dt="2020-10-22T10:26:29.791" v="73" actId="20577"/>
-      <pc:docMkLst>
-        <pc:docMk/>
-      </pc:docMkLst>
-      <pc:sldChg chg="modSp mod">
-        <pc:chgData name="Matthew Perks" userId="e7ba33f6-2c59-4a03-a42a-2f5a85dfb500" providerId="ADAL" clId="{5B89D6F2-9088-4D8D-B83E-736F73B2737D}" dt="2020-10-22T10:26:29.791" v="73" actId="20577"/>
-        <pc:sldMkLst>
-          <pc:docMk/>
-          <pc:sldMk cId="2749322127" sldId="386"/>
-        </pc:sldMkLst>
-        <pc:spChg chg="mod">
-          <ac:chgData name="Matthew Perks" userId="e7ba33f6-2c59-4a03-a42a-2f5a85dfb500" providerId="ADAL" clId="{5B89D6F2-9088-4D8D-B83E-736F73B2737D}" dt="2020-10-22T10:26:29.791" v="73" actId="20577"/>
-          <ac:spMkLst>
-            <pc:docMk/>
-            <pc:sldMk cId="2749322127" sldId="386"/>
-            <ac:spMk id="2" creationId="{00000000-0000-0000-0000-000000000000}"/>
-          </ac:spMkLst>
-        </pc:spChg>
-      </pc:sldChg>
-      <pc:sldChg chg="addSp modSp mod">
-        <pc:chgData name="Matthew Perks" userId="e7ba33f6-2c59-4a03-a42a-2f5a85dfb500" providerId="ADAL" clId="{5B89D6F2-9088-4D8D-B83E-736F73B2737D}" dt="2020-10-14T10:15:19.218" v="36" actId="1076"/>
-        <pc:sldMkLst>
-          <pc:docMk/>
-          <pc:sldMk cId="4202296687" sldId="391"/>
-        </pc:sldMkLst>
-        <pc:spChg chg="add mod">
-          <ac:chgData name="Matthew Perks" userId="e7ba33f6-2c59-4a03-a42a-2f5a85dfb500" providerId="ADAL" clId="{5B89D6F2-9088-4D8D-B83E-736F73B2737D}" dt="2020-10-14T10:15:19.218" v="36" actId="1076"/>
-          <ac:spMkLst>
-            <pc:docMk/>
-            <pc:sldMk cId="4202296687" sldId="391"/>
-            <ac:spMk id="2" creationId="{C9BA0237-EAF5-46D8-85D4-3D9BACC39664}"/>
-          </ac:spMkLst>
-        </pc:spChg>
       </pc:sldChg>
     </pc:docChg>
   </pc:docChgLst>
@@ -2884,7 +2884,7 @@
           <a:p>
             <a:fld id="{CF2E614A-C12C-4D0E-85E3-B4445628C5AD}" type="datetimeFigureOut">
               <a:rPr lang="en-GB" smtClean="0"/>
-              <a:t>24/09/2021</a:t>
+              <a:t>25/09/2021</a:t>
             </a:fld>
             <a:endParaRPr lang="en-GB"/>
           </a:p>
@@ -3061,7 +3061,7 @@
           <a:p>
             <a:fld id="{63878252-83FE-4122-A0A9-331DC7AAA878}" type="datetimeFigureOut">
               <a:rPr lang="en-GB" smtClean="0"/>
-              <a:t>24/09/2021</a:t>
+              <a:t>25/09/2021</a:t>
             </a:fld>
             <a:endParaRPr lang="en-GB" dirty="0"/>
           </a:p>
@@ -3655,7 +3655,7 @@
     </p:spTree>
     <p:extLst>
       <p:ext uri="{BB962C8B-B14F-4D97-AF65-F5344CB8AC3E}">
-        <p14:creationId xmlns:p14="http://schemas.microsoft.com/office/powerpoint/2010/main" val="3096394774"/>
+        <p14:creationId xmlns:p14="http://schemas.microsoft.com/office/powerpoint/2010/main" val="4025912008"/>
       </p:ext>
     </p:extLst>
   </p:cSld>
@@ -3739,7 +3739,7 @@
     </p:spTree>
     <p:extLst>
       <p:ext uri="{BB962C8B-B14F-4D97-AF65-F5344CB8AC3E}">
-        <p14:creationId xmlns:p14="http://schemas.microsoft.com/office/powerpoint/2010/main" val="2564824990"/>
+        <p14:creationId xmlns:p14="http://schemas.microsoft.com/office/powerpoint/2010/main" val="815233017"/>
       </p:ext>
     </p:extLst>
   </p:cSld>
@@ -3823,7 +3823,7 @@
     </p:spTree>
     <p:extLst>
       <p:ext uri="{BB962C8B-B14F-4D97-AF65-F5344CB8AC3E}">
-        <p14:creationId xmlns:p14="http://schemas.microsoft.com/office/powerpoint/2010/main" val="2428325235"/>
+        <p14:creationId xmlns:p14="http://schemas.microsoft.com/office/powerpoint/2010/main" val="3096394774"/>
       </p:ext>
     </p:extLst>
   </p:cSld>
@@ -3907,7 +3907,7 @@
     </p:spTree>
     <p:extLst>
       <p:ext uri="{BB962C8B-B14F-4D97-AF65-F5344CB8AC3E}">
-        <p14:creationId xmlns:p14="http://schemas.microsoft.com/office/powerpoint/2010/main" val="4150268990"/>
+        <p14:creationId xmlns:p14="http://schemas.microsoft.com/office/powerpoint/2010/main" val="2564824990"/>
       </p:ext>
     </p:extLst>
   </p:cSld>
@@ -3991,7 +3991,7 @@
     </p:spTree>
     <p:extLst>
       <p:ext uri="{BB962C8B-B14F-4D97-AF65-F5344CB8AC3E}">
-        <p14:creationId xmlns:p14="http://schemas.microsoft.com/office/powerpoint/2010/main" val="2597761347"/>
+        <p14:creationId xmlns:p14="http://schemas.microsoft.com/office/powerpoint/2010/main" val="2428325235"/>
       </p:ext>
     </p:extLst>
   </p:cSld>
@@ -4075,7 +4075,7 @@
     </p:spTree>
     <p:extLst>
       <p:ext uri="{BB962C8B-B14F-4D97-AF65-F5344CB8AC3E}">
-        <p14:creationId xmlns:p14="http://schemas.microsoft.com/office/powerpoint/2010/main" val="2102441937"/>
+        <p14:creationId xmlns:p14="http://schemas.microsoft.com/office/powerpoint/2010/main" val="4150268990"/>
       </p:ext>
     </p:extLst>
   </p:cSld>
@@ -4159,7 +4159,91 @@
     </p:spTree>
     <p:extLst>
       <p:ext uri="{BB962C8B-B14F-4D97-AF65-F5344CB8AC3E}">
-        <p14:creationId xmlns:p14="http://schemas.microsoft.com/office/powerpoint/2010/main" val="4071000917"/>
+        <p14:creationId xmlns:p14="http://schemas.microsoft.com/office/powerpoint/2010/main" val="2597761347"/>
+      </p:ext>
+    </p:extLst>
+  </p:cSld>
+  <p:clrMapOvr>
+    <a:masterClrMapping/>
+  </p:clrMapOvr>
+</p:notes>
+</file>
+
+<file path=ppt/notesSlides/notesSlide19.xml><?xml version="1.0" encoding="utf-8"?>
+<p:notes xmlns:a="http://schemas.openxmlformats.org/drawingml/2006/main" xmlns:r="http://schemas.openxmlformats.org/officeDocument/2006/relationships" xmlns:p="http://schemas.openxmlformats.org/presentationml/2006/main">
+  <p:cSld>
+    <p:spTree>
+      <p:nvGrpSpPr>
+        <p:cNvPr id="1" name=""/>
+        <p:cNvGrpSpPr/>
+        <p:nvPr/>
+      </p:nvGrpSpPr>
+      <p:grpSpPr>
+        <a:xfrm>
+          <a:off x="0" y="0"/>
+          <a:ext cx="0" cy="0"/>
+          <a:chOff x="0" y="0"/>
+          <a:chExt cx="0" cy="0"/>
+        </a:xfrm>
+      </p:grpSpPr>
+      <p:sp>
+        <p:nvSpPr>
+          <p:cNvPr id="2" name="Slide Image Placeholder 1"/>
+          <p:cNvSpPr>
+            <a:spLocks noGrp="1" noRot="1" noChangeAspect="1"/>
+          </p:cNvSpPr>
+          <p:nvPr>
+            <p:ph type="sldImg"/>
+          </p:nvPr>
+        </p:nvSpPr>
+        <p:spPr/>
+      </p:sp>
+      <p:sp>
+        <p:nvSpPr>
+          <p:cNvPr id="3" name="Notes Placeholder 2"/>
+          <p:cNvSpPr>
+            <a:spLocks noGrp="1"/>
+          </p:cNvSpPr>
+          <p:nvPr>
+            <p:ph type="body" idx="1"/>
+          </p:nvPr>
+        </p:nvSpPr>
+        <p:spPr/>
+        <p:txBody>
+          <a:bodyPr/>
+          <a:lstStyle/>
+          <a:p>
+            <a:endParaRPr lang="en-GB" dirty="0"/>
+          </a:p>
+        </p:txBody>
+      </p:sp>
+      <p:sp>
+        <p:nvSpPr>
+          <p:cNvPr id="4" name="Slide Number Placeholder 3"/>
+          <p:cNvSpPr>
+            <a:spLocks noGrp="1"/>
+          </p:cNvSpPr>
+          <p:nvPr>
+            <p:ph type="sldNum" sz="quarter" idx="5"/>
+          </p:nvPr>
+        </p:nvSpPr>
+        <p:spPr/>
+        <p:txBody>
+          <a:bodyPr/>
+          <a:lstStyle/>
+          <a:p>
+            <a:fld id="{17AC21F0-5498-473B-823D-72C765953414}" type="slidenum">
+              <a:rPr lang="en-GB" smtClean="0"/>
+              <a:t>19</a:t>
+            </a:fld>
+            <a:endParaRPr lang="en-GB"/>
+          </a:p>
+        </p:txBody>
+      </p:sp>
+    </p:spTree>
+    <p:extLst>
+      <p:ext uri="{BB962C8B-B14F-4D97-AF65-F5344CB8AC3E}">
+        <p14:creationId xmlns:p14="http://schemas.microsoft.com/office/powerpoint/2010/main" val="2102441937"/>
       </p:ext>
     </p:extLst>
   </p:cSld>
@@ -4244,6 +4328,258 @@
     <p:extLst>
       <p:ext uri="{BB962C8B-B14F-4D97-AF65-F5344CB8AC3E}">
         <p14:creationId xmlns:p14="http://schemas.microsoft.com/office/powerpoint/2010/main" val="3634275140"/>
+      </p:ext>
+    </p:extLst>
+  </p:cSld>
+  <p:clrMapOvr>
+    <a:masterClrMapping/>
+  </p:clrMapOvr>
+</p:notes>
+</file>
+
+<file path=ppt/notesSlides/notesSlide20.xml><?xml version="1.0" encoding="utf-8"?>
+<p:notes xmlns:a="http://schemas.openxmlformats.org/drawingml/2006/main" xmlns:r="http://schemas.openxmlformats.org/officeDocument/2006/relationships" xmlns:p="http://schemas.openxmlformats.org/presentationml/2006/main">
+  <p:cSld>
+    <p:spTree>
+      <p:nvGrpSpPr>
+        <p:cNvPr id="1" name=""/>
+        <p:cNvGrpSpPr/>
+        <p:nvPr/>
+      </p:nvGrpSpPr>
+      <p:grpSpPr>
+        <a:xfrm>
+          <a:off x="0" y="0"/>
+          <a:ext cx="0" cy="0"/>
+          <a:chOff x="0" y="0"/>
+          <a:chExt cx="0" cy="0"/>
+        </a:xfrm>
+      </p:grpSpPr>
+      <p:sp>
+        <p:nvSpPr>
+          <p:cNvPr id="2" name="Slide Image Placeholder 1"/>
+          <p:cNvSpPr>
+            <a:spLocks noGrp="1" noRot="1" noChangeAspect="1"/>
+          </p:cNvSpPr>
+          <p:nvPr>
+            <p:ph type="sldImg"/>
+          </p:nvPr>
+        </p:nvSpPr>
+        <p:spPr/>
+      </p:sp>
+      <p:sp>
+        <p:nvSpPr>
+          <p:cNvPr id="3" name="Notes Placeholder 2"/>
+          <p:cNvSpPr>
+            <a:spLocks noGrp="1"/>
+          </p:cNvSpPr>
+          <p:nvPr>
+            <p:ph type="body" idx="1"/>
+          </p:nvPr>
+        </p:nvSpPr>
+        <p:spPr/>
+        <p:txBody>
+          <a:bodyPr/>
+          <a:lstStyle/>
+          <a:p>
+            <a:endParaRPr lang="en-GB" dirty="0"/>
+          </a:p>
+        </p:txBody>
+      </p:sp>
+      <p:sp>
+        <p:nvSpPr>
+          <p:cNvPr id="4" name="Slide Number Placeholder 3"/>
+          <p:cNvSpPr>
+            <a:spLocks noGrp="1"/>
+          </p:cNvSpPr>
+          <p:nvPr>
+            <p:ph type="sldNum" sz="quarter" idx="5"/>
+          </p:nvPr>
+        </p:nvSpPr>
+        <p:spPr/>
+        <p:txBody>
+          <a:bodyPr/>
+          <a:lstStyle/>
+          <a:p>
+            <a:fld id="{17AC21F0-5498-473B-823D-72C765953414}" type="slidenum">
+              <a:rPr lang="en-GB" smtClean="0"/>
+              <a:t>20</a:t>
+            </a:fld>
+            <a:endParaRPr lang="en-GB"/>
+          </a:p>
+        </p:txBody>
+      </p:sp>
+    </p:spTree>
+    <p:extLst>
+      <p:ext uri="{BB962C8B-B14F-4D97-AF65-F5344CB8AC3E}">
+        <p14:creationId xmlns:p14="http://schemas.microsoft.com/office/powerpoint/2010/main" val="4071000917"/>
+      </p:ext>
+    </p:extLst>
+  </p:cSld>
+  <p:clrMapOvr>
+    <a:masterClrMapping/>
+  </p:clrMapOvr>
+</p:notes>
+</file>
+
+<file path=ppt/notesSlides/notesSlide21.xml><?xml version="1.0" encoding="utf-8"?>
+<p:notes xmlns:a="http://schemas.openxmlformats.org/drawingml/2006/main" xmlns:r="http://schemas.openxmlformats.org/officeDocument/2006/relationships" xmlns:p="http://schemas.openxmlformats.org/presentationml/2006/main">
+  <p:cSld>
+    <p:spTree>
+      <p:nvGrpSpPr>
+        <p:cNvPr id="1" name=""/>
+        <p:cNvGrpSpPr/>
+        <p:nvPr/>
+      </p:nvGrpSpPr>
+      <p:grpSpPr>
+        <a:xfrm>
+          <a:off x="0" y="0"/>
+          <a:ext cx="0" cy="0"/>
+          <a:chOff x="0" y="0"/>
+          <a:chExt cx="0" cy="0"/>
+        </a:xfrm>
+      </p:grpSpPr>
+      <p:sp>
+        <p:nvSpPr>
+          <p:cNvPr id="2" name="Slide Image Placeholder 1"/>
+          <p:cNvSpPr>
+            <a:spLocks noGrp="1" noRot="1" noChangeAspect="1"/>
+          </p:cNvSpPr>
+          <p:nvPr>
+            <p:ph type="sldImg"/>
+          </p:nvPr>
+        </p:nvSpPr>
+        <p:spPr/>
+      </p:sp>
+      <p:sp>
+        <p:nvSpPr>
+          <p:cNvPr id="3" name="Notes Placeholder 2"/>
+          <p:cNvSpPr>
+            <a:spLocks noGrp="1"/>
+          </p:cNvSpPr>
+          <p:nvPr>
+            <p:ph type="body" idx="1"/>
+          </p:nvPr>
+        </p:nvSpPr>
+        <p:spPr/>
+        <p:txBody>
+          <a:bodyPr/>
+          <a:lstStyle/>
+          <a:p>
+            <a:endParaRPr lang="en-GB" dirty="0"/>
+          </a:p>
+        </p:txBody>
+      </p:sp>
+      <p:sp>
+        <p:nvSpPr>
+          <p:cNvPr id="4" name="Slide Number Placeholder 3"/>
+          <p:cNvSpPr>
+            <a:spLocks noGrp="1"/>
+          </p:cNvSpPr>
+          <p:nvPr>
+            <p:ph type="sldNum" sz="quarter" idx="5"/>
+          </p:nvPr>
+        </p:nvSpPr>
+        <p:spPr/>
+        <p:txBody>
+          <a:bodyPr/>
+          <a:lstStyle/>
+          <a:p>
+            <a:fld id="{17AC21F0-5498-473B-823D-72C765953414}" type="slidenum">
+              <a:rPr lang="en-GB" smtClean="0"/>
+              <a:t>21</a:t>
+            </a:fld>
+            <a:endParaRPr lang="en-GB"/>
+          </a:p>
+        </p:txBody>
+      </p:sp>
+    </p:spTree>
+    <p:extLst>
+      <p:ext uri="{BB962C8B-B14F-4D97-AF65-F5344CB8AC3E}">
+        <p14:creationId xmlns:p14="http://schemas.microsoft.com/office/powerpoint/2010/main" val="2351933377"/>
+      </p:ext>
+    </p:extLst>
+  </p:cSld>
+  <p:clrMapOvr>
+    <a:masterClrMapping/>
+  </p:clrMapOvr>
+</p:notes>
+</file>
+
+<file path=ppt/notesSlides/notesSlide22.xml><?xml version="1.0" encoding="utf-8"?>
+<p:notes xmlns:a="http://schemas.openxmlformats.org/drawingml/2006/main" xmlns:r="http://schemas.openxmlformats.org/officeDocument/2006/relationships" xmlns:p="http://schemas.openxmlformats.org/presentationml/2006/main">
+  <p:cSld>
+    <p:spTree>
+      <p:nvGrpSpPr>
+        <p:cNvPr id="1" name=""/>
+        <p:cNvGrpSpPr/>
+        <p:nvPr/>
+      </p:nvGrpSpPr>
+      <p:grpSpPr>
+        <a:xfrm>
+          <a:off x="0" y="0"/>
+          <a:ext cx="0" cy="0"/>
+          <a:chOff x="0" y="0"/>
+          <a:chExt cx="0" cy="0"/>
+        </a:xfrm>
+      </p:grpSpPr>
+      <p:sp>
+        <p:nvSpPr>
+          <p:cNvPr id="2" name="Slide Image Placeholder 1"/>
+          <p:cNvSpPr>
+            <a:spLocks noGrp="1" noRot="1" noChangeAspect="1"/>
+          </p:cNvSpPr>
+          <p:nvPr>
+            <p:ph type="sldImg"/>
+          </p:nvPr>
+        </p:nvSpPr>
+        <p:spPr/>
+      </p:sp>
+      <p:sp>
+        <p:nvSpPr>
+          <p:cNvPr id="3" name="Notes Placeholder 2"/>
+          <p:cNvSpPr>
+            <a:spLocks noGrp="1"/>
+          </p:cNvSpPr>
+          <p:nvPr>
+            <p:ph type="body" idx="1"/>
+          </p:nvPr>
+        </p:nvSpPr>
+        <p:spPr/>
+        <p:txBody>
+          <a:bodyPr/>
+          <a:lstStyle/>
+          <a:p>
+            <a:endParaRPr lang="en-GB" dirty="0"/>
+          </a:p>
+        </p:txBody>
+      </p:sp>
+      <p:sp>
+        <p:nvSpPr>
+          <p:cNvPr id="4" name="Slide Number Placeholder 3"/>
+          <p:cNvSpPr>
+            <a:spLocks noGrp="1"/>
+          </p:cNvSpPr>
+          <p:nvPr>
+            <p:ph type="sldNum" sz="quarter" idx="5"/>
+          </p:nvPr>
+        </p:nvSpPr>
+        <p:spPr/>
+        <p:txBody>
+          <a:bodyPr/>
+          <a:lstStyle/>
+          <a:p>
+            <a:fld id="{17AC21F0-5498-473B-823D-72C765953414}" type="slidenum">
+              <a:rPr lang="en-GB" smtClean="0"/>
+              <a:t>22</a:t>
+            </a:fld>
+            <a:endParaRPr lang="en-GB"/>
+          </a:p>
+        </p:txBody>
+      </p:sp>
+    </p:spTree>
+    <p:extLst>
+      <p:ext uri="{BB962C8B-B14F-4D97-AF65-F5344CB8AC3E}">
+        <p14:creationId xmlns:p14="http://schemas.microsoft.com/office/powerpoint/2010/main" val="4178761193"/>
       </p:ext>
     </p:extLst>
   </p:cSld>
@@ -5022,7 +5358,7 @@
           <a:p>
             <a:fld id="{812A8EEB-1D5A-604D-AF27-A96E06878FEE}" type="datetimeFigureOut">
               <a:rPr lang="en-US" smtClean="0"/>
-              <a:t>9/24/2021</a:t>
+              <a:t>9/25/2021</a:t>
             </a:fld>
             <a:endParaRPr lang="en-US" dirty="0"/>
           </a:p>
@@ -5192,7 +5528,7 @@
           <a:p>
             <a:fld id="{812A8EEB-1D5A-604D-AF27-A96E06878FEE}" type="datetimeFigureOut">
               <a:rPr lang="en-US" smtClean="0"/>
-              <a:t>9/24/2021</a:t>
+              <a:t>9/25/2021</a:t>
             </a:fld>
             <a:endParaRPr lang="en-US" dirty="0"/>
           </a:p>
@@ -5372,7 +5708,7 @@
           <a:p>
             <a:fld id="{812A8EEB-1D5A-604D-AF27-A96E06878FEE}" type="datetimeFigureOut">
               <a:rPr lang="en-US" smtClean="0"/>
-              <a:t>9/24/2021</a:t>
+              <a:t>9/25/2021</a:t>
             </a:fld>
             <a:endParaRPr lang="en-US" dirty="0"/>
           </a:p>
@@ -5542,7 +5878,7 @@
           <a:p>
             <a:fld id="{812A8EEB-1D5A-604D-AF27-A96E06878FEE}" type="datetimeFigureOut">
               <a:rPr lang="en-US" smtClean="0"/>
-              <a:t>9/24/2021</a:t>
+              <a:t>9/25/2021</a:t>
             </a:fld>
             <a:endParaRPr lang="en-US" dirty="0"/>
           </a:p>
@@ -5788,7 +6124,7 @@
           <a:p>
             <a:fld id="{812A8EEB-1D5A-604D-AF27-A96E06878FEE}" type="datetimeFigureOut">
               <a:rPr lang="en-US" smtClean="0"/>
-              <a:t>9/24/2021</a:t>
+              <a:t>9/25/2021</a:t>
             </a:fld>
             <a:endParaRPr lang="en-US" dirty="0"/>
           </a:p>
@@ -6076,7 +6412,7 @@
           <a:p>
             <a:fld id="{812A8EEB-1D5A-604D-AF27-A96E06878FEE}" type="datetimeFigureOut">
               <a:rPr lang="en-US" smtClean="0"/>
-              <a:t>9/24/2021</a:t>
+              <a:t>9/25/2021</a:t>
             </a:fld>
             <a:endParaRPr lang="en-US" dirty="0"/>
           </a:p>
@@ -6498,7 +6834,7 @@
           <a:p>
             <a:fld id="{812A8EEB-1D5A-604D-AF27-A96E06878FEE}" type="datetimeFigureOut">
               <a:rPr lang="en-US" smtClean="0"/>
-              <a:t>9/24/2021</a:t>
+              <a:t>9/25/2021</a:t>
             </a:fld>
             <a:endParaRPr lang="en-US" dirty="0"/>
           </a:p>
@@ -6616,7 +6952,7 @@
           <a:p>
             <a:fld id="{812A8EEB-1D5A-604D-AF27-A96E06878FEE}" type="datetimeFigureOut">
               <a:rPr lang="en-US" smtClean="0"/>
-              <a:t>9/24/2021</a:t>
+              <a:t>9/25/2021</a:t>
             </a:fld>
             <a:endParaRPr lang="en-US" dirty="0"/>
           </a:p>
@@ -6711,7 +7047,7 @@
           <a:p>
             <a:fld id="{812A8EEB-1D5A-604D-AF27-A96E06878FEE}" type="datetimeFigureOut">
               <a:rPr lang="en-US" smtClean="0"/>
-              <a:t>9/24/2021</a:t>
+              <a:t>9/25/2021</a:t>
             </a:fld>
             <a:endParaRPr lang="en-US" dirty="0"/>
           </a:p>
@@ -6988,7 +7324,7 @@
           <a:p>
             <a:fld id="{812A8EEB-1D5A-604D-AF27-A96E06878FEE}" type="datetimeFigureOut">
               <a:rPr lang="en-US" smtClean="0"/>
-              <a:t>9/24/2021</a:t>
+              <a:t>9/25/2021</a:t>
             </a:fld>
             <a:endParaRPr lang="en-US" dirty="0"/>
           </a:p>
@@ -7241,7 +7577,7 @@
           <a:p>
             <a:fld id="{812A8EEB-1D5A-604D-AF27-A96E06878FEE}" type="datetimeFigureOut">
               <a:rPr lang="en-US" smtClean="0"/>
-              <a:t>9/24/2021</a:t>
+              <a:t>9/25/2021</a:t>
             </a:fld>
             <a:endParaRPr lang="en-US" dirty="0"/>
           </a:p>
@@ -7454,7 +7790,7 @@
           <a:p>
             <a:fld id="{812A8EEB-1D5A-604D-AF27-A96E06878FEE}" type="datetimeFigureOut">
               <a:rPr lang="en-US" smtClean="0"/>
-              <a:t>9/24/2021</a:t>
+              <a:t>9/25/2021</a:t>
             </a:fld>
             <a:endParaRPr lang="en-US" dirty="0"/>
           </a:p>
@@ -10813,14 +11149,20 @@
       </p:sp>
       <p:sp>
         <p:nvSpPr>
-          <p:cNvPr id="6" name="CustomShape 1"/>
+          <p:cNvPr id="10" name="CustomShape 1">
+            <a:extLst>
+              <a:ext uri="{FF2B5EF4-FFF2-40B4-BE49-F238E27FC236}">
+                <a16:creationId xmlns:a16="http://schemas.microsoft.com/office/drawing/2014/main" id="{4228D993-26E2-407F-8744-60EC40AF29EE}"/>
+              </a:ext>
+            </a:extLst>
+          </p:cNvPr>
           <p:cNvSpPr/>
           <p:nvPr/>
         </p:nvSpPr>
         <p:spPr>
           <a:xfrm>
-            <a:off x="7963" y="53081"/>
-            <a:ext cx="12184034" cy="768992"/>
+            <a:off x="-11" y="53775"/>
+            <a:ext cx="12192007" cy="768992"/>
           </a:xfrm>
           <a:prstGeom prst="rect">
             <a:avLst/>
@@ -10873,426 +11215,17 @@
                 <a:ea typeface="+mj-ea"/>
                 <a:cs typeface="+mj-cs"/>
               </a:rPr>
-              <a:t>Interfacing with folders and directories</a:t>
+              <a:t>MATLAB primer</a:t>
             </a:r>
           </a:p>
         </p:txBody>
       </p:sp>
-      <p:sp>
-        <p:nvSpPr>
-          <p:cNvPr id="8" name="CustomShape 1"/>
-          <p:cNvSpPr/>
-          <p:nvPr/>
-        </p:nvSpPr>
-        <p:spPr>
-          <a:xfrm>
-            <a:off x="4198966" y="2147357"/>
-            <a:ext cx="3810000" cy="4101042"/>
-          </a:xfrm>
-          <a:prstGeom prst="rect">
-            <a:avLst/>
-          </a:prstGeom>
-        </p:spPr>
-        <p:style>
-          <a:lnRef idx="0">
-            <a:scrgbClr r="0" g="0" b="0"/>
-          </a:lnRef>
-          <a:fillRef idx="0">
-            <a:scrgbClr r="0" g="0" b="0"/>
-          </a:fillRef>
-          <a:effectRef idx="0">
-            <a:scrgbClr r="0" g="0" b="0"/>
-          </a:effectRef>
-          <a:fontRef idx="minor"/>
-        </p:style>
-        <p:txBody>
-          <a:bodyPr vert="horz" lIns="91440" tIns="45720" rIns="91440" bIns="45720" rtlCol="0">
-            <a:normAutofit/>
-          </a:bodyPr>
-          <a:lstStyle/>
-          <a:p>
-            <a:pPr algn="ctr" defTabSz="914400">
-              <a:lnSpc>
-                <a:spcPct val="90000"/>
-              </a:lnSpc>
-              <a:spcAft>
-                <a:spcPts val="600"/>
-              </a:spcAft>
-            </a:pPr>
-            <a:endParaRPr lang="en-US" sz="2000" b="1" spc="-1" dirty="0">
-              <a:solidFill>
-                <a:schemeClr val="tx1">
-                  <a:lumMod val="85000"/>
-                  <a:lumOff val="15000"/>
-                </a:schemeClr>
-              </a:solidFill>
-              <a:uFill>
-                <a:solidFill>
-                  <a:srgbClr val="FFFFFF"/>
-                </a:solidFill>
-              </a:uFill>
-              <a:latin typeface="Arial Rounded MT Bold" panose="020F0704030504030204" pitchFamily="34" charset="0"/>
-            </a:endParaRPr>
-          </a:p>
-        </p:txBody>
-      </p:sp>
-      <p:sp>
-        <p:nvSpPr>
-          <p:cNvPr id="7" name="TextBox 6">
+      <p:pic>
+        <p:nvPicPr>
+          <p:cNvPr id="4" name="Picture 3">
             <a:extLst>
               <a:ext uri="{FF2B5EF4-FFF2-40B4-BE49-F238E27FC236}">
-                <a16:creationId xmlns:a16="http://schemas.microsoft.com/office/drawing/2014/main" id="{A710E8D0-80A1-4E2E-B6EC-6C32D24C72A3}"/>
-              </a:ext>
-            </a:extLst>
-          </p:cNvPr>
-          <p:cNvSpPr txBox="1"/>
-          <p:nvPr/>
-        </p:nvSpPr>
-        <p:spPr>
-          <a:xfrm>
-            <a:off x="464991" y="1052575"/>
-            <a:ext cx="6424030" cy="5752344"/>
-          </a:xfrm>
-          <a:prstGeom prst="rect">
-            <a:avLst/>
-          </a:prstGeom>
-          <a:noFill/>
-        </p:spPr>
-        <p:txBody>
-          <a:bodyPr wrap="square">
-            <a:spAutoFit/>
-          </a:bodyPr>
-          <a:lstStyle/>
-          <a:p>
-            <a:pPr defTabSz="914400">
-              <a:lnSpc>
-                <a:spcPct val="90000"/>
-              </a:lnSpc>
-              <a:spcAft>
-                <a:spcPts val="600"/>
-              </a:spcAft>
-            </a:pPr>
-            <a:r>
-              <a:rPr lang="en-US" sz="1800" spc="-1" dirty="0">
-                <a:uFill>
-                  <a:solidFill>
-                    <a:srgbClr val="FFFFFF"/>
-                  </a:solidFill>
-                </a:uFill>
-                <a:latin typeface="Arial Rounded MT Bold" panose="020F0704030504030204" pitchFamily="34" charset="0"/>
-              </a:rPr>
-              <a:t>Over the course of this module, you will generate several scripts, functions, and use a range of datasets. </a:t>
-            </a:r>
-          </a:p>
-          <a:p>
-            <a:pPr defTabSz="914400">
-              <a:lnSpc>
-                <a:spcPct val="90000"/>
-              </a:lnSpc>
-              <a:spcAft>
-                <a:spcPts val="600"/>
-              </a:spcAft>
-            </a:pPr>
-            <a:endParaRPr lang="en-US" spc="-1" dirty="0">
-              <a:uFill>
-                <a:solidFill>
-                  <a:srgbClr val="FFFFFF"/>
-                </a:solidFill>
-              </a:uFill>
-              <a:latin typeface="Arial Rounded MT Bold" panose="020F0704030504030204" pitchFamily="34" charset="0"/>
-            </a:endParaRPr>
-          </a:p>
-          <a:p>
-            <a:pPr defTabSz="914400">
-              <a:lnSpc>
-                <a:spcPct val="90000"/>
-              </a:lnSpc>
-              <a:spcAft>
-                <a:spcPts val="600"/>
-              </a:spcAft>
-            </a:pPr>
-            <a:r>
-              <a:rPr lang="en-US" sz="1800" spc="-1" dirty="0">
-                <a:uFill>
-                  <a:solidFill>
-                    <a:srgbClr val="FFFFFF"/>
-                  </a:solidFill>
-                </a:uFill>
-                <a:latin typeface="Arial Rounded MT Bold" panose="020F0704030504030204" pitchFamily="34" charset="0"/>
-              </a:rPr>
-              <a:t>Organization of your files and folders is critical.</a:t>
-            </a:r>
-          </a:p>
-          <a:p>
-            <a:pPr defTabSz="914400">
-              <a:lnSpc>
-                <a:spcPct val="90000"/>
-              </a:lnSpc>
-              <a:spcAft>
-                <a:spcPts val="600"/>
-              </a:spcAft>
-            </a:pPr>
-            <a:endParaRPr lang="en-US" spc="-1" dirty="0">
-              <a:uFill>
-                <a:solidFill>
-                  <a:srgbClr val="FFFFFF"/>
-                </a:solidFill>
-              </a:uFill>
-              <a:latin typeface="Arial Rounded MT Bold" panose="020F0704030504030204" pitchFamily="34" charset="0"/>
-            </a:endParaRPr>
-          </a:p>
-          <a:p>
-            <a:pPr defTabSz="914400">
-              <a:lnSpc>
-                <a:spcPct val="90000"/>
-              </a:lnSpc>
-              <a:spcAft>
-                <a:spcPts val="600"/>
-              </a:spcAft>
-            </a:pPr>
-            <a:r>
-              <a:rPr lang="en-US" sz="1800" spc="-1" dirty="0">
-                <a:uFill>
-                  <a:solidFill>
-                    <a:srgbClr val="FFFFFF"/>
-                  </a:solidFill>
-                </a:uFill>
-                <a:latin typeface="Arial Rounded MT Bold" panose="020F0704030504030204" pitchFamily="34" charset="0"/>
-              </a:rPr>
-              <a:t>In order for MATLAB to call a script, function, or access a file, it needs to be visible on the ‘search path’.</a:t>
-            </a:r>
-          </a:p>
-          <a:p>
-            <a:pPr defTabSz="914400">
-              <a:lnSpc>
-                <a:spcPct val="90000"/>
-              </a:lnSpc>
-              <a:spcAft>
-                <a:spcPts val="600"/>
-              </a:spcAft>
-            </a:pPr>
-            <a:endParaRPr lang="en-US" spc="-1" dirty="0">
-              <a:uFill>
-                <a:solidFill>
-                  <a:srgbClr val="FFFFFF"/>
-                </a:solidFill>
-              </a:uFill>
-              <a:latin typeface="Arial Rounded MT Bold" panose="020F0704030504030204" pitchFamily="34" charset="0"/>
-            </a:endParaRPr>
-          </a:p>
-          <a:p>
-            <a:pPr defTabSz="914400">
-              <a:lnSpc>
-                <a:spcPct val="90000"/>
-              </a:lnSpc>
-              <a:spcAft>
-                <a:spcPts val="600"/>
-              </a:spcAft>
-            </a:pPr>
-            <a:r>
-              <a:rPr lang="en-US" spc="-1" dirty="0">
-                <a:uFill>
-                  <a:solidFill>
-                    <a:srgbClr val="FFFFFF"/>
-                  </a:solidFill>
-                </a:uFill>
-                <a:latin typeface="Arial Rounded MT Bold" panose="020F0704030504030204" pitchFamily="34" charset="0"/>
-              </a:rPr>
-              <a:t>To add files and folders to the search path, you can use the </a:t>
-            </a:r>
-            <a:r>
-              <a:rPr lang="en-US" spc="-1" dirty="0" err="1">
-                <a:uFill>
-                  <a:solidFill>
-                    <a:srgbClr val="FFFFFF"/>
-                  </a:solidFill>
-                </a:uFill>
-                <a:latin typeface="Arial Rounded MT Bold" panose="020F0704030504030204" pitchFamily="34" charset="0"/>
-              </a:rPr>
-              <a:t>addpath</a:t>
-            </a:r>
-            <a:r>
-              <a:rPr lang="en-US" spc="-1" dirty="0">
-                <a:uFill>
-                  <a:solidFill>
-                    <a:srgbClr val="FFFFFF"/>
-                  </a:solidFill>
-                </a:uFill>
-                <a:latin typeface="Arial Rounded MT Bold" panose="020F0704030504030204" pitchFamily="34" charset="0"/>
-              </a:rPr>
-              <a:t> function. E.g. :</a:t>
-            </a:r>
-          </a:p>
-          <a:p>
-            <a:pPr defTabSz="914400">
-              <a:lnSpc>
-                <a:spcPct val="90000"/>
-              </a:lnSpc>
-              <a:spcAft>
-                <a:spcPts val="600"/>
-              </a:spcAft>
-            </a:pPr>
-            <a:endParaRPr lang="en-US" spc="-1" dirty="0">
-              <a:uFill>
-                <a:solidFill>
-                  <a:srgbClr val="FFFFFF"/>
-                </a:solidFill>
-              </a:uFill>
-              <a:latin typeface="Arial Rounded MT Bold" panose="020F0704030504030204" pitchFamily="34" charset="0"/>
-            </a:endParaRPr>
-          </a:p>
-          <a:p>
-            <a:pPr defTabSz="914400">
-              <a:lnSpc>
-                <a:spcPct val="90000"/>
-              </a:lnSpc>
-              <a:spcAft>
-                <a:spcPts val="600"/>
-              </a:spcAft>
-            </a:pPr>
-            <a:r>
-              <a:rPr lang="en-US" spc="-1" dirty="0" err="1">
-                <a:uFill>
-                  <a:solidFill>
-                    <a:srgbClr val="FFFFFF"/>
-                  </a:solidFill>
-                </a:uFill>
-                <a:latin typeface="Cambria Math" panose="02040503050406030204" pitchFamily="18" charset="0"/>
-                <a:ea typeface="Cambria Math" panose="02040503050406030204" pitchFamily="18" charset="0"/>
-              </a:rPr>
-              <a:t>addpath</a:t>
-            </a:r>
-            <a:r>
-              <a:rPr lang="en-US" spc="-1" dirty="0">
-                <a:uFill>
-                  <a:solidFill>
-                    <a:srgbClr val="FFFFFF"/>
-                  </a:solidFill>
-                </a:uFill>
-                <a:latin typeface="Cambria Math" panose="02040503050406030204" pitchFamily="18" charset="0"/>
-                <a:ea typeface="Cambria Math" panose="02040503050406030204" pitchFamily="18" charset="0"/>
-              </a:rPr>
-              <a:t>(</a:t>
-            </a:r>
-            <a:r>
-              <a:rPr lang="en-US" spc="-1" dirty="0" err="1">
-                <a:uFill>
-                  <a:solidFill>
-                    <a:srgbClr val="FFFFFF"/>
-                  </a:solidFill>
-                </a:uFill>
-                <a:latin typeface="Cambria Math" panose="02040503050406030204" pitchFamily="18" charset="0"/>
-                <a:ea typeface="Cambria Math" panose="02040503050406030204" pitchFamily="18" charset="0"/>
-              </a:rPr>
-              <a:t>genpath</a:t>
-            </a:r>
-            <a:r>
-              <a:rPr lang="en-US" spc="-1" dirty="0">
-                <a:uFill>
-                  <a:solidFill>
-                    <a:srgbClr val="FFFFFF"/>
-                  </a:solidFill>
-                </a:uFill>
-                <a:latin typeface="Cambria Math" panose="02040503050406030204" pitchFamily="18" charset="0"/>
-                <a:ea typeface="Cambria Math" panose="02040503050406030204" pitchFamily="18" charset="0"/>
-              </a:rPr>
-              <a:t>('C:\Users\Matt\OneDrive - Newcastle University\GEO8026’));</a:t>
-            </a:r>
-          </a:p>
-          <a:p>
-            <a:pPr defTabSz="914400">
-              <a:lnSpc>
-                <a:spcPct val="90000"/>
-              </a:lnSpc>
-              <a:spcAft>
-                <a:spcPts val="600"/>
-              </a:spcAft>
-            </a:pPr>
-            <a:endParaRPr lang="en-US" spc="-1" dirty="0">
-              <a:uFill>
-                <a:solidFill>
-                  <a:srgbClr val="FFFFFF"/>
-                </a:solidFill>
-              </a:uFill>
-              <a:latin typeface="Arial Rounded MT Bold" panose="020F0704030504030204" pitchFamily="34" charset="0"/>
-            </a:endParaRPr>
-          </a:p>
-          <a:p>
-            <a:pPr defTabSz="914400">
-              <a:lnSpc>
-                <a:spcPct val="90000"/>
-              </a:lnSpc>
-              <a:spcAft>
-                <a:spcPts val="600"/>
-              </a:spcAft>
-            </a:pPr>
-            <a:r>
-              <a:rPr lang="en-US" spc="-1" dirty="0">
-                <a:uFill>
-                  <a:solidFill>
-                    <a:srgbClr val="FFFFFF"/>
-                  </a:solidFill>
-                </a:uFill>
-                <a:latin typeface="Arial Rounded MT Bold" panose="020F0704030504030204" pitchFamily="34" charset="0"/>
-              </a:rPr>
-              <a:t>This will enable MATLAB to call and/or load files within this folder and all subfolders.</a:t>
-            </a:r>
-          </a:p>
-          <a:p>
-            <a:pPr defTabSz="914400">
-              <a:lnSpc>
-                <a:spcPct val="90000"/>
-              </a:lnSpc>
-              <a:spcAft>
-                <a:spcPts val="600"/>
-              </a:spcAft>
-            </a:pPr>
-            <a:endParaRPr lang="en-US" sz="1800" spc="-1" dirty="0">
-              <a:uFill>
-                <a:solidFill>
-                  <a:srgbClr val="FFFFFF"/>
-                </a:solidFill>
-              </a:uFill>
-              <a:latin typeface="Arial Rounded MT Bold" panose="020F0704030504030204" pitchFamily="34" charset="0"/>
-            </a:endParaRPr>
-          </a:p>
-          <a:p>
-            <a:pPr defTabSz="914400">
-              <a:lnSpc>
-                <a:spcPct val="90000"/>
-              </a:lnSpc>
-              <a:spcAft>
-                <a:spcPts val="600"/>
-              </a:spcAft>
-            </a:pPr>
-            <a:r>
-              <a:rPr lang="en-US" spc="-1" dirty="0">
-                <a:uFill>
-                  <a:solidFill>
-                    <a:srgbClr val="FFFFFF"/>
-                  </a:solidFill>
-                </a:uFill>
-                <a:latin typeface="Arial Rounded MT Bold" panose="020F0704030504030204" pitchFamily="34" charset="0"/>
-              </a:rPr>
-              <a:t>Your University OneDrive account is useful for storing your files (5 TB personal storage space)</a:t>
-            </a:r>
-            <a:endParaRPr lang="en-US" sz="1800" spc="-1" dirty="0">
-              <a:uFill>
-                <a:solidFill>
-                  <a:srgbClr val="FFFFFF"/>
-                </a:solidFill>
-              </a:uFill>
-              <a:latin typeface="Arial Rounded MT Bold" panose="020F0704030504030204" pitchFamily="34" charset="0"/>
-            </a:endParaRPr>
-          </a:p>
-        </p:txBody>
-      </p:sp>
-      <p:pic>
-        <p:nvPicPr>
-          <p:cNvPr id="3" name="Picture 2" descr="A picture containing text&#10;&#10;Description automatically generated">
-            <a:extLst>
-              <a:ext uri="{FF2B5EF4-FFF2-40B4-BE49-F238E27FC236}">
-                <a16:creationId xmlns:a16="http://schemas.microsoft.com/office/drawing/2014/main" id="{BC8045C1-5B4E-49E4-BA8E-825A27BFD862}"/>
+                <a16:creationId xmlns:a16="http://schemas.microsoft.com/office/drawing/2014/main" id="{35E92F7B-BCB8-480F-961D-ABABCF9304A4}"/>
               </a:ext>
             </a:extLst>
           </p:cNvPr>
@@ -11309,18 +11242,253 @@
         </p:blipFill>
         <p:spPr>
           <a:xfrm>
-            <a:off x="7712414" y="1112608"/>
-            <a:ext cx="3656189" cy="5205422"/>
+            <a:off x="5726762" y="1301227"/>
+            <a:ext cx="6128165" cy="2952051"/>
           </a:xfrm>
           <a:prstGeom prst="rect">
             <a:avLst/>
           </a:prstGeom>
         </p:spPr>
       </p:pic>
+      <p:sp>
+        <p:nvSpPr>
+          <p:cNvPr id="12" name="TextBox 11">
+            <a:extLst>
+              <a:ext uri="{FF2B5EF4-FFF2-40B4-BE49-F238E27FC236}">
+                <a16:creationId xmlns:a16="http://schemas.microsoft.com/office/drawing/2014/main" id="{4B990B4B-48E9-4954-AE0F-4F22E6CEC527}"/>
+              </a:ext>
+            </a:extLst>
+          </p:cNvPr>
+          <p:cNvSpPr txBox="1"/>
+          <p:nvPr/>
+        </p:nvSpPr>
+        <p:spPr>
+          <a:xfrm>
+            <a:off x="520065" y="1301227"/>
+            <a:ext cx="4267200" cy="5078313"/>
+          </a:xfrm>
+          <a:prstGeom prst="rect">
+            <a:avLst/>
+          </a:prstGeom>
+          <a:noFill/>
+        </p:spPr>
+        <p:txBody>
+          <a:bodyPr wrap="square">
+            <a:spAutoFit/>
+          </a:bodyPr>
+          <a:lstStyle/>
+          <a:p>
+            <a:pPr algn="ctr"/>
+            <a:r>
+              <a:rPr lang="en-US" sz="1800" spc="-1" dirty="0">
+                <a:solidFill>
+                  <a:srgbClr val="C00000"/>
+                </a:solidFill>
+                <a:uFill>
+                  <a:solidFill>
+                    <a:srgbClr val="FFFFFF"/>
+                  </a:solidFill>
+                </a:uFill>
+                <a:latin typeface="Arial Rounded MT Bold" panose="020F0704030504030204" pitchFamily="34" charset="0"/>
+              </a:rPr>
+              <a:t>Scripts</a:t>
+            </a:r>
+          </a:p>
+          <a:p>
+            <a:endParaRPr lang="en-US" spc="-1" dirty="0">
+              <a:solidFill>
+                <a:srgbClr val="C00000"/>
+              </a:solidFill>
+              <a:uFill>
+                <a:solidFill>
+                  <a:srgbClr val="FFFFFF"/>
+                </a:solidFill>
+              </a:uFill>
+              <a:latin typeface="Arial Rounded MT Bold" panose="020F0704030504030204" pitchFamily="34" charset="0"/>
+            </a:endParaRPr>
+          </a:p>
+          <a:p>
+            <a:r>
+              <a:rPr lang="en-US" sz="1800" spc="-1" dirty="0">
+                <a:uFill>
+                  <a:solidFill>
+                    <a:srgbClr val="FFFFFF"/>
+                  </a:solidFill>
+                </a:uFill>
+                <a:latin typeface="Arial Rounded MT Bold" panose="020F0704030504030204" pitchFamily="34" charset="0"/>
+              </a:rPr>
+              <a:t>Allow you to reuse sequences of commands by storing them in code files</a:t>
+            </a:r>
+          </a:p>
+          <a:p>
+            <a:endParaRPr lang="en-US" spc="-1" dirty="0">
+              <a:solidFill>
+                <a:srgbClr val="C00000"/>
+              </a:solidFill>
+              <a:uFill>
+                <a:solidFill>
+                  <a:srgbClr val="FFFFFF"/>
+                </a:solidFill>
+              </a:uFill>
+              <a:latin typeface="Arial Rounded MT Bold" panose="020F0704030504030204" pitchFamily="34" charset="0"/>
+            </a:endParaRPr>
+          </a:p>
+          <a:p>
+            <a:r>
+              <a:rPr lang="en-US" sz="1800" spc="-1" dirty="0">
+                <a:uFill>
+                  <a:solidFill>
+                    <a:srgbClr val="FFFFFF"/>
+                  </a:solidFill>
+                </a:uFill>
+                <a:latin typeface="Arial Rounded MT Bold" panose="020F0704030504030204" pitchFamily="34" charset="0"/>
+              </a:rPr>
+              <a:t>A list of commands that are run from the current workspace. </a:t>
+            </a:r>
+          </a:p>
+          <a:p>
+            <a:endParaRPr lang="en-US" spc="-1" dirty="0">
+              <a:uFill>
+                <a:solidFill>
+                  <a:srgbClr val="FFFFFF"/>
+                </a:solidFill>
+              </a:uFill>
+              <a:latin typeface="Arial Rounded MT Bold" panose="020F0704030504030204" pitchFamily="34" charset="0"/>
+            </a:endParaRPr>
+          </a:p>
+          <a:p>
+            <a:r>
+              <a:rPr lang="en-US" sz="1800" spc="-1" dirty="0">
+                <a:uFill>
+                  <a:solidFill>
+                    <a:srgbClr val="FFFFFF"/>
+                  </a:solidFill>
+                </a:uFill>
+                <a:latin typeface="Arial Rounded MT Bold" panose="020F0704030504030204" pitchFamily="34" charset="0"/>
+              </a:rPr>
+              <a:t>All variables within the workspace can be called and all variables generated are stored in the workspace upon completion</a:t>
+            </a:r>
+          </a:p>
+          <a:p>
+            <a:endParaRPr lang="en-US" spc="-1" dirty="0">
+              <a:uFill>
+                <a:solidFill>
+                  <a:srgbClr val="FFFFFF"/>
+                </a:solidFill>
+              </a:uFill>
+              <a:latin typeface="Arial Rounded MT Bold" panose="020F0704030504030204" pitchFamily="34" charset="0"/>
+            </a:endParaRPr>
+          </a:p>
+          <a:p>
+            <a:r>
+              <a:rPr lang="en-US" spc="-1" dirty="0">
+                <a:uFill>
+                  <a:solidFill>
+                    <a:srgbClr val="FFFFFF"/>
+                  </a:solidFill>
+                </a:uFill>
+                <a:latin typeface="Arial Rounded MT Bold" panose="020F0704030504030204" pitchFamily="34" charset="0"/>
+              </a:rPr>
+              <a:t>Can be called/run from the command window, or from other scripts/functions</a:t>
+            </a:r>
+          </a:p>
+          <a:p>
+            <a:endParaRPr lang="en-GB" dirty="0"/>
+          </a:p>
+        </p:txBody>
+      </p:sp>
+      <p:sp>
+        <p:nvSpPr>
+          <p:cNvPr id="13" name="TextBox 12">
+            <a:extLst>
+              <a:ext uri="{FF2B5EF4-FFF2-40B4-BE49-F238E27FC236}">
+                <a16:creationId xmlns:a16="http://schemas.microsoft.com/office/drawing/2014/main" id="{FD73F18A-C9B6-4770-95AC-6FF37DCE80E6}"/>
+              </a:ext>
+            </a:extLst>
+          </p:cNvPr>
+          <p:cNvSpPr txBox="1"/>
+          <p:nvPr/>
+        </p:nvSpPr>
+        <p:spPr>
+          <a:xfrm>
+            <a:off x="5995705" y="4459158"/>
+            <a:ext cx="5590278" cy="923330"/>
+          </a:xfrm>
+          <a:prstGeom prst="rect">
+            <a:avLst/>
+          </a:prstGeom>
+          <a:noFill/>
+        </p:spPr>
+        <p:txBody>
+          <a:bodyPr wrap="square">
+            <a:spAutoFit/>
+          </a:bodyPr>
+          <a:lstStyle/>
+          <a:p>
+            <a:r>
+              <a:rPr lang="en-US" sz="1800" spc="-1" dirty="0">
+                <a:solidFill>
+                  <a:srgbClr val="C00000"/>
+                </a:solidFill>
+                <a:uFill>
+                  <a:solidFill>
+                    <a:srgbClr val="FFFFFF"/>
+                  </a:solidFill>
+                </a:uFill>
+                <a:latin typeface="Arial Rounded MT Bold" panose="020F0704030504030204" pitchFamily="34" charset="0"/>
+              </a:rPr>
+              <a:t>An example command:</a:t>
+            </a:r>
+          </a:p>
+          <a:p>
+            <a:endParaRPr lang="en-US" spc="-1" dirty="0">
+              <a:solidFill>
+                <a:srgbClr val="C00000"/>
+              </a:solidFill>
+              <a:uFill>
+                <a:solidFill>
+                  <a:srgbClr val="FFFFFF"/>
+                </a:solidFill>
+              </a:uFill>
+              <a:latin typeface="Arial Rounded MT Bold" panose="020F0704030504030204" pitchFamily="34" charset="0"/>
+            </a:endParaRPr>
+          </a:p>
+          <a:p>
+            <a:r>
+              <a:rPr lang="en-US" spc="-1" dirty="0">
+                <a:uFill>
+                  <a:solidFill>
+                    <a:srgbClr val="FFFFFF"/>
+                  </a:solidFill>
+                </a:uFill>
+                <a:latin typeface="Consolas" panose="020B0609020204030204" pitchFamily="49" charset="0"/>
+              </a:rPr>
+              <a:t>run 'test_script_1.m'</a:t>
+            </a:r>
+            <a:r>
+              <a:rPr lang="en-US" spc="-1" dirty="0">
+                <a:solidFill>
+                  <a:srgbClr val="C00000"/>
+                </a:solidFill>
+                <a:uFill>
+                  <a:solidFill>
+                    <a:srgbClr val="FFFFFF"/>
+                  </a:solidFill>
+                </a:uFill>
+                <a:latin typeface="Consolas" panose="020B0609020204030204" pitchFamily="49" charset="0"/>
+              </a:rPr>
+              <a:t> </a:t>
+            </a:r>
+            <a:endParaRPr lang="en-GB" dirty="0">
+              <a:latin typeface="Consolas" panose="020B0609020204030204" pitchFamily="49" charset="0"/>
+            </a:endParaRPr>
+          </a:p>
+        </p:txBody>
+      </p:sp>
     </p:spTree>
     <p:extLst>
       <p:ext uri="{BB962C8B-B14F-4D97-AF65-F5344CB8AC3E}">
-        <p14:creationId xmlns:p14="http://schemas.microsoft.com/office/powerpoint/2010/main" val="678047991"/>
+        <p14:creationId xmlns:p14="http://schemas.microsoft.com/office/powerpoint/2010/main" val="437180328"/>
       </p:ext>
     </p:extLst>
   </p:cSld>
@@ -11501,14 +11669,20 @@
       </p:sp>
       <p:sp>
         <p:nvSpPr>
-          <p:cNvPr id="6" name="CustomShape 1"/>
+          <p:cNvPr id="10" name="CustomShape 1">
+            <a:extLst>
+              <a:ext uri="{FF2B5EF4-FFF2-40B4-BE49-F238E27FC236}">
+                <a16:creationId xmlns:a16="http://schemas.microsoft.com/office/drawing/2014/main" id="{4228D993-26E2-407F-8744-60EC40AF29EE}"/>
+              </a:ext>
+            </a:extLst>
+          </p:cNvPr>
           <p:cNvSpPr/>
           <p:nvPr/>
         </p:nvSpPr>
         <p:spPr>
           <a:xfrm>
-            <a:off x="7963" y="53081"/>
-            <a:ext cx="12184034" cy="768992"/>
+            <a:off x="-11" y="53775"/>
+            <a:ext cx="12192007" cy="768992"/>
           </a:xfrm>
           <a:prstGeom prst="rect">
             <a:avLst/>
@@ -11561,104 +11735,17 @@
                 <a:ea typeface="+mj-ea"/>
                 <a:cs typeface="+mj-cs"/>
               </a:rPr>
-              <a:t>Data types</a:t>
+              <a:t>MATLAB primer</a:t>
             </a:r>
           </a:p>
         </p:txBody>
       </p:sp>
       <p:sp>
         <p:nvSpPr>
-          <p:cNvPr id="8" name="CustomShape 1"/>
-          <p:cNvSpPr/>
-          <p:nvPr/>
-        </p:nvSpPr>
-        <p:spPr>
-          <a:xfrm>
-            <a:off x="4198966" y="2147357"/>
-            <a:ext cx="3810000" cy="4101042"/>
-          </a:xfrm>
-          <a:prstGeom prst="rect">
-            <a:avLst/>
-          </a:prstGeom>
-        </p:spPr>
-        <p:style>
-          <a:lnRef idx="0">
-            <a:scrgbClr r="0" g="0" b="0"/>
-          </a:lnRef>
-          <a:fillRef idx="0">
-            <a:scrgbClr r="0" g="0" b="0"/>
-          </a:fillRef>
-          <a:effectRef idx="0">
-            <a:scrgbClr r="0" g="0" b="0"/>
-          </a:effectRef>
-          <a:fontRef idx="minor"/>
-        </p:style>
-        <p:txBody>
-          <a:bodyPr vert="horz" lIns="91440" tIns="45720" rIns="91440" bIns="45720" rtlCol="0">
-            <a:normAutofit/>
-          </a:bodyPr>
-          <a:lstStyle/>
-          <a:p>
-            <a:pPr algn="ctr" defTabSz="914400">
-              <a:lnSpc>
-                <a:spcPct val="90000"/>
-              </a:lnSpc>
-              <a:spcAft>
-                <a:spcPts val="600"/>
-              </a:spcAft>
-            </a:pPr>
-            <a:endParaRPr lang="en-US" sz="2000" b="1" spc="-1" dirty="0">
-              <a:solidFill>
-                <a:schemeClr val="tx1">
-                  <a:lumMod val="85000"/>
-                  <a:lumOff val="15000"/>
-                </a:schemeClr>
-              </a:solidFill>
-              <a:uFill>
-                <a:solidFill>
-                  <a:srgbClr val="FFFFFF"/>
-                </a:solidFill>
-              </a:uFill>
-              <a:latin typeface="Arial Rounded MT Bold" panose="020F0704030504030204" pitchFamily="34" charset="0"/>
-            </a:endParaRPr>
-          </a:p>
-        </p:txBody>
-      </p:sp>
-      <p:pic>
-        <p:nvPicPr>
-          <p:cNvPr id="3" name="Picture 2">
+          <p:cNvPr id="12" name="TextBox 11">
             <a:extLst>
               <a:ext uri="{FF2B5EF4-FFF2-40B4-BE49-F238E27FC236}">
-                <a16:creationId xmlns:a16="http://schemas.microsoft.com/office/drawing/2014/main" id="{A2AC661D-9AE0-4EAE-8096-461FFB4C1504}"/>
-              </a:ext>
-            </a:extLst>
-          </p:cNvPr>
-          <p:cNvPicPr>
-            <a:picLocks noChangeAspect="1"/>
-          </p:cNvPicPr>
-          <p:nvPr/>
-        </p:nvPicPr>
-        <p:blipFill rotWithShape="1">
-          <a:blip r:embed="rId3"/>
-          <a:srcRect r="14044"/>
-          <a:stretch/>
-        </p:blipFill>
-        <p:spPr>
-          <a:xfrm>
-            <a:off x="650556" y="1040697"/>
-            <a:ext cx="4535805" cy="2667000"/>
-          </a:xfrm>
-          <a:prstGeom prst="rect">
-            <a:avLst/>
-          </a:prstGeom>
-        </p:spPr>
-      </p:pic>
-      <p:sp>
-        <p:nvSpPr>
-          <p:cNvPr id="9" name="TextBox 8">
-            <a:extLst>
-              <a:ext uri="{FF2B5EF4-FFF2-40B4-BE49-F238E27FC236}">
-                <a16:creationId xmlns:a16="http://schemas.microsoft.com/office/drawing/2014/main" id="{55419456-9218-4403-A4E8-18BFA28481C0}"/>
+                <a16:creationId xmlns:a16="http://schemas.microsoft.com/office/drawing/2014/main" id="{4B990B4B-48E9-4954-AE0F-4F22E6CEC527}"/>
               </a:ext>
             </a:extLst>
           </p:cNvPr>
@@ -11667,8 +11754,8 @@
         </p:nvSpPr>
         <p:spPr>
           <a:xfrm>
-            <a:off x="5711184" y="912112"/>
-            <a:ext cx="6423660" cy="5890843"/>
+            <a:off x="520065" y="1301227"/>
+            <a:ext cx="4267200" cy="5355312"/>
           </a:xfrm>
           <a:prstGeom prst="rect">
             <a:avLst/>
@@ -11681,14 +11768,7 @@
           </a:bodyPr>
           <a:lstStyle/>
           <a:p>
-            <a:pPr algn="ctr" defTabSz="914400">
-              <a:lnSpc>
-                <a:spcPct val="90000"/>
-              </a:lnSpc>
-              <a:spcAft>
-                <a:spcPts val="600"/>
-              </a:spcAft>
-            </a:pPr>
+            <a:pPr algn="ctr"/>
             <a:r>
               <a:rPr lang="en-US" sz="1800" spc="-1" dirty="0">
                 <a:solidFill>
@@ -11701,16 +11781,25 @@
                 </a:uFill>
                 <a:latin typeface="Arial Rounded MT Bold" panose="020F0704030504030204" pitchFamily="34" charset="0"/>
               </a:rPr>
-              <a:t>Logical</a:t>
-            </a:r>
+              <a:t>Functions</a:t>
+            </a:r>
+          </a:p>
+          <a:p>
+            <a:endParaRPr lang="en-US" spc="-1" dirty="0">
+              <a:solidFill>
+                <a:srgbClr val="C00000"/>
+              </a:solidFill>
+              <a:uFill>
+                <a:solidFill>
+                  <a:srgbClr val="FFFFFF"/>
+                </a:solidFill>
+              </a:uFill>
+              <a:latin typeface="Arial Rounded MT Bold" panose="020F0704030504030204" pitchFamily="34" charset="0"/>
+            </a:endParaRPr>
+          </a:p>
+          <a:p>
             <a:r>
               <a:rPr lang="en-US" sz="1800" spc="-1" dirty="0">
-                <a:solidFill>
-                  <a:schemeClr val="tx1">
-                    <a:lumMod val="85000"/>
-                    <a:lumOff val="15000"/>
-                  </a:schemeClr>
-                </a:solidFill>
                 <a:uFill>
                   <a:solidFill>
                     <a:srgbClr val="FFFFFF"/>
@@ -11718,24 +11807,166 @@
                 </a:uFill>
                 <a:latin typeface="Arial Rounded MT Bold" panose="020F0704030504030204" pitchFamily="34" charset="0"/>
               </a:rPr>
-              <a:t> = Boolean = 0 or 1, false or true</a:t>
-            </a:r>
-          </a:p>
-          <a:p>
-            <a:pPr algn="ctr" defTabSz="914400">
-              <a:lnSpc>
-                <a:spcPct val="90000"/>
-              </a:lnSpc>
-              <a:spcAft>
-                <a:spcPts val="600"/>
-              </a:spcAft>
-            </a:pPr>
+              <a:t>Allow you to reuse sequences of commands by storing them in code files</a:t>
+            </a:r>
+          </a:p>
+          <a:p>
             <a:endParaRPr lang="en-US" spc="-1" dirty="0">
               <a:solidFill>
-                <a:schemeClr val="tx1">
-                  <a:lumMod val="85000"/>
-                  <a:lumOff val="15000"/>
-                </a:schemeClr>
+                <a:srgbClr val="C00000"/>
+              </a:solidFill>
+              <a:uFill>
+                <a:solidFill>
+                  <a:srgbClr val="FFFFFF"/>
+                </a:solidFill>
+              </a:uFill>
+              <a:latin typeface="Arial Rounded MT Bold" panose="020F0704030504030204" pitchFamily="34" charset="0"/>
+            </a:endParaRPr>
+          </a:p>
+          <a:p>
+            <a:r>
+              <a:rPr lang="en-US" sz="1800" spc="-1" dirty="0">
+                <a:uFill>
+                  <a:solidFill>
+                    <a:srgbClr val="FFFFFF"/>
+                  </a:solidFill>
+                </a:uFill>
+                <a:latin typeface="Arial Rounded MT Bold" panose="020F0704030504030204" pitchFamily="34" charset="0"/>
+              </a:rPr>
+              <a:t>A list of commands that are run from the current workspace. </a:t>
+            </a:r>
+          </a:p>
+          <a:p>
+            <a:endParaRPr lang="en-US" spc="-1" dirty="0">
+              <a:uFill>
+                <a:solidFill>
+                  <a:srgbClr val="FFFFFF"/>
+                </a:solidFill>
+              </a:uFill>
+              <a:latin typeface="Arial Rounded MT Bold" panose="020F0704030504030204" pitchFamily="34" charset="0"/>
+            </a:endParaRPr>
+          </a:p>
+          <a:p>
+            <a:r>
+              <a:rPr lang="en-US" sz="1800" spc="-1" dirty="0">
+                <a:uFill>
+                  <a:solidFill>
+                    <a:srgbClr val="FFFFFF"/>
+                  </a:solidFill>
+                </a:uFill>
+                <a:latin typeface="Arial Rounded MT Bold" panose="020F0704030504030204" pitchFamily="34" charset="0"/>
+              </a:rPr>
+              <a:t>Only the variables defined as inputs are available within the function</a:t>
+            </a:r>
+          </a:p>
+          <a:p>
+            <a:endParaRPr lang="en-US" spc="-1" dirty="0">
+              <a:uFill>
+                <a:solidFill>
+                  <a:srgbClr val="FFFFFF"/>
+                </a:solidFill>
+              </a:uFill>
+              <a:latin typeface="Arial Rounded MT Bold" panose="020F0704030504030204" pitchFamily="34" charset="0"/>
+            </a:endParaRPr>
+          </a:p>
+          <a:p>
+            <a:r>
+              <a:rPr lang="en-US" sz="1800" spc="-1" dirty="0">
+                <a:uFill>
+                  <a:solidFill>
+                    <a:srgbClr val="FFFFFF"/>
+                  </a:solidFill>
+                </a:uFill>
+                <a:latin typeface="Arial Rounded MT Bold" panose="020F0704030504030204" pitchFamily="34" charset="0"/>
+              </a:rPr>
+              <a:t>Only the output variables are added to the Workspace upon completion </a:t>
+            </a:r>
+          </a:p>
+          <a:p>
+            <a:endParaRPr lang="en-US" spc="-1" dirty="0">
+              <a:uFill>
+                <a:solidFill>
+                  <a:srgbClr val="FFFFFF"/>
+                </a:solidFill>
+              </a:uFill>
+              <a:latin typeface="Arial Rounded MT Bold" panose="020F0704030504030204" pitchFamily="34" charset="0"/>
+            </a:endParaRPr>
+          </a:p>
+          <a:p>
+            <a:r>
+              <a:rPr lang="en-US" spc="-1" dirty="0">
+                <a:uFill>
+                  <a:solidFill>
+                    <a:srgbClr val="FFFFFF"/>
+                  </a:solidFill>
+                </a:uFill>
+                <a:latin typeface="Arial Rounded MT Bold" panose="020F0704030504030204" pitchFamily="34" charset="0"/>
+              </a:rPr>
+              <a:t>Can be called/run from the command window, or from other scripts/functions</a:t>
+            </a:r>
+          </a:p>
+          <a:p>
+            <a:endParaRPr lang="en-GB" dirty="0"/>
+          </a:p>
+        </p:txBody>
+      </p:sp>
+      <p:sp>
+        <p:nvSpPr>
+          <p:cNvPr id="13" name="TextBox 12">
+            <a:extLst>
+              <a:ext uri="{FF2B5EF4-FFF2-40B4-BE49-F238E27FC236}">
+                <a16:creationId xmlns:a16="http://schemas.microsoft.com/office/drawing/2014/main" id="{FD73F18A-C9B6-4770-95AC-6FF37DCE80E6}"/>
+              </a:ext>
+            </a:extLst>
+          </p:cNvPr>
+          <p:cNvSpPr txBox="1"/>
+          <p:nvPr/>
+        </p:nvSpPr>
+        <p:spPr>
+          <a:xfrm>
+            <a:off x="5663866" y="4364528"/>
+            <a:ext cx="6528130" cy="1754326"/>
+          </a:xfrm>
+          <a:prstGeom prst="rect">
+            <a:avLst/>
+          </a:prstGeom>
+          <a:noFill/>
+        </p:spPr>
+        <p:txBody>
+          <a:bodyPr wrap="square">
+            <a:spAutoFit/>
+          </a:bodyPr>
+          <a:lstStyle/>
+          <a:p>
+            <a:r>
+              <a:rPr lang="en-US" sz="1800" spc="-1" dirty="0">
+                <a:uFill>
+                  <a:solidFill>
+                    <a:srgbClr val="FFFFFF"/>
+                  </a:solidFill>
+                </a:uFill>
+                <a:latin typeface="Arial Rounded MT Bold" panose="020F0704030504030204" pitchFamily="34" charset="0"/>
+              </a:rPr>
+              <a:t>Input an output argument naming conventions</a:t>
+            </a:r>
+          </a:p>
+          <a:p>
+            <a:endParaRPr lang="en-US" spc="-1" dirty="0">
+              <a:solidFill>
+                <a:srgbClr val="C00000"/>
+              </a:solidFill>
+              <a:uFill>
+                <a:solidFill>
+                  <a:srgbClr val="FFFFFF"/>
+                </a:solidFill>
+              </a:uFill>
+              <a:latin typeface="Arial Rounded MT Bold" panose="020F0704030504030204" pitchFamily="34" charset="0"/>
+            </a:endParaRPr>
+          </a:p>
+          <a:p>
+            <a:endParaRPr lang="en-US" sz="1800" spc="-1" dirty="0">
+              <a:solidFill>
+                <a:srgbClr val="C00000"/>
               </a:solidFill>
               <a:uFill>
                 <a:solidFill>
@@ -11758,533 +11989,11 @@
                 </a:uFill>
                 <a:latin typeface="Arial Rounded MT Bold" panose="020F0704030504030204" pitchFamily="34" charset="0"/>
               </a:rPr>
-              <a:t>String</a:t>
-            </a:r>
-            <a:r>
-              <a:rPr lang="en-US" sz="1800" spc="-1" dirty="0">
-                <a:solidFill>
-                  <a:schemeClr val="tx1">
-                    <a:lumMod val="85000"/>
-                    <a:lumOff val="15000"/>
-                  </a:schemeClr>
-                </a:solidFill>
-                <a:uFill>
-                  <a:solidFill>
-                    <a:srgbClr val="FFFFFF"/>
-                  </a:solidFill>
-                </a:uFill>
-                <a:latin typeface="Arial Rounded MT Bold" panose="020F0704030504030204" pitchFamily="34" charset="0"/>
-              </a:rPr>
-              <a:t> = collection of characters (letters) e.g. </a:t>
-            </a:r>
-          </a:p>
-          <a:p>
-            <a:r>
-              <a:rPr lang="en-US" spc="-1" dirty="0">
-                <a:solidFill>
-                  <a:srgbClr val="C00000"/>
-                </a:solidFill>
-                <a:uFill>
-                  <a:solidFill>
-                    <a:srgbClr val="FFFFFF"/>
-                  </a:solidFill>
-                </a:uFill>
-                <a:latin typeface="Arial Rounded MT Bold" panose="020F0704030504030204" pitchFamily="34" charset="0"/>
-              </a:rPr>
-              <a:t>Character</a:t>
-            </a:r>
-            <a:r>
-              <a:rPr lang="en-US" spc="-1" dirty="0">
-                <a:solidFill>
-                  <a:schemeClr val="tx1">
-                    <a:lumMod val="85000"/>
-                    <a:lumOff val="15000"/>
-                  </a:schemeClr>
-                </a:solidFill>
-                <a:uFill>
-                  <a:solidFill>
-                    <a:srgbClr val="FFFFFF"/>
-                  </a:solidFill>
-                </a:uFill>
-                <a:latin typeface="Arial Rounded MT Bold" panose="020F0704030504030204" pitchFamily="34" charset="0"/>
-              </a:rPr>
-              <a:t> = each letter is treated separately</a:t>
-            </a:r>
-          </a:p>
-          <a:p>
-            <a:r>
-              <a:rPr lang="en-US" dirty="0"/>
-              <a:t>c = 'apple’; f = c(1) % f = ‘a’</a:t>
-            </a:r>
-          </a:p>
-          <a:p>
-            <a:r>
-              <a:rPr lang="en-US" dirty="0"/>
-              <a:t>s = "apple"; f = s(1) % f = "apple“</a:t>
-            </a:r>
-          </a:p>
-          <a:p>
-            <a:endParaRPr lang="en-US" dirty="0"/>
-          </a:p>
-          <a:p>
-            <a:pPr algn="ctr" defTabSz="914400">
-              <a:lnSpc>
-                <a:spcPct val="90000"/>
-              </a:lnSpc>
-              <a:spcAft>
-                <a:spcPts val="600"/>
-              </a:spcAft>
-            </a:pPr>
-            <a:r>
-              <a:rPr lang="en-US" spc="-1" dirty="0">
-                <a:solidFill>
-                  <a:srgbClr val="C00000"/>
-                </a:solidFill>
-                <a:uFill>
-                  <a:solidFill>
-                    <a:srgbClr val="FFFFFF"/>
-                  </a:solidFill>
-                </a:uFill>
-                <a:latin typeface="Arial Rounded MT Bold" panose="020F0704030504030204" pitchFamily="34" charset="0"/>
-              </a:rPr>
-              <a:t>Cell</a:t>
-            </a:r>
-            <a:r>
-              <a:rPr lang="en-US" spc="-1" dirty="0">
-                <a:solidFill>
-                  <a:schemeClr val="tx1">
-                    <a:lumMod val="85000"/>
-                    <a:lumOff val="15000"/>
-                  </a:schemeClr>
-                </a:solidFill>
-                <a:uFill>
-                  <a:solidFill>
-                    <a:srgbClr val="FFFFFF"/>
-                  </a:solidFill>
-                </a:uFill>
-                <a:latin typeface="Arial Rounded MT Bold" panose="020F0704030504030204" pitchFamily="34" charset="0"/>
-              </a:rPr>
-              <a:t> = Treated as non-numeric (but can be numeric)</a:t>
-            </a:r>
-          </a:p>
-          <a:p>
-            <a:pPr algn="ctr" defTabSz="914400">
-              <a:lnSpc>
-                <a:spcPct val="90000"/>
-              </a:lnSpc>
-              <a:spcAft>
-                <a:spcPts val="600"/>
-              </a:spcAft>
-            </a:pPr>
-            <a:endParaRPr lang="en-US" spc="-1" dirty="0">
-              <a:solidFill>
-                <a:schemeClr val="tx1">
-                  <a:lumMod val="85000"/>
-                  <a:lumOff val="15000"/>
-                </a:schemeClr>
-              </a:solidFill>
-              <a:uFill>
-                <a:solidFill>
-                  <a:srgbClr val="FFFFFF"/>
-                </a:solidFill>
-              </a:uFill>
-              <a:latin typeface="Arial Rounded MT Bold" panose="020F0704030504030204" pitchFamily="34" charset="0"/>
-            </a:endParaRPr>
-          </a:p>
-          <a:p>
-            <a:pPr algn="ctr" defTabSz="914400">
-              <a:lnSpc>
-                <a:spcPct val="90000"/>
-              </a:lnSpc>
-              <a:spcAft>
-                <a:spcPts val="600"/>
-              </a:spcAft>
-            </a:pPr>
-            <a:r>
-              <a:rPr lang="en-US" sz="1800" spc="-1" dirty="0">
-                <a:solidFill>
-                  <a:srgbClr val="C00000"/>
-                </a:solidFill>
-                <a:uFill>
-                  <a:solidFill>
-                    <a:srgbClr val="FFFFFF"/>
-                  </a:solidFill>
-                </a:uFill>
-                <a:latin typeface="Arial Rounded MT Bold" panose="020F0704030504030204" pitchFamily="34" charset="0"/>
-              </a:rPr>
-              <a:t>Numeric</a:t>
-            </a:r>
-            <a:r>
-              <a:rPr lang="en-US" sz="1800" spc="-1" dirty="0">
-                <a:solidFill>
-                  <a:schemeClr val="tx1">
-                    <a:lumMod val="85000"/>
-                    <a:lumOff val="15000"/>
-                  </a:schemeClr>
-                </a:solidFill>
-                <a:uFill>
-                  <a:solidFill>
-                    <a:srgbClr val="FFFFFF"/>
-                  </a:solidFill>
-                </a:uFill>
-                <a:latin typeface="Arial Rounded MT Bold" panose="020F0704030504030204" pitchFamily="34" charset="0"/>
-              </a:rPr>
-              <a:t> = only numbers (and </a:t>
-            </a:r>
-            <a:r>
-              <a:rPr lang="en-US" sz="1800" spc="-1" dirty="0" err="1">
-                <a:solidFill>
-                  <a:schemeClr val="tx1">
-                    <a:lumMod val="85000"/>
-                    <a:lumOff val="15000"/>
-                  </a:schemeClr>
-                </a:solidFill>
-                <a:uFill>
-                  <a:solidFill>
-                    <a:srgbClr val="FFFFFF"/>
-                  </a:solidFill>
-                </a:uFill>
-                <a:latin typeface="Arial Rounded MT Bold" panose="020F0704030504030204" pitchFamily="34" charset="0"/>
-              </a:rPr>
-              <a:t>NaN</a:t>
-            </a:r>
-            <a:r>
-              <a:rPr lang="en-US" sz="1800" spc="-1" dirty="0">
-                <a:solidFill>
-                  <a:schemeClr val="tx1">
-                    <a:lumMod val="85000"/>
-                    <a:lumOff val="15000"/>
-                  </a:schemeClr>
-                </a:solidFill>
-                <a:uFill>
-                  <a:solidFill>
-                    <a:srgbClr val="FFFFFF"/>
-                  </a:solidFill>
-                </a:uFill>
-                <a:latin typeface="Arial Rounded MT Bold" panose="020F0704030504030204" pitchFamily="34" charset="0"/>
-              </a:rPr>
-              <a:t>). </a:t>
-            </a:r>
-          </a:p>
-          <a:p>
-            <a:pPr algn="ctr" defTabSz="914400">
-              <a:lnSpc>
-                <a:spcPct val="90000"/>
-              </a:lnSpc>
-              <a:spcAft>
-                <a:spcPts val="600"/>
-              </a:spcAft>
-            </a:pPr>
-            <a:r>
-              <a:rPr lang="en-US" sz="1800" spc="-1" dirty="0">
-                <a:solidFill>
-                  <a:schemeClr val="tx1">
-                    <a:lumMod val="85000"/>
-                    <a:lumOff val="15000"/>
-                  </a:schemeClr>
-                </a:solidFill>
-                <a:uFill>
-                  <a:solidFill>
-                    <a:srgbClr val="FFFFFF"/>
-                  </a:solidFill>
-                </a:uFill>
-                <a:latin typeface="Arial Rounded MT Bold" panose="020F0704030504030204" pitchFamily="34" charset="0"/>
-              </a:rPr>
-              <a:t>Double precision (default, 64 bits) most widely used</a:t>
-            </a:r>
-          </a:p>
-          <a:p>
-            <a:pPr algn="ctr" defTabSz="914400">
-              <a:lnSpc>
-                <a:spcPct val="90000"/>
-              </a:lnSpc>
-              <a:spcAft>
-                <a:spcPts val="600"/>
-              </a:spcAft>
-            </a:pPr>
-            <a:r>
-              <a:rPr lang="en-US" spc="-1" dirty="0">
-                <a:solidFill>
-                  <a:schemeClr val="tx1">
-                    <a:lumMod val="85000"/>
-                    <a:lumOff val="15000"/>
-                  </a:schemeClr>
-                </a:solidFill>
-                <a:uFill>
-                  <a:solidFill>
-                    <a:srgbClr val="FFFFFF"/>
-                  </a:solidFill>
-                </a:uFill>
-                <a:latin typeface="Arial Rounded MT Bold" panose="020F0704030504030204" pitchFamily="34" charset="0"/>
-              </a:rPr>
-              <a:t>Single precision (32 bits)</a:t>
-            </a:r>
-          </a:p>
-          <a:p>
-            <a:pPr algn="ctr" defTabSz="914400">
-              <a:lnSpc>
-                <a:spcPct val="90000"/>
-              </a:lnSpc>
-              <a:spcAft>
-                <a:spcPts val="600"/>
-              </a:spcAft>
-            </a:pPr>
-            <a:r>
-              <a:rPr lang="en-US" spc="-1" dirty="0">
-                <a:solidFill>
-                  <a:schemeClr val="tx1">
-                    <a:lumMod val="85000"/>
-                    <a:lumOff val="15000"/>
-                  </a:schemeClr>
-                </a:solidFill>
-                <a:uFill>
-                  <a:solidFill>
-                    <a:srgbClr val="FFFFFF"/>
-                  </a:solidFill>
-                </a:uFill>
-                <a:latin typeface="Arial Rounded MT Bold" panose="020F0704030504030204" pitchFamily="34" charset="0"/>
-              </a:rPr>
-              <a:t>i</a:t>
-            </a:r>
-            <a:r>
-              <a:rPr lang="en-US" sz="1800" spc="-1" dirty="0">
-                <a:solidFill>
-                  <a:schemeClr val="tx1">
-                    <a:lumMod val="85000"/>
-                    <a:lumOff val="15000"/>
-                  </a:schemeClr>
-                </a:solidFill>
-                <a:uFill>
-                  <a:solidFill>
-                    <a:srgbClr val="FFFFFF"/>
-                  </a:solidFill>
-                </a:uFill>
-                <a:latin typeface="Arial Rounded MT Bold" panose="020F0704030504030204" pitchFamily="34" charset="0"/>
-              </a:rPr>
-              <a:t>nt8, int16, … = Variables with … bit signed integers</a:t>
-            </a:r>
-          </a:p>
-          <a:p>
-            <a:pPr algn="ctr" defTabSz="914400">
-              <a:lnSpc>
-                <a:spcPct val="90000"/>
-              </a:lnSpc>
-              <a:spcAft>
-                <a:spcPts val="600"/>
-              </a:spcAft>
-            </a:pPr>
-            <a:r>
-              <a:rPr lang="en-US" spc="-1" dirty="0">
-                <a:solidFill>
-                  <a:schemeClr val="tx1">
-                    <a:lumMod val="85000"/>
-                    <a:lumOff val="15000"/>
-                  </a:schemeClr>
-                </a:solidFill>
-                <a:uFill>
-                  <a:solidFill>
-                    <a:srgbClr val="FFFFFF"/>
-                  </a:solidFill>
-                </a:uFill>
-                <a:latin typeface="Arial Rounded MT Bold" panose="020F0704030504030204" pitchFamily="34" charset="0"/>
-              </a:rPr>
-              <a:t>ui</a:t>
-            </a:r>
-            <a:r>
-              <a:rPr lang="en-US" sz="1800" spc="-1" dirty="0">
-                <a:solidFill>
-                  <a:schemeClr val="tx1">
-                    <a:lumMod val="85000"/>
-                    <a:lumOff val="15000"/>
-                  </a:schemeClr>
-                </a:solidFill>
-                <a:uFill>
-                  <a:solidFill>
-                    <a:srgbClr val="FFFFFF"/>
-                  </a:solidFill>
-                </a:uFill>
-                <a:latin typeface="Arial Rounded MT Bold" panose="020F0704030504030204" pitchFamily="34" charset="0"/>
-              </a:rPr>
-              <a:t>nt8, … = Variables with … bit non-negative integers</a:t>
-            </a:r>
-          </a:p>
-          <a:p>
-            <a:pPr algn="ctr" defTabSz="914400">
-              <a:lnSpc>
-                <a:spcPct val="90000"/>
-              </a:lnSpc>
-              <a:spcAft>
-                <a:spcPts val="600"/>
-              </a:spcAft>
-            </a:pPr>
-            <a:endParaRPr lang="en-US" spc="-1" dirty="0">
-              <a:solidFill>
-                <a:schemeClr val="tx1">
-                  <a:lumMod val="85000"/>
-                  <a:lumOff val="15000"/>
-                </a:schemeClr>
-              </a:solidFill>
-              <a:uFill>
-                <a:solidFill>
-                  <a:srgbClr val="FFFFFF"/>
-                </a:solidFill>
-              </a:uFill>
-              <a:latin typeface="Arial Rounded MT Bold" panose="020F0704030504030204" pitchFamily="34" charset="0"/>
-            </a:endParaRPr>
-          </a:p>
-          <a:p>
-            <a:pPr algn="ctr" defTabSz="914400">
-              <a:lnSpc>
-                <a:spcPct val="90000"/>
-              </a:lnSpc>
-              <a:spcAft>
-                <a:spcPts val="600"/>
-              </a:spcAft>
-            </a:pPr>
-            <a:r>
-              <a:rPr lang="en-US" sz="1800" spc="-1" dirty="0">
-                <a:solidFill>
-                  <a:srgbClr val="C00000"/>
-                </a:solidFill>
-                <a:uFill>
-                  <a:solidFill>
-                    <a:srgbClr val="FFFFFF"/>
-                  </a:solidFill>
-                </a:uFill>
-                <a:latin typeface="Arial Rounded MT Bold" panose="020F0704030504030204" pitchFamily="34" charset="0"/>
-              </a:rPr>
-              <a:t>Table</a:t>
-            </a:r>
-            <a:r>
-              <a:rPr lang="en-US" sz="1800" spc="-1" dirty="0">
-                <a:solidFill>
-                  <a:schemeClr val="tx1">
-                    <a:lumMod val="85000"/>
-                    <a:lumOff val="15000"/>
-                  </a:schemeClr>
-                </a:solidFill>
-                <a:uFill>
-                  <a:solidFill>
-                    <a:srgbClr val="FFFFFF"/>
-                  </a:solidFill>
-                </a:uFill>
-                <a:latin typeface="Arial Rounded MT Bold" panose="020F0704030504030204" pitchFamily="34" charset="0"/>
-              </a:rPr>
-              <a:t> = mixed input (numeric and string)</a:t>
-            </a:r>
-          </a:p>
-          <a:p>
-            <a:pPr algn="ctr" defTabSz="914400">
-              <a:lnSpc>
-                <a:spcPct val="90000"/>
-              </a:lnSpc>
-              <a:spcAft>
-                <a:spcPts val="600"/>
-              </a:spcAft>
-            </a:pPr>
-            <a:endParaRPr lang="en-US" spc="-1" dirty="0">
-              <a:solidFill>
-                <a:schemeClr val="tx1">
-                  <a:lumMod val="85000"/>
-                  <a:lumOff val="15000"/>
-                </a:schemeClr>
-              </a:solidFill>
-              <a:uFill>
-                <a:solidFill>
-                  <a:srgbClr val="FFFFFF"/>
-                </a:solidFill>
-              </a:uFill>
-              <a:latin typeface="Arial Rounded MT Bold" panose="020F0704030504030204" pitchFamily="34" charset="0"/>
-            </a:endParaRPr>
-          </a:p>
-          <a:p>
-            <a:pPr algn="ctr" defTabSz="914400">
-              <a:lnSpc>
-                <a:spcPct val="90000"/>
-              </a:lnSpc>
-              <a:spcAft>
-                <a:spcPts val="600"/>
-              </a:spcAft>
-            </a:pPr>
-            <a:r>
-              <a:rPr lang="en-US" sz="1800" spc="-1" dirty="0">
-                <a:solidFill>
-                  <a:srgbClr val="C00000"/>
-                </a:solidFill>
-                <a:uFill>
-                  <a:solidFill>
-                    <a:srgbClr val="FFFFFF"/>
-                  </a:solidFill>
-                </a:uFill>
-                <a:latin typeface="Arial Rounded MT Bold" panose="020F0704030504030204" pitchFamily="34" charset="0"/>
-              </a:rPr>
-              <a:t>Structure</a:t>
-            </a:r>
-            <a:r>
-              <a:rPr lang="en-US" sz="1800" spc="-1" dirty="0">
-                <a:solidFill>
-                  <a:schemeClr val="tx1">
-                    <a:lumMod val="85000"/>
-                    <a:lumOff val="15000"/>
-                  </a:schemeClr>
-                </a:solidFill>
-                <a:uFill>
-                  <a:solidFill>
-                    <a:srgbClr val="FFFFFF"/>
-                  </a:solidFill>
-                </a:uFill>
-                <a:latin typeface="Arial Rounded MT Bold" panose="020F0704030504030204" pitchFamily="34" charset="0"/>
-              </a:rPr>
-              <a:t> =  groups related data using data containers called fields</a:t>
-            </a:r>
-          </a:p>
-        </p:txBody>
-      </p:sp>
-      <p:sp>
-        <p:nvSpPr>
-          <p:cNvPr id="10" name="TextBox 9">
-            <a:extLst>
-              <a:ext uri="{FF2B5EF4-FFF2-40B4-BE49-F238E27FC236}">
-                <a16:creationId xmlns:a16="http://schemas.microsoft.com/office/drawing/2014/main" id="{6E0D37F3-9755-4AF2-A008-11D8EB620305}"/>
-              </a:ext>
-            </a:extLst>
-          </p:cNvPr>
-          <p:cNvSpPr txBox="1"/>
-          <p:nvPr/>
-        </p:nvSpPr>
-        <p:spPr>
-          <a:xfrm>
-            <a:off x="413385" y="4379062"/>
-            <a:ext cx="5423535" cy="2308324"/>
-          </a:xfrm>
-          <a:prstGeom prst="rect">
-            <a:avLst/>
-          </a:prstGeom>
-          <a:noFill/>
-        </p:spPr>
-        <p:txBody>
-          <a:bodyPr wrap="square">
-            <a:spAutoFit/>
-          </a:bodyPr>
-          <a:lstStyle/>
-          <a:p>
-            <a:r>
-              <a:rPr lang="en-US" sz="1800" spc="-1" dirty="0">
-                <a:solidFill>
-                  <a:schemeClr val="tx2"/>
-                </a:solidFill>
-                <a:uFill>
-                  <a:solidFill>
-                    <a:srgbClr val="FFFFFF"/>
-                  </a:solidFill>
-                </a:uFill>
-                <a:latin typeface="Arial Rounded MT Bold" panose="020F0704030504030204" pitchFamily="34" charset="0"/>
-              </a:rPr>
-              <a:t>Useful command:</a:t>
-            </a:r>
-          </a:p>
-          <a:p>
-            <a:endParaRPr lang="en-US" spc="-1" dirty="0">
+              <a:t>An example command: </a:t>
+            </a:r>
+          </a:p>
+          <a:p>
+            <a:endParaRPr lang="en-US" sz="1800" spc="-1" dirty="0">
               <a:solidFill>
                 <a:srgbClr val="C00000"/>
               </a:solidFill>
@@ -12297,43 +12006,6 @@
             </a:endParaRPr>
           </a:p>
           <a:p>
-            <a:pPr algn="ctr"/>
-            <a:r>
-              <a:rPr lang="en-US" sz="1800" spc="-1" dirty="0" err="1">
-                <a:uFill>
-                  <a:solidFill>
-                    <a:srgbClr val="FFFFFF"/>
-                  </a:solidFill>
-                </a:uFill>
-                <a:latin typeface="Cambria" panose="02040503050406030204" pitchFamily="18" charset="0"/>
-                <a:ea typeface="Cambria" panose="02040503050406030204" pitchFamily="18" charset="0"/>
-              </a:rPr>
-              <a:t>whos</a:t>
-            </a:r>
-            <a:endParaRPr lang="en-US" sz="1800" spc="-1" dirty="0">
-              <a:uFill>
-                <a:solidFill>
-                  <a:srgbClr val="FFFFFF"/>
-                </a:solidFill>
-              </a:uFill>
-              <a:latin typeface="Cambria" panose="02040503050406030204" pitchFamily="18" charset="0"/>
-              <a:ea typeface="Cambria" panose="02040503050406030204" pitchFamily="18" charset="0"/>
-            </a:endParaRPr>
-          </a:p>
-          <a:p>
-            <a:endParaRPr lang="en-US" spc="-1" dirty="0">
-              <a:solidFill>
-                <a:srgbClr val="C00000"/>
-              </a:solidFill>
-              <a:uFill>
-                <a:solidFill>
-                  <a:srgbClr val="FFFFFF"/>
-                </a:solidFill>
-              </a:uFill>
-              <a:latin typeface="Arial Rounded MT Bold" panose="020F0704030504030204" pitchFamily="34" charset="0"/>
-            </a:endParaRPr>
-          </a:p>
-          <a:p>
             <a:r>
               <a:rPr lang="en-US" spc="-1" dirty="0">
                 <a:uFill>
@@ -12341,41 +12013,138 @@
                     <a:srgbClr val="FFFFFF"/>
                   </a:solidFill>
                 </a:uFill>
-                <a:latin typeface="Arial Rounded MT Bold" panose="020F0704030504030204" pitchFamily="34" charset="0"/>
+                <a:latin typeface="Consolas" panose="020B0609020204030204" pitchFamily="49" charset="0"/>
               </a:rPr>
-              <a:t>List the variables within the workspace and identifies the data type</a:t>
-            </a:r>
-            <a:endParaRPr lang="en-US" sz="1800" spc="-1" dirty="0">
-              <a:uFill>
-                <a:solidFill>
-                  <a:srgbClr val="FFFFFF"/>
-                </a:solidFill>
-              </a:uFill>
-              <a:latin typeface="Arial Rounded MT Bold" panose="020F0704030504030204" pitchFamily="34" charset="0"/>
+              <a:t>[</a:t>
+            </a:r>
+            <a:r>
+              <a:rPr lang="en-US" spc="-1" dirty="0" err="1">
+                <a:uFill>
+                  <a:solidFill>
+                    <a:srgbClr val="FFFFFF"/>
+                  </a:solidFill>
+                </a:uFill>
+                <a:latin typeface="Consolas" panose="020B0609020204030204" pitchFamily="49" charset="0"/>
+              </a:rPr>
+              <a:t>varOutA</a:t>
+            </a:r>
+            <a:r>
+              <a:rPr lang="en-US" spc="-1" dirty="0">
+                <a:uFill>
+                  <a:solidFill>
+                    <a:srgbClr val="FFFFFF"/>
+                  </a:solidFill>
+                </a:uFill>
+                <a:latin typeface="Consolas" panose="020B0609020204030204" pitchFamily="49" charset="0"/>
+              </a:rPr>
+              <a:t>, </a:t>
+            </a:r>
+            <a:r>
+              <a:rPr lang="en-US" spc="-1" dirty="0" err="1">
+                <a:uFill>
+                  <a:solidFill>
+                    <a:srgbClr val="FFFFFF"/>
+                  </a:solidFill>
+                </a:uFill>
+                <a:latin typeface="Consolas" panose="020B0609020204030204" pitchFamily="49" charset="0"/>
+              </a:rPr>
+              <a:t>varOutB</a:t>
+            </a:r>
+            <a:r>
+              <a:rPr lang="en-US" spc="-1" dirty="0">
+                <a:uFill>
+                  <a:solidFill>
+                    <a:srgbClr val="FFFFFF"/>
+                  </a:solidFill>
+                </a:uFill>
+                <a:latin typeface="Consolas" panose="020B0609020204030204" pitchFamily="49" charset="0"/>
+              </a:rPr>
+              <a:t>] = test_fcn_1(</a:t>
+            </a:r>
+            <a:r>
+              <a:rPr lang="en-US" spc="-1" dirty="0" err="1">
+                <a:uFill>
+                  <a:solidFill>
+                    <a:srgbClr val="FFFFFF"/>
+                  </a:solidFill>
+                </a:uFill>
+                <a:latin typeface="Consolas" panose="020B0609020204030204" pitchFamily="49" charset="0"/>
+              </a:rPr>
+              <a:t>varInA</a:t>
+            </a:r>
+            <a:r>
+              <a:rPr lang="en-US" spc="-1" dirty="0">
+                <a:uFill>
+                  <a:solidFill>
+                    <a:srgbClr val="FFFFFF"/>
+                  </a:solidFill>
+                </a:uFill>
+                <a:latin typeface="Consolas" panose="020B0609020204030204" pitchFamily="49" charset="0"/>
+              </a:rPr>
+              <a:t>, </a:t>
+            </a:r>
+            <a:r>
+              <a:rPr lang="en-US" spc="-1" dirty="0" err="1">
+                <a:uFill>
+                  <a:solidFill>
+                    <a:srgbClr val="FFFFFF"/>
+                  </a:solidFill>
+                </a:uFill>
+                <a:latin typeface="Consolas" panose="020B0609020204030204" pitchFamily="49" charset="0"/>
+              </a:rPr>
+              <a:t>varInB</a:t>
+            </a:r>
+            <a:r>
+              <a:rPr lang="en-US" spc="-1" dirty="0">
+                <a:uFill>
+                  <a:solidFill>
+                    <a:srgbClr val="FFFFFF"/>
+                  </a:solidFill>
+                </a:uFill>
+                <a:latin typeface="Consolas" panose="020B0609020204030204" pitchFamily="49" charset="0"/>
+              </a:rPr>
+              <a:t>)</a:t>
+            </a:r>
+            <a:endParaRPr lang="en-GB" dirty="0">
+              <a:latin typeface="Consolas" panose="020B0609020204030204" pitchFamily="49" charset="0"/>
             </a:endParaRPr>
           </a:p>
-          <a:p>
-            <a:endParaRPr lang="en-US" spc="-1" dirty="0">
-              <a:solidFill>
-                <a:srgbClr val="C00000"/>
-              </a:solidFill>
-              <a:uFill>
-                <a:solidFill>
-                  <a:srgbClr val="FFFFFF"/>
-                </a:solidFill>
-              </a:uFill>
-              <a:latin typeface="Arial Rounded MT Bold" panose="020F0704030504030204" pitchFamily="34" charset="0"/>
-            </a:endParaRPr>
-          </a:p>
-          <a:p>
-            <a:endParaRPr lang="en-GB" dirty="0"/>
-          </a:p>
         </p:txBody>
       </p:sp>
+      <p:pic>
+        <p:nvPicPr>
+          <p:cNvPr id="8" name="Picture 7">
+            <a:extLst>
+              <a:ext uri="{FF2B5EF4-FFF2-40B4-BE49-F238E27FC236}">
+                <a16:creationId xmlns:a16="http://schemas.microsoft.com/office/drawing/2014/main" id="{D4F30EC2-7421-4305-8241-BE8E80C3F107}"/>
+              </a:ext>
+            </a:extLst>
+          </p:cNvPr>
+          <p:cNvPicPr>
+            <a:picLocks noChangeAspect="1"/>
+          </p:cNvPicPr>
+          <p:nvPr/>
+        </p:nvPicPr>
+        <p:blipFill>
+          <a:blip r:embed="rId3"/>
+          <a:stretch>
+            <a:fillRect/>
+          </a:stretch>
+        </p:blipFill>
+        <p:spPr>
+          <a:xfrm>
+            <a:off x="5712312" y="1299554"/>
+            <a:ext cx="6024105" cy="2885171"/>
+          </a:xfrm>
+          <a:prstGeom prst="rect">
+            <a:avLst/>
+          </a:prstGeom>
+        </p:spPr>
+      </p:pic>
     </p:spTree>
     <p:extLst>
       <p:ext uri="{BB962C8B-B14F-4D97-AF65-F5344CB8AC3E}">
-        <p14:creationId xmlns:p14="http://schemas.microsoft.com/office/powerpoint/2010/main" val="1988619613"/>
+        <p14:creationId xmlns:p14="http://schemas.microsoft.com/office/powerpoint/2010/main" val="2369624868"/>
       </p:ext>
     </p:extLst>
   </p:cSld>
@@ -12616,7 +12385,7 @@
                 <a:ea typeface="+mj-ea"/>
                 <a:cs typeface="+mj-cs"/>
               </a:rPr>
-              <a:t>Logic &amp; relation operations</a:t>
+              <a:t>Interfacing with folders and directories</a:t>
             </a:r>
           </a:p>
         </p:txBody>
@@ -12681,10 +12450,10 @@
       </p:sp>
       <p:sp>
         <p:nvSpPr>
-          <p:cNvPr id="9" name="TextBox 8">
+          <p:cNvPr id="7" name="TextBox 6">
             <a:extLst>
               <a:ext uri="{FF2B5EF4-FFF2-40B4-BE49-F238E27FC236}">
-                <a16:creationId xmlns:a16="http://schemas.microsoft.com/office/drawing/2014/main" id="{55419456-9218-4403-A4E8-18BFA28481C0}"/>
+                <a16:creationId xmlns:a16="http://schemas.microsoft.com/office/drawing/2014/main" id="{A710E8D0-80A1-4E2E-B6EC-6C32D24C72A3}"/>
               </a:ext>
             </a:extLst>
           </p:cNvPr>
@@ -12693,8 +12462,8 @@
         </p:nvSpPr>
         <p:spPr>
           <a:xfrm>
-            <a:off x="4686821" y="1079752"/>
-            <a:ext cx="6595116" cy="2625334"/>
+            <a:off x="464991" y="1052575"/>
+            <a:ext cx="6424030" cy="5752344"/>
           </a:xfrm>
           <a:prstGeom prst="rect">
             <a:avLst/>
@@ -12707,7 +12476,7 @@
           </a:bodyPr>
           <a:lstStyle/>
           <a:p>
-            <a:pPr algn="ctr" defTabSz="914400">
+            <a:pPr defTabSz="914400">
               <a:lnSpc>
                 <a:spcPct val="90000"/>
               </a:lnSpc>
@@ -12724,11 +12493,11 @@
                 </a:uFill>
                 <a:latin typeface="Arial Rounded MT Bold" panose="020F0704030504030204" pitchFamily="34" charset="0"/>
               </a:rPr>
-              <a:t>Used to assess whether a command meets a requirement</a:t>
-            </a:r>
-          </a:p>
-          <a:p>
-            <a:pPr algn="ctr" defTabSz="914400">
+              <a:t>Over the course of this module, you will generate several scripts, functions, and use a range of datasets. </a:t>
+            </a:r>
+          </a:p>
+          <a:p>
+            <a:pPr defTabSz="914400">
               <a:lnSpc>
                 <a:spcPct val="90000"/>
               </a:lnSpc>
@@ -12737,9 +12506,6 @@
               </a:spcAft>
             </a:pPr>
             <a:endParaRPr lang="en-US" spc="-1" dirty="0">
-              <a:solidFill>
-                <a:srgbClr val="C00000"/>
-              </a:solidFill>
               <a:uFill>
                 <a:solidFill>
                   <a:srgbClr val="FFFFFF"/>
@@ -12759,9 +12525,6 @@
             </a:pPr>
             <a:r>
               <a:rPr lang="en-US" sz="1800" spc="-1" dirty="0">
-                <a:solidFill>
-                  <a:srgbClr val="C00000"/>
-                </a:solidFill>
                 <a:uFill>
                   <a:solidFill>
                     <a:srgbClr val="FFFFFF"/>
@@ -12769,8 +12532,36 @@
                 </a:uFill>
                 <a:latin typeface="Arial Rounded MT Bold" panose="020F0704030504030204" pitchFamily="34" charset="0"/>
               </a:rPr>
-              <a:t>~ 	</a:t>
-            </a:r>
+              <a:t>Organization of your files and folders is critical.</a:t>
+            </a:r>
+          </a:p>
+          <a:p>
+            <a:pPr defTabSz="914400">
+              <a:lnSpc>
+                <a:spcPct val="90000"/>
+              </a:lnSpc>
+              <a:spcAft>
+                <a:spcPts val="600"/>
+              </a:spcAft>
+            </a:pPr>
+            <a:endParaRPr lang="en-US" spc="-1" dirty="0">
+              <a:uFill>
+                <a:solidFill>
+                  <a:srgbClr val="FFFFFF"/>
+                </a:solidFill>
+              </a:uFill>
+              <a:latin typeface="Arial Rounded MT Bold" panose="020F0704030504030204" pitchFamily="34" charset="0"/>
+            </a:endParaRPr>
+          </a:p>
+          <a:p>
+            <a:pPr defTabSz="914400">
+              <a:lnSpc>
+                <a:spcPct val="90000"/>
+              </a:lnSpc>
+              <a:spcAft>
+                <a:spcPts val="600"/>
+              </a:spcAft>
+            </a:pPr>
             <a:r>
               <a:rPr lang="en-US" sz="1800" spc="-1" dirty="0">
                 <a:uFill>
@@ -12780,7 +12571,7 @@
                 </a:uFill>
                 <a:latin typeface="Arial Rounded MT Bold" panose="020F0704030504030204" pitchFamily="34" charset="0"/>
               </a:rPr>
-              <a:t>NOT: Does not </a:t>
+              <a:t>For MATLAB to call a script, function, or access a file, it needs to be visible on the ‘search path’.</a:t>
             </a:r>
           </a:p>
           <a:p>
@@ -12792,20 +12583,24 @@
                 <a:spcPts val="600"/>
               </a:spcAft>
             </a:pPr>
-            <a:r>
-              <a:rPr lang="en-US" spc="-1" dirty="0">
+            <a:endParaRPr lang="en-US" spc="-1" dirty="0">
+              <a:uFill>
                 <a:solidFill>
-                  <a:srgbClr val="C00000"/>
+                  <a:srgbClr val="FFFFFF"/>
                 </a:solidFill>
-                <a:uFill>
-                  <a:solidFill>
-                    <a:srgbClr val="FFFFFF"/>
-                  </a:solidFill>
-                </a:uFill>
-                <a:latin typeface="Arial Rounded MT Bold" panose="020F0704030504030204" pitchFamily="34" charset="0"/>
-              </a:rPr>
-              <a:t>&amp;	</a:t>
-            </a:r>
+              </a:uFill>
+              <a:latin typeface="Arial Rounded MT Bold" panose="020F0704030504030204" pitchFamily="34" charset="0"/>
+            </a:endParaRPr>
+          </a:p>
+          <a:p>
+            <a:pPr defTabSz="914400">
+              <a:lnSpc>
+                <a:spcPct val="90000"/>
+              </a:lnSpc>
+              <a:spcAft>
+                <a:spcPts val="600"/>
+              </a:spcAft>
+            </a:pPr>
             <a:r>
               <a:rPr lang="en-US" spc="-1" dirty="0">
                 <a:uFill>
@@ -12815,10 +12610,10 @@
                 </a:uFill>
                 <a:latin typeface="Arial Rounded MT Bold" panose="020F0704030504030204" pitchFamily="34" charset="0"/>
               </a:rPr>
-              <a:t>AND: </a:t>
-            </a:r>
-            <a:r>
-              <a:rPr lang="en-US" sz="1800" spc="-1" dirty="0">
+              <a:t>To add files and folders to the search path, you can use the </a:t>
+            </a:r>
+            <a:r>
+              <a:rPr lang="en-US" spc="-1" dirty="0" err="1">
                 <a:uFill>
                   <a:solidFill>
                     <a:srgbClr val="FFFFFF"/>
@@ -12826,8 +12621,29 @@
                 </a:uFill>
                 <a:latin typeface="Arial Rounded MT Bold" panose="020F0704030504030204" pitchFamily="34" charset="0"/>
               </a:rPr>
-              <a:t>used to link expressions</a:t>
-            </a:r>
+              <a:t>addpath</a:t>
+            </a:r>
+            <a:r>
+              <a:rPr lang="en-US" spc="-1" dirty="0">
+                <a:uFill>
+                  <a:solidFill>
+                    <a:srgbClr val="FFFFFF"/>
+                  </a:solidFill>
+                </a:uFill>
+                <a:latin typeface="Arial Rounded MT Bold" panose="020F0704030504030204" pitchFamily="34" charset="0"/>
+              </a:rPr>
+              <a:t> function. E.g. :</a:t>
+            </a:r>
+          </a:p>
+          <a:p>
+            <a:pPr defTabSz="914400">
+              <a:lnSpc>
+                <a:spcPct val="90000"/>
+              </a:lnSpc>
+              <a:spcAft>
+                <a:spcPts val="600"/>
+              </a:spcAft>
+            </a:pPr>
             <a:endParaRPr lang="en-US" spc="-1" dirty="0">
               <a:uFill>
                 <a:solidFill>
@@ -12847,29 +12663,52 @@
               </a:spcAft>
             </a:pPr>
             <a:r>
-              <a:rPr lang="en-US" sz="1800" spc="-1" dirty="0">
-                <a:solidFill>
-                  <a:srgbClr val="C00000"/>
-                </a:solidFill>
+              <a:rPr lang="en-US" spc="-1" dirty="0" err="1">
                 <a:uFill>
                   <a:solidFill>
                     <a:srgbClr val="FFFFFF"/>
                   </a:solidFill>
                 </a:uFill>
-                <a:latin typeface="Arial Rounded MT Bold" panose="020F0704030504030204" pitchFamily="34" charset="0"/>
+                <a:latin typeface="Consolas" panose="020B0609020204030204" pitchFamily="49" charset="0"/>
+                <a:ea typeface="Cambria Math" panose="02040503050406030204" pitchFamily="18" charset="0"/>
               </a:rPr>
-              <a:t>|	</a:t>
-            </a:r>
-            <a:r>
-              <a:rPr lang="en-US" sz="1800" spc="-1" dirty="0">
+              <a:t>addpath</a:t>
+            </a:r>
+            <a:r>
+              <a:rPr lang="en-US" spc="-1" dirty="0">
                 <a:uFill>
                   <a:solidFill>
                     <a:srgbClr val="FFFFFF"/>
                   </a:solidFill>
                 </a:uFill>
-                <a:latin typeface="Arial Rounded MT Bold" panose="020F0704030504030204" pitchFamily="34" charset="0"/>
+                <a:latin typeface="Consolas" panose="020B0609020204030204" pitchFamily="49" charset="0"/>
+                <a:ea typeface="Cambria Math" panose="02040503050406030204" pitchFamily="18" charset="0"/>
               </a:rPr>
-              <a:t>OR: used to link expressions</a:t>
+              <a:t>(</a:t>
+            </a:r>
+            <a:r>
+              <a:rPr lang="en-US" spc="-1" dirty="0" err="1">
+                <a:uFill>
+                  <a:solidFill>
+                    <a:srgbClr val="FFFFFF"/>
+                  </a:solidFill>
+                </a:uFill>
+                <a:latin typeface="Consolas" panose="020B0609020204030204" pitchFamily="49" charset="0"/>
+                <a:ea typeface="Cambria Math" panose="02040503050406030204" pitchFamily="18" charset="0"/>
+              </a:rPr>
+              <a:t>genpath</a:t>
+            </a:r>
+            <a:r>
+              <a:rPr lang="en-US" spc="-1" dirty="0">
+                <a:uFill>
+                  <a:solidFill>
+                    <a:srgbClr val="FFFFFF"/>
+                  </a:solidFill>
+                </a:uFill>
+                <a:latin typeface="Consolas" panose="020B0609020204030204" pitchFamily="49" charset="0"/>
+                <a:ea typeface="Cambria Math" panose="02040503050406030204" pitchFamily="18" charset="0"/>
+              </a:rPr>
+              <a:t>('C:\Users\Matt\OneDrive - Newcastle University\GEO8026’));</a:t>
             </a:r>
           </a:p>
           <a:p>
@@ -12881,31 +12720,24 @@
                 <a:spcPts val="600"/>
               </a:spcAft>
             </a:pPr>
-            <a:r>
-              <a:rPr lang="en-US" sz="1800" spc="-1" dirty="0">
+            <a:endParaRPr lang="en-US" spc="-1" dirty="0">
+              <a:uFill>
                 <a:solidFill>
-                  <a:srgbClr val="C00000"/>
+                  <a:srgbClr val="FFFFFF"/>
                 </a:solidFill>
-                <a:uFill>
-                  <a:solidFill>
-                    <a:srgbClr val="FFFFFF"/>
-                  </a:solidFill>
-                </a:uFill>
-                <a:latin typeface="Arial Rounded MT Bold" panose="020F0704030504030204" pitchFamily="34" charset="0"/>
-              </a:rPr>
-              <a:t>&amp;&amp;	</a:t>
-            </a:r>
-            <a:r>
-              <a:rPr lang="en-US" sz="1800" spc="-1" dirty="0">
-                <a:uFill>
-                  <a:solidFill>
-                    <a:srgbClr val="FFFFFF"/>
-                  </a:solidFill>
-                </a:uFill>
-                <a:latin typeface="Arial Rounded MT Bold" panose="020F0704030504030204" pitchFamily="34" charset="0"/>
-              </a:rPr>
-              <a:t>Short-c</a:t>
-            </a:r>
+              </a:uFill>
+              <a:latin typeface="Arial Rounded MT Bold" panose="020F0704030504030204" pitchFamily="34" charset="0"/>
+            </a:endParaRPr>
+          </a:p>
+          <a:p>
+            <a:pPr defTabSz="914400">
+              <a:lnSpc>
+                <a:spcPct val="90000"/>
+              </a:lnSpc>
+              <a:spcAft>
+                <a:spcPts val="600"/>
+              </a:spcAft>
+            </a:pPr>
             <a:r>
               <a:rPr lang="en-US" spc="-1" dirty="0">
                 <a:uFill>
@@ -12915,53 +12747,7 @@
                 </a:uFill>
                 <a:latin typeface="Arial Rounded MT Bold" panose="020F0704030504030204" pitchFamily="34" charset="0"/>
               </a:rPr>
-              <a:t>ircuit &amp;: Used on two scalar expressions</a:t>
-            </a:r>
-          </a:p>
-          <a:p>
-            <a:pPr defTabSz="914400">
-              <a:lnSpc>
-                <a:spcPct val="90000"/>
-              </a:lnSpc>
-              <a:spcAft>
-                <a:spcPts val="600"/>
-              </a:spcAft>
-            </a:pPr>
-            <a:r>
-              <a:rPr lang="en-US" sz="1800" spc="-1" dirty="0">
-                <a:solidFill>
-                  <a:srgbClr val="C00000"/>
-                </a:solidFill>
-                <a:uFill>
-                  <a:solidFill>
-                    <a:srgbClr val="FFFFFF"/>
-                  </a:solidFill>
-                </a:uFill>
-                <a:latin typeface="Arial Rounded MT Bold" panose="020F0704030504030204" pitchFamily="34" charset="0"/>
-              </a:rPr>
-              <a:t>||	</a:t>
-            </a:r>
-            <a:r>
-              <a:rPr lang="en-US" sz="1800" spc="-1" dirty="0">
-                <a:uFill>
-                  <a:solidFill>
-                    <a:srgbClr val="FFFFFF"/>
-                  </a:solidFill>
-                </a:uFill>
-                <a:latin typeface="Arial Rounded MT Bold" panose="020F0704030504030204" pitchFamily="34" charset="0"/>
-              </a:rPr>
-              <a:t>Short-c</a:t>
-            </a:r>
-            <a:r>
-              <a:rPr lang="en-US" spc="-1" dirty="0">
-                <a:uFill>
-                  <a:solidFill>
-                    <a:srgbClr val="FFFFFF"/>
-                  </a:solidFill>
-                </a:uFill>
-                <a:latin typeface="Arial Rounded MT Bold" panose="020F0704030504030204" pitchFamily="34" charset="0"/>
-              </a:rPr>
-              <a:t>ircuit OR: Used on two scalar expressions</a:t>
+              <a:t>This will enable MATLAB to call and/or load files within this folder and all subfolders.</a:t>
             </a:r>
           </a:p>
           <a:p>
@@ -12974,80 +12760,6 @@
               </a:spcAft>
             </a:pPr>
             <a:endParaRPr lang="en-US" sz="1800" spc="-1" dirty="0">
-              <a:solidFill>
-                <a:srgbClr val="C00000"/>
-              </a:solidFill>
-              <a:uFill>
-                <a:solidFill>
-                  <a:srgbClr val="FFFFFF"/>
-                </a:solidFill>
-              </a:uFill>
-              <a:latin typeface="Arial Rounded MT Bold" panose="020F0704030504030204" pitchFamily="34" charset="0"/>
-            </a:endParaRPr>
-          </a:p>
-        </p:txBody>
-      </p:sp>
-      <p:sp>
-        <p:nvSpPr>
-          <p:cNvPr id="11" name="TextBox 10">
-            <a:extLst>
-              <a:ext uri="{FF2B5EF4-FFF2-40B4-BE49-F238E27FC236}">
-                <a16:creationId xmlns:a16="http://schemas.microsoft.com/office/drawing/2014/main" id="{D5D0A149-2E91-4FF3-B903-63B52016D224}"/>
-              </a:ext>
-            </a:extLst>
-          </p:cNvPr>
-          <p:cNvSpPr txBox="1"/>
-          <p:nvPr/>
-        </p:nvSpPr>
-        <p:spPr>
-          <a:xfrm>
-            <a:off x="4686817" y="3696437"/>
-            <a:ext cx="6595116" cy="2951577"/>
-          </a:xfrm>
-          <a:prstGeom prst="rect">
-            <a:avLst/>
-          </a:prstGeom>
-          <a:noFill/>
-        </p:spPr>
-        <p:txBody>
-          <a:bodyPr wrap="square">
-            <a:spAutoFit/>
-          </a:bodyPr>
-          <a:lstStyle/>
-          <a:p>
-            <a:pPr algn="ctr" defTabSz="914400">
-              <a:lnSpc>
-                <a:spcPct val="90000"/>
-              </a:lnSpc>
-              <a:spcAft>
-                <a:spcPts val="600"/>
-              </a:spcAft>
-            </a:pPr>
-            <a:r>
-              <a:rPr lang="en-US" sz="1800" spc="-1" dirty="0">
-                <a:uFill>
-                  <a:solidFill>
-                    <a:srgbClr val="FFFFFF"/>
-                  </a:solidFill>
-                </a:uFill>
-                <a:latin typeface="Arial Rounded MT Bold" panose="020F0704030504030204" pitchFamily="34" charset="0"/>
-              </a:rPr>
-              <a:t>Used to assess whether a command meets a requirement</a:t>
-            </a:r>
-          </a:p>
-          <a:p>
-            <a:pPr algn="ctr" defTabSz="914400">
-              <a:lnSpc>
-                <a:spcPct val="90000"/>
-              </a:lnSpc>
-              <a:spcAft>
-                <a:spcPts val="600"/>
-              </a:spcAft>
-            </a:pPr>
-            <a:endParaRPr lang="en-US" spc="-1" dirty="0">
-              <a:solidFill>
-                <a:srgbClr val="C00000"/>
-              </a:solidFill>
               <a:uFill>
                 <a:solidFill>
                   <a:srgbClr val="FFFFFF"/>
@@ -13066,55 +12778,6 @@
               </a:spcAft>
             </a:pPr>
             <a:r>
-              <a:rPr lang="en-US" sz="1800" spc="-1" dirty="0">
-                <a:solidFill>
-                  <a:srgbClr val="C00000"/>
-                </a:solidFill>
-                <a:uFill>
-                  <a:solidFill>
-                    <a:srgbClr val="FFFFFF"/>
-                  </a:solidFill>
-                </a:uFill>
-                <a:latin typeface="Arial Rounded MT Bold" panose="020F0704030504030204" pitchFamily="34" charset="0"/>
-              </a:rPr>
-              <a:t>== 	</a:t>
-            </a:r>
-            <a:r>
-              <a:rPr lang="en-US" sz="1800" spc="-1" dirty="0">
-                <a:uFill>
-                  <a:solidFill>
-                    <a:srgbClr val="FFFFFF"/>
-                  </a:solidFill>
-                </a:uFill>
-                <a:latin typeface="Arial Rounded MT Bold" panose="020F0704030504030204" pitchFamily="34" charset="0"/>
-              </a:rPr>
-              <a:t>Equal to</a:t>
-            </a:r>
-          </a:p>
-          <a:p>
-            <a:pPr defTabSz="914400">
-              <a:lnSpc>
-                <a:spcPct val="90000"/>
-              </a:lnSpc>
-              <a:spcAft>
-                <a:spcPts val="600"/>
-              </a:spcAft>
-            </a:pPr>
-            <a:r>
-              <a:rPr lang="en-US" spc="-1" dirty="0">
-                <a:solidFill>
-                  <a:srgbClr val="C00000"/>
-                </a:solidFill>
-                <a:uFill>
-                  <a:solidFill>
-                    <a:srgbClr val="FFFFFF"/>
-                  </a:solidFill>
-                </a:uFill>
-                <a:latin typeface="Arial Rounded MT Bold" panose="020F0704030504030204" pitchFamily="34" charset="0"/>
-              </a:rPr>
-              <a:t>~=	</a:t>
-            </a:r>
-            <a:r>
               <a:rPr lang="en-US" spc="-1" dirty="0">
                 <a:uFill>
                   <a:solidFill>
@@ -13123,79 +12786,9 @@
                 </a:uFill>
                 <a:latin typeface="Arial Rounded MT Bold" panose="020F0704030504030204" pitchFamily="34" charset="0"/>
               </a:rPr>
-              <a:t>Not equal to</a:t>
-            </a:r>
-          </a:p>
-          <a:p>
-            <a:pPr defTabSz="914400">
-              <a:lnSpc>
-                <a:spcPct val="90000"/>
-              </a:lnSpc>
-              <a:spcAft>
-                <a:spcPts val="600"/>
-              </a:spcAft>
-            </a:pPr>
-            <a:r>
-              <a:rPr lang="en-US" sz="1800" spc="-1" dirty="0">
-                <a:solidFill>
-                  <a:srgbClr val="C00000"/>
-                </a:solidFill>
-                <a:uFill>
-                  <a:solidFill>
-                    <a:srgbClr val="FFFFFF"/>
-                  </a:solidFill>
-                </a:uFill>
-                <a:latin typeface="Arial Rounded MT Bold" panose="020F0704030504030204" pitchFamily="34" charset="0"/>
-              </a:rPr>
-              <a:t>&lt;	</a:t>
-            </a:r>
-            <a:r>
-              <a:rPr lang="en-US" sz="1800" spc="-1" dirty="0">
-                <a:uFill>
-                  <a:solidFill>
-                    <a:srgbClr val="FFFFFF"/>
-                  </a:solidFill>
-                </a:uFill>
-                <a:latin typeface="Arial Rounded MT Bold" panose="020F0704030504030204" pitchFamily="34" charset="0"/>
-              </a:rPr>
-              <a:t>Less than</a:t>
-            </a:r>
-          </a:p>
-          <a:p>
-            <a:pPr defTabSz="914400">
-              <a:lnSpc>
-                <a:spcPct val="90000"/>
-              </a:lnSpc>
-              <a:spcAft>
-                <a:spcPts val="600"/>
-              </a:spcAft>
-            </a:pPr>
-            <a:r>
-              <a:rPr lang="en-US" sz="1800" spc="-1" dirty="0">
-                <a:solidFill>
-                  <a:srgbClr val="C00000"/>
-                </a:solidFill>
-                <a:uFill>
-                  <a:solidFill>
-                    <a:srgbClr val="FFFFFF"/>
-                  </a:solidFill>
-                </a:uFill>
-                <a:latin typeface="Arial Rounded MT Bold" panose="020F0704030504030204" pitchFamily="34" charset="0"/>
-              </a:rPr>
-              <a:t>&lt;=	</a:t>
-            </a:r>
-            <a:r>
-              <a:rPr lang="en-US" sz="1800" spc="-1" dirty="0">
-                <a:uFill>
-                  <a:solidFill>
-                    <a:srgbClr val="FFFFFF"/>
-                  </a:solidFill>
-                </a:uFill>
-                <a:latin typeface="Arial Rounded MT Bold" panose="020F0704030504030204" pitchFamily="34" charset="0"/>
-              </a:rPr>
-              <a:t>Less than or equal to</a:t>
-            </a:r>
-            <a:endParaRPr lang="en-US" spc="-1" dirty="0">
+              <a:t>Your University OneDrive account is useful for storing your files (5 TB personal storage space)</a:t>
+            </a:r>
+            <a:endParaRPr lang="en-US" sz="1800" spc="-1" dirty="0">
               <a:uFill>
                 <a:solidFill>
                   <a:srgbClr val="FFFFFF"/>
@@ -13204,199 +12797,47 @@
               <a:latin typeface="Arial Rounded MT Bold" panose="020F0704030504030204" pitchFamily="34" charset="0"/>
             </a:endParaRPr>
           </a:p>
-          <a:p>
-            <a:pPr defTabSz="914400">
-              <a:lnSpc>
-                <a:spcPct val="90000"/>
-              </a:lnSpc>
-              <a:spcAft>
-                <a:spcPts val="600"/>
-              </a:spcAft>
-            </a:pPr>
-            <a:r>
-              <a:rPr lang="en-US" sz="1800" spc="-1" dirty="0">
-                <a:solidFill>
-                  <a:srgbClr val="C00000"/>
-                </a:solidFill>
-                <a:uFill>
-                  <a:solidFill>
-                    <a:srgbClr val="FFFFFF"/>
-                  </a:solidFill>
-                </a:uFill>
-                <a:latin typeface="Arial Rounded MT Bold" panose="020F0704030504030204" pitchFamily="34" charset="0"/>
-              </a:rPr>
-              <a:t>&gt;	</a:t>
-            </a:r>
-            <a:r>
-              <a:rPr lang="en-US" sz="1800" spc="-1" dirty="0">
-                <a:uFill>
-                  <a:solidFill>
-                    <a:srgbClr val="FFFFFF"/>
-                  </a:solidFill>
-                </a:uFill>
-                <a:latin typeface="Arial Rounded MT Bold" panose="020F0704030504030204" pitchFamily="34" charset="0"/>
-              </a:rPr>
-              <a:t>More than</a:t>
-            </a:r>
-          </a:p>
-          <a:p>
-            <a:pPr defTabSz="914400">
-              <a:lnSpc>
-                <a:spcPct val="90000"/>
-              </a:lnSpc>
-              <a:spcAft>
-                <a:spcPts val="600"/>
-              </a:spcAft>
-            </a:pPr>
-            <a:r>
-              <a:rPr lang="en-US" spc="-1" dirty="0">
-                <a:solidFill>
-                  <a:srgbClr val="C00000"/>
-                </a:solidFill>
-                <a:uFill>
-                  <a:solidFill>
-                    <a:srgbClr val="FFFFFF"/>
-                  </a:solidFill>
-                </a:uFill>
-                <a:latin typeface="Arial Rounded MT Bold" panose="020F0704030504030204" pitchFamily="34" charset="0"/>
-              </a:rPr>
-              <a:t>&gt;=	</a:t>
-            </a:r>
-            <a:r>
-              <a:rPr lang="en-US" spc="-1" dirty="0">
-                <a:uFill>
-                  <a:solidFill>
-                    <a:srgbClr val="FFFFFF"/>
-                  </a:solidFill>
-                </a:uFill>
-                <a:latin typeface="Arial Rounded MT Bold" panose="020F0704030504030204" pitchFamily="34" charset="0"/>
-              </a:rPr>
-              <a:t>More than or equal to</a:t>
-            </a:r>
-          </a:p>
-          <a:p>
-            <a:pPr defTabSz="914400">
-              <a:lnSpc>
-                <a:spcPct val="90000"/>
-              </a:lnSpc>
-              <a:spcAft>
-                <a:spcPts val="600"/>
-              </a:spcAft>
-            </a:pPr>
-            <a:endParaRPr lang="en-US" sz="1800" spc="-1" dirty="0">
-              <a:solidFill>
-                <a:srgbClr val="C00000"/>
-              </a:solidFill>
-              <a:uFill>
-                <a:solidFill>
-                  <a:srgbClr val="FFFFFF"/>
-                </a:solidFill>
-              </a:uFill>
-              <a:latin typeface="Arial Rounded MT Bold" panose="020F0704030504030204" pitchFamily="34" charset="0"/>
-            </a:endParaRPr>
-          </a:p>
         </p:txBody>
       </p:sp>
-      <p:sp>
-        <p:nvSpPr>
-          <p:cNvPr id="12" name="TextBox 11">
+      <p:pic>
+        <p:nvPicPr>
+          <p:cNvPr id="3" name="Picture 2" descr="A picture containing text&#10;&#10;Description automatically generated">
             <a:extLst>
               <a:ext uri="{FF2B5EF4-FFF2-40B4-BE49-F238E27FC236}">
-                <a16:creationId xmlns:a16="http://schemas.microsoft.com/office/drawing/2014/main" id="{7C39D3E0-FD33-4CD7-BDA9-FA9C42A4F111}"/>
+                <a16:creationId xmlns:a16="http://schemas.microsoft.com/office/drawing/2014/main" id="{BC8045C1-5B4E-49E4-BA8E-825A27BFD862}"/>
               </a:ext>
             </a:extLst>
           </p:cNvPr>
-          <p:cNvSpPr txBox="1"/>
+          <p:cNvPicPr>
+            <a:picLocks noChangeAspect="1"/>
+          </p:cNvPicPr>
           <p:nvPr/>
-        </p:nvSpPr>
+        </p:nvPicPr>
+        <p:blipFill>
+          <a:blip r:embed="rId3"/>
+          <a:stretch>
+            <a:fillRect/>
+          </a:stretch>
+        </p:blipFill>
         <p:spPr>
           <a:xfrm>
-            <a:off x="762336" y="1831948"/>
-            <a:ext cx="2703027" cy="1015663"/>
+            <a:off x="7712414" y="1112608"/>
+            <a:ext cx="3656189" cy="5205422"/>
           </a:xfrm>
           <a:prstGeom prst="rect">
             <a:avLst/>
           </a:prstGeom>
-          <a:noFill/>
+          <a:ln>
+            <a:solidFill>
+              <a:schemeClr val="tx1"/>
+            </a:solidFill>
+          </a:ln>
         </p:spPr>
-        <p:txBody>
-          <a:bodyPr wrap="square">
-            <a:spAutoFit/>
-          </a:bodyPr>
-          <a:lstStyle/>
-          <a:p>
-            <a:r>
-              <a:rPr lang="en-US" sz="6000" b="1" kern="1200" dirty="0">
-                <a:solidFill>
-                  <a:schemeClr val="tx2"/>
-                </a:solidFill>
-                <a:effectLst/>
-                <a:latin typeface="Arial Rounded MT Bold" panose="020F0704030504030204" pitchFamily="34" charset="0"/>
-                <a:ea typeface="+mj-ea"/>
-                <a:cs typeface="+mj-cs"/>
-              </a:rPr>
-              <a:t>Logic</a:t>
-            </a:r>
-            <a:endParaRPr lang="en-GB" sz="6000" b="1" dirty="0">
-              <a:solidFill>
-                <a:schemeClr val="tx2"/>
-              </a:solidFill>
-            </a:endParaRPr>
-          </a:p>
-        </p:txBody>
-      </p:sp>
-      <p:sp>
-        <p:nvSpPr>
-          <p:cNvPr id="13" name="TextBox 12">
-            <a:extLst>
-              <a:ext uri="{FF2B5EF4-FFF2-40B4-BE49-F238E27FC236}">
-                <a16:creationId xmlns:a16="http://schemas.microsoft.com/office/drawing/2014/main" id="{ECCD6F9D-9866-4849-8BC7-FC1736211585}"/>
-              </a:ext>
-            </a:extLst>
-          </p:cNvPr>
-          <p:cNvSpPr txBox="1"/>
-          <p:nvPr/>
-        </p:nvSpPr>
-        <p:spPr>
-          <a:xfrm>
-            <a:off x="411480" y="4373185"/>
-            <a:ext cx="3236763" cy="1015663"/>
-          </a:xfrm>
-          <a:prstGeom prst="rect">
-            <a:avLst/>
-          </a:prstGeom>
-          <a:noFill/>
-        </p:spPr>
-        <p:txBody>
-          <a:bodyPr wrap="square">
-            <a:spAutoFit/>
-          </a:bodyPr>
-          <a:lstStyle/>
-          <a:p>
-            <a:r>
-              <a:rPr lang="en-US" sz="6000" b="1" kern="1200" dirty="0">
-                <a:solidFill>
-                  <a:schemeClr val="tx2"/>
-                </a:solidFill>
-                <a:effectLst/>
-                <a:latin typeface="Arial Rounded MT Bold" panose="020F0704030504030204" pitchFamily="34" charset="0"/>
-                <a:ea typeface="+mj-ea"/>
-                <a:cs typeface="+mj-cs"/>
-              </a:rPr>
-              <a:t>Relation</a:t>
-            </a:r>
-            <a:endParaRPr lang="en-GB" sz="6000" b="1" dirty="0">
-              <a:solidFill>
-                <a:schemeClr val="tx2"/>
-              </a:solidFill>
-            </a:endParaRPr>
-          </a:p>
-        </p:txBody>
-      </p:sp>
+      </p:pic>
     </p:spTree>
     <p:extLst>
       <p:ext uri="{BB962C8B-B14F-4D97-AF65-F5344CB8AC3E}">
-        <p14:creationId xmlns:p14="http://schemas.microsoft.com/office/powerpoint/2010/main" val="2878870122"/>
+        <p14:creationId xmlns:p14="http://schemas.microsoft.com/office/powerpoint/2010/main" val="678047991"/>
       </p:ext>
     </p:extLst>
   </p:cSld>
@@ -13637,7 +13078,7 @@
                 <a:ea typeface="+mj-ea"/>
                 <a:cs typeface="+mj-cs"/>
               </a:rPr>
-              <a:t>Array indexing</a:t>
+              <a:t>Data types</a:t>
             </a:r>
           </a:p>
         </p:txBody>
@@ -13702,10 +13143,10 @@
       </p:sp>
       <p:pic>
         <p:nvPicPr>
-          <p:cNvPr id="3" name="Picture 2" descr="Shape, arrow&#10;&#10;Description automatically generated">
+          <p:cNvPr id="3" name="Picture 2">
             <a:extLst>
               <a:ext uri="{FF2B5EF4-FFF2-40B4-BE49-F238E27FC236}">
-                <a16:creationId xmlns:a16="http://schemas.microsoft.com/office/drawing/2014/main" id="{014FD5C8-49B9-459B-A9C7-BBC920A2A027}"/>
+                <a16:creationId xmlns:a16="http://schemas.microsoft.com/office/drawing/2014/main" id="{A2AC661D-9AE0-4EAE-8096-461FFB4C1504}"/>
               </a:ext>
             </a:extLst>
           </p:cNvPr>
@@ -13714,16 +13155,15 @@
           </p:cNvPicPr>
           <p:nvPr/>
         </p:nvPicPr>
-        <p:blipFill>
+        <p:blipFill rotWithShape="1">
           <a:blip r:embed="rId3"/>
-          <a:stretch>
-            <a:fillRect/>
-          </a:stretch>
+          <a:srcRect r="14044"/>
+          <a:stretch/>
         </p:blipFill>
         <p:spPr>
           <a:xfrm>
-            <a:off x="908179" y="1328050"/>
-            <a:ext cx="10375634" cy="4101041"/>
+            <a:off x="650556" y="1040697"/>
+            <a:ext cx="4535805" cy="2667000"/>
           </a:xfrm>
           <a:prstGeom prst="rect">
             <a:avLst/>
@@ -13732,10 +13172,10 @@
       </p:pic>
       <p:sp>
         <p:nvSpPr>
-          <p:cNvPr id="14" name="TextBox 13">
+          <p:cNvPr id="9" name="TextBox 8">
             <a:extLst>
               <a:ext uri="{FF2B5EF4-FFF2-40B4-BE49-F238E27FC236}">
-                <a16:creationId xmlns:a16="http://schemas.microsoft.com/office/drawing/2014/main" id="{EB44FA78-E145-4342-B260-83715003D20B}"/>
+                <a16:creationId xmlns:a16="http://schemas.microsoft.com/office/drawing/2014/main" id="{55419456-9218-4403-A4E8-18BFA28481C0}"/>
               </a:ext>
             </a:extLst>
           </p:cNvPr>
@@ -13744,8 +13184,8 @@
         </p:nvSpPr>
         <p:spPr>
           <a:xfrm>
-            <a:off x="916149" y="5846003"/>
-            <a:ext cx="10375634" cy="341632"/>
+            <a:off x="5711184" y="912112"/>
+            <a:ext cx="6423660" cy="5647700"/>
           </a:xfrm>
           <a:prstGeom prst="rect">
             <a:avLst/>
@@ -13758,7 +13198,7 @@
           </a:bodyPr>
           <a:lstStyle/>
           <a:p>
-            <a:pPr algn="just" defTabSz="914400">
+            <a:pPr defTabSz="914400">
               <a:lnSpc>
                 <a:spcPct val="90000"/>
               </a:lnSpc>
@@ -13767,7 +13207,10 @@
               </a:spcAft>
             </a:pPr>
             <a:r>
-              <a:rPr lang="en-US" sz="1800" spc="-1" dirty="0">
+              <a:rPr lang="en-US" sz="1600" spc="-1" dirty="0">
+                <a:solidFill>
+                  <a:srgbClr val="C00000"/>
+                </a:solidFill>
                 <a:uFill>
                   <a:solidFill>
                     <a:srgbClr val="FFFFFF"/>
@@ -13775,15 +13218,724 @@
                 </a:uFill>
                 <a:latin typeface="Arial Rounded MT Bold" panose="020F0704030504030204" pitchFamily="34" charset="0"/>
               </a:rPr>
-              <a:t>	              Matrix indexing 					     Linear indexing </a:t>
-            </a:r>
+              <a:t>Logical</a:t>
+            </a:r>
+            <a:r>
+              <a:rPr lang="en-US" sz="1600" spc="-1" dirty="0">
+                <a:solidFill>
+                  <a:schemeClr val="tx1">
+                    <a:lumMod val="85000"/>
+                    <a:lumOff val="15000"/>
+                  </a:schemeClr>
+                </a:solidFill>
+                <a:uFill>
+                  <a:solidFill>
+                    <a:srgbClr val="FFFFFF"/>
+                  </a:solidFill>
+                </a:uFill>
+                <a:latin typeface="Arial Rounded MT Bold" panose="020F0704030504030204" pitchFamily="34" charset="0"/>
+              </a:rPr>
+              <a:t> = Boolean = 0 or 1, false or true</a:t>
+            </a:r>
+          </a:p>
+          <a:p>
+            <a:pPr algn="ctr" defTabSz="914400">
+              <a:lnSpc>
+                <a:spcPct val="90000"/>
+              </a:lnSpc>
+              <a:spcAft>
+                <a:spcPts val="600"/>
+              </a:spcAft>
+            </a:pPr>
+            <a:endParaRPr lang="en-US" sz="1600" spc="-1" dirty="0">
+              <a:solidFill>
+                <a:schemeClr val="tx1">
+                  <a:lumMod val="85000"/>
+                  <a:lumOff val="15000"/>
+                </a:schemeClr>
+              </a:solidFill>
+              <a:uFill>
+                <a:solidFill>
+                  <a:srgbClr val="FFFFFF"/>
+                </a:solidFill>
+              </a:uFill>
+              <a:latin typeface="Arial Rounded MT Bold" panose="020F0704030504030204" pitchFamily="34" charset="0"/>
+            </a:endParaRPr>
+          </a:p>
+          <a:p>
+            <a:r>
+              <a:rPr lang="en-US" sz="1600" spc="-1" dirty="0">
+                <a:solidFill>
+                  <a:srgbClr val="C00000"/>
+                </a:solidFill>
+                <a:uFill>
+                  <a:solidFill>
+                    <a:srgbClr val="FFFFFF"/>
+                  </a:solidFill>
+                </a:uFill>
+                <a:latin typeface="Arial Rounded MT Bold" panose="020F0704030504030204" pitchFamily="34" charset="0"/>
+              </a:rPr>
+              <a:t>String</a:t>
+            </a:r>
+            <a:r>
+              <a:rPr lang="en-US" sz="1600" spc="-1" dirty="0">
+                <a:solidFill>
+                  <a:schemeClr val="tx1">
+                    <a:lumMod val="85000"/>
+                    <a:lumOff val="15000"/>
+                  </a:schemeClr>
+                </a:solidFill>
+                <a:uFill>
+                  <a:solidFill>
+                    <a:srgbClr val="FFFFFF"/>
+                  </a:solidFill>
+                </a:uFill>
+                <a:latin typeface="Arial Rounded MT Bold" panose="020F0704030504030204" pitchFamily="34" charset="0"/>
+              </a:rPr>
+              <a:t> = collection of characters (letters) </a:t>
+            </a:r>
+          </a:p>
+          <a:p>
+            <a:r>
+              <a:rPr lang="en-US" sz="1600" spc="-1" dirty="0">
+                <a:solidFill>
+                  <a:srgbClr val="C00000"/>
+                </a:solidFill>
+                <a:uFill>
+                  <a:solidFill>
+                    <a:srgbClr val="FFFFFF"/>
+                  </a:solidFill>
+                </a:uFill>
+                <a:latin typeface="Arial Rounded MT Bold" panose="020F0704030504030204" pitchFamily="34" charset="0"/>
+              </a:rPr>
+              <a:t>Character</a:t>
+            </a:r>
+            <a:r>
+              <a:rPr lang="en-US" sz="1600" spc="-1" dirty="0">
+                <a:solidFill>
+                  <a:schemeClr val="tx1">
+                    <a:lumMod val="85000"/>
+                    <a:lumOff val="15000"/>
+                  </a:schemeClr>
+                </a:solidFill>
+                <a:uFill>
+                  <a:solidFill>
+                    <a:srgbClr val="FFFFFF"/>
+                  </a:solidFill>
+                </a:uFill>
+                <a:latin typeface="Arial Rounded MT Bold" panose="020F0704030504030204" pitchFamily="34" charset="0"/>
+              </a:rPr>
+              <a:t> = each letter is treated separately</a:t>
+            </a:r>
+          </a:p>
+          <a:p>
+            <a:r>
+              <a:rPr lang="en-US" sz="1600" dirty="0">
+                <a:latin typeface="Consolas" panose="020B0609020204030204" pitchFamily="49" charset="0"/>
+              </a:rPr>
+              <a:t>s = "apple"; f = s(1) % f = "apple"</a:t>
+            </a:r>
+          </a:p>
+          <a:p>
+            <a:r>
+              <a:rPr lang="en-US" sz="1600" dirty="0">
+                <a:latin typeface="Consolas" panose="020B0609020204030204" pitchFamily="49" charset="0"/>
+              </a:rPr>
+              <a:t>c = 'apple'; f = c(1) % f = 'a'</a:t>
+            </a:r>
+          </a:p>
+          <a:p>
+            <a:endParaRPr lang="en-US" sz="1600" dirty="0"/>
+          </a:p>
+          <a:p>
+            <a:pPr defTabSz="914400">
+              <a:lnSpc>
+                <a:spcPct val="90000"/>
+              </a:lnSpc>
+              <a:spcAft>
+                <a:spcPts val="600"/>
+              </a:spcAft>
+            </a:pPr>
+            <a:r>
+              <a:rPr lang="en-US" sz="1600" spc="-1" dirty="0">
+                <a:solidFill>
+                  <a:srgbClr val="C00000"/>
+                </a:solidFill>
+                <a:uFill>
+                  <a:solidFill>
+                    <a:srgbClr val="FFFFFF"/>
+                  </a:solidFill>
+                </a:uFill>
+                <a:latin typeface="Arial Rounded MT Bold" panose="020F0704030504030204" pitchFamily="34" charset="0"/>
+              </a:rPr>
+              <a:t>Cell</a:t>
+            </a:r>
+            <a:r>
+              <a:rPr lang="en-US" sz="1600" spc="-1" dirty="0">
+                <a:solidFill>
+                  <a:schemeClr val="tx1">
+                    <a:lumMod val="85000"/>
+                    <a:lumOff val="15000"/>
+                  </a:schemeClr>
+                </a:solidFill>
+                <a:uFill>
+                  <a:solidFill>
+                    <a:srgbClr val="FFFFFF"/>
+                  </a:solidFill>
+                </a:uFill>
+                <a:latin typeface="Arial Rounded MT Bold" panose="020F0704030504030204" pitchFamily="34" charset="0"/>
+              </a:rPr>
+              <a:t> = Treated as non-numeric (but can be numeric)</a:t>
+            </a:r>
+          </a:p>
+          <a:p>
+            <a:pPr defTabSz="914400">
+              <a:lnSpc>
+                <a:spcPct val="90000"/>
+              </a:lnSpc>
+              <a:spcAft>
+                <a:spcPts val="600"/>
+              </a:spcAft>
+            </a:pPr>
+            <a:r>
+              <a:rPr lang="en-US" sz="1600" spc="-1" dirty="0">
+                <a:solidFill>
+                  <a:schemeClr val="tx1">
+                    <a:lumMod val="85000"/>
+                    <a:lumOff val="15000"/>
+                  </a:schemeClr>
+                </a:solidFill>
+                <a:uFill>
+                  <a:solidFill>
+                    <a:srgbClr val="FFFFFF"/>
+                  </a:solidFill>
+                </a:uFill>
+                <a:latin typeface="Consolas" panose="020B0609020204030204" pitchFamily="49" charset="0"/>
+              </a:rPr>
+              <a:t>c2 = {</a:t>
+            </a:r>
+            <a:r>
+              <a:rPr lang="en-US" sz="1600" dirty="0">
+                <a:latin typeface="Consolas" panose="020B0609020204030204" pitchFamily="49" charset="0"/>
+              </a:rPr>
+              <a:t>'</a:t>
+            </a:r>
+            <a:r>
+              <a:rPr lang="en-US" sz="1600" spc="-1" dirty="0">
+                <a:solidFill>
+                  <a:schemeClr val="tx1">
+                    <a:lumMod val="85000"/>
+                    <a:lumOff val="15000"/>
+                  </a:schemeClr>
+                </a:solidFill>
+                <a:uFill>
+                  <a:solidFill>
+                    <a:srgbClr val="FFFFFF"/>
+                  </a:solidFill>
+                </a:uFill>
+                <a:latin typeface="Consolas" panose="020B0609020204030204" pitchFamily="49" charset="0"/>
+              </a:rPr>
+              <a:t>apple</a:t>
+            </a:r>
+            <a:r>
+              <a:rPr lang="en-US" sz="1600" dirty="0">
+                <a:latin typeface="Consolas" panose="020B0609020204030204" pitchFamily="49" charset="0"/>
+              </a:rPr>
+              <a:t>'</a:t>
+            </a:r>
+            <a:r>
+              <a:rPr lang="en-US" sz="1600" spc="-1" dirty="0">
+                <a:solidFill>
+                  <a:schemeClr val="tx1">
+                    <a:lumMod val="85000"/>
+                    <a:lumOff val="15000"/>
+                  </a:schemeClr>
+                </a:solidFill>
+                <a:uFill>
+                  <a:solidFill>
+                    <a:srgbClr val="FFFFFF"/>
+                  </a:solidFill>
+                </a:uFill>
+                <a:latin typeface="Consolas" panose="020B0609020204030204" pitchFamily="49" charset="0"/>
+              </a:rPr>
+              <a:t>, 0};</a:t>
+            </a:r>
+          </a:p>
+          <a:p>
+            <a:pPr defTabSz="914400">
+              <a:lnSpc>
+                <a:spcPct val="90000"/>
+              </a:lnSpc>
+              <a:spcAft>
+                <a:spcPts val="600"/>
+              </a:spcAft>
+            </a:pPr>
+            <a:endParaRPr lang="en-US" sz="1600" spc="-1" dirty="0">
+              <a:solidFill>
+                <a:schemeClr val="tx1">
+                  <a:lumMod val="85000"/>
+                  <a:lumOff val="15000"/>
+                </a:schemeClr>
+              </a:solidFill>
+              <a:uFill>
+                <a:solidFill>
+                  <a:srgbClr val="FFFFFF"/>
+                </a:solidFill>
+              </a:uFill>
+              <a:latin typeface="Consolas" panose="020B0609020204030204" pitchFamily="49" charset="0"/>
+            </a:endParaRPr>
+          </a:p>
+          <a:p>
+            <a:pPr defTabSz="914400">
+              <a:lnSpc>
+                <a:spcPct val="90000"/>
+              </a:lnSpc>
+              <a:spcAft>
+                <a:spcPts val="600"/>
+              </a:spcAft>
+            </a:pPr>
+            <a:r>
+              <a:rPr lang="en-US" sz="1600" spc="-1" dirty="0">
+                <a:solidFill>
+                  <a:srgbClr val="C00000"/>
+                </a:solidFill>
+                <a:uFill>
+                  <a:solidFill>
+                    <a:srgbClr val="FFFFFF"/>
+                  </a:solidFill>
+                </a:uFill>
+                <a:latin typeface="Arial Rounded MT Bold" panose="020F0704030504030204" pitchFamily="34" charset="0"/>
+              </a:rPr>
+              <a:t>Numeric</a:t>
+            </a:r>
+            <a:r>
+              <a:rPr lang="en-US" sz="1600" spc="-1" dirty="0">
+                <a:solidFill>
+                  <a:schemeClr val="tx1">
+                    <a:lumMod val="85000"/>
+                    <a:lumOff val="15000"/>
+                  </a:schemeClr>
+                </a:solidFill>
+                <a:uFill>
+                  <a:solidFill>
+                    <a:srgbClr val="FFFFFF"/>
+                  </a:solidFill>
+                </a:uFill>
+                <a:latin typeface="Arial Rounded MT Bold" panose="020F0704030504030204" pitchFamily="34" charset="0"/>
+              </a:rPr>
+              <a:t> = only numbers (and </a:t>
+            </a:r>
+            <a:r>
+              <a:rPr lang="en-US" sz="1600" spc="-1" dirty="0" err="1">
+                <a:solidFill>
+                  <a:schemeClr val="tx1">
+                    <a:lumMod val="85000"/>
+                    <a:lumOff val="15000"/>
+                  </a:schemeClr>
+                </a:solidFill>
+                <a:uFill>
+                  <a:solidFill>
+                    <a:srgbClr val="FFFFFF"/>
+                  </a:solidFill>
+                </a:uFill>
+                <a:latin typeface="Arial Rounded MT Bold" panose="020F0704030504030204" pitchFamily="34" charset="0"/>
+              </a:rPr>
+              <a:t>NaN</a:t>
+            </a:r>
+            <a:r>
+              <a:rPr lang="en-US" sz="1600" spc="-1" dirty="0">
+                <a:solidFill>
+                  <a:schemeClr val="tx1">
+                    <a:lumMod val="85000"/>
+                    <a:lumOff val="15000"/>
+                  </a:schemeClr>
+                </a:solidFill>
+                <a:uFill>
+                  <a:solidFill>
+                    <a:srgbClr val="FFFFFF"/>
+                  </a:solidFill>
+                </a:uFill>
+                <a:latin typeface="Arial Rounded MT Bold" panose="020F0704030504030204" pitchFamily="34" charset="0"/>
+              </a:rPr>
+              <a:t>). </a:t>
+            </a:r>
+          </a:p>
+          <a:p>
+            <a:pPr defTabSz="914400">
+              <a:lnSpc>
+                <a:spcPct val="90000"/>
+              </a:lnSpc>
+              <a:spcAft>
+                <a:spcPts val="600"/>
+              </a:spcAft>
+            </a:pPr>
+            <a:r>
+              <a:rPr lang="en-US" sz="1600" spc="-1" dirty="0">
+                <a:solidFill>
+                  <a:schemeClr val="tx1">
+                    <a:lumMod val="85000"/>
+                    <a:lumOff val="15000"/>
+                  </a:schemeClr>
+                </a:solidFill>
+                <a:uFill>
+                  <a:solidFill>
+                    <a:srgbClr val="FFFFFF"/>
+                  </a:solidFill>
+                </a:uFill>
+                <a:latin typeface="Arial Rounded MT Bold" panose="020F0704030504030204" pitchFamily="34" charset="0"/>
+              </a:rPr>
+              <a:t>Double precision (default, 64 bits) most widely used</a:t>
+            </a:r>
+          </a:p>
+          <a:p>
+            <a:pPr defTabSz="914400">
+              <a:lnSpc>
+                <a:spcPct val="90000"/>
+              </a:lnSpc>
+              <a:spcAft>
+                <a:spcPts val="600"/>
+              </a:spcAft>
+            </a:pPr>
+            <a:r>
+              <a:rPr lang="en-US" sz="1600" spc="-1" dirty="0">
+                <a:solidFill>
+                  <a:schemeClr val="tx1">
+                    <a:lumMod val="85000"/>
+                    <a:lumOff val="15000"/>
+                  </a:schemeClr>
+                </a:solidFill>
+                <a:uFill>
+                  <a:solidFill>
+                    <a:srgbClr val="FFFFFF"/>
+                  </a:solidFill>
+                </a:uFill>
+                <a:latin typeface="Arial Rounded MT Bold" panose="020F0704030504030204" pitchFamily="34" charset="0"/>
+              </a:rPr>
+              <a:t>Single precision (32 bits)</a:t>
+            </a:r>
+          </a:p>
+          <a:p>
+            <a:pPr defTabSz="914400">
+              <a:lnSpc>
+                <a:spcPct val="90000"/>
+              </a:lnSpc>
+              <a:spcAft>
+                <a:spcPts val="600"/>
+              </a:spcAft>
+            </a:pPr>
+            <a:r>
+              <a:rPr lang="en-US" sz="1600" spc="-1" dirty="0">
+                <a:solidFill>
+                  <a:schemeClr val="tx1">
+                    <a:lumMod val="85000"/>
+                    <a:lumOff val="15000"/>
+                  </a:schemeClr>
+                </a:solidFill>
+                <a:uFill>
+                  <a:solidFill>
+                    <a:srgbClr val="FFFFFF"/>
+                  </a:solidFill>
+                </a:uFill>
+                <a:latin typeface="Arial Rounded MT Bold" panose="020F0704030504030204" pitchFamily="34" charset="0"/>
+              </a:rPr>
+              <a:t>int8, int16, … = Variables with … bit signed integers</a:t>
+            </a:r>
+          </a:p>
+          <a:p>
+            <a:pPr defTabSz="914400">
+              <a:lnSpc>
+                <a:spcPct val="90000"/>
+              </a:lnSpc>
+              <a:spcAft>
+                <a:spcPts val="600"/>
+              </a:spcAft>
+            </a:pPr>
+            <a:r>
+              <a:rPr lang="en-US" sz="1600" spc="-1" dirty="0">
+                <a:solidFill>
+                  <a:schemeClr val="tx1">
+                    <a:lumMod val="85000"/>
+                    <a:lumOff val="15000"/>
+                  </a:schemeClr>
+                </a:solidFill>
+                <a:uFill>
+                  <a:solidFill>
+                    <a:srgbClr val="FFFFFF"/>
+                  </a:solidFill>
+                </a:uFill>
+                <a:latin typeface="Arial Rounded MT Bold" panose="020F0704030504030204" pitchFamily="34" charset="0"/>
+              </a:rPr>
+              <a:t>uint8, … = Variables with … bit non-negative integers</a:t>
+            </a:r>
+          </a:p>
+          <a:p>
+            <a:pPr defTabSz="914400">
+              <a:lnSpc>
+                <a:spcPct val="90000"/>
+              </a:lnSpc>
+              <a:spcAft>
+                <a:spcPts val="600"/>
+              </a:spcAft>
+            </a:pPr>
+            <a:endParaRPr lang="en-US" sz="1600" spc="-1" dirty="0">
+              <a:solidFill>
+                <a:schemeClr val="tx1">
+                  <a:lumMod val="85000"/>
+                  <a:lumOff val="15000"/>
+                </a:schemeClr>
+              </a:solidFill>
+              <a:uFill>
+                <a:solidFill>
+                  <a:srgbClr val="FFFFFF"/>
+                </a:solidFill>
+              </a:uFill>
+              <a:latin typeface="Arial Rounded MT Bold" panose="020F0704030504030204" pitchFamily="34" charset="0"/>
+            </a:endParaRPr>
+          </a:p>
+          <a:p>
+            <a:pPr defTabSz="914400">
+              <a:lnSpc>
+                <a:spcPct val="90000"/>
+              </a:lnSpc>
+              <a:spcAft>
+                <a:spcPts val="600"/>
+              </a:spcAft>
+            </a:pPr>
+            <a:r>
+              <a:rPr lang="en-US" sz="1600" spc="-1" dirty="0">
+                <a:solidFill>
+                  <a:srgbClr val="C00000"/>
+                </a:solidFill>
+                <a:uFill>
+                  <a:solidFill>
+                    <a:srgbClr val="FFFFFF"/>
+                  </a:solidFill>
+                </a:uFill>
+                <a:latin typeface="Arial Rounded MT Bold" panose="020F0704030504030204" pitchFamily="34" charset="0"/>
+              </a:rPr>
+              <a:t>Table</a:t>
+            </a:r>
+            <a:r>
+              <a:rPr lang="en-US" sz="1600" spc="-1" dirty="0">
+                <a:solidFill>
+                  <a:schemeClr val="tx1">
+                    <a:lumMod val="85000"/>
+                    <a:lumOff val="15000"/>
+                  </a:schemeClr>
+                </a:solidFill>
+                <a:uFill>
+                  <a:solidFill>
+                    <a:srgbClr val="FFFFFF"/>
+                  </a:solidFill>
+                </a:uFill>
+                <a:latin typeface="Arial Rounded MT Bold" panose="020F0704030504030204" pitchFamily="34" charset="0"/>
+              </a:rPr>
+              <a:t> = mixed input (numeric and string)</a:t>
+            </a:r>
+          </a:p>
+          <a:p>
+            <a:pPr defTabSz="914400">
+              <a:lnSpc>
+                <a:spcPct val="90000"/>
+              </a:lnSpc>
+              <a:spcAft>
+                <a:spcPts val="600"/>
+              </a:spcAft>
+            </a:pPr>
+            <a:endParaRPr lang="en-US" sz="1600" spc="-1" dirty="0">
+              <a:solidFill>
+                <a:schemeClr val="tx1">
+                  <a:lumMod val="85000"/>
+                  <a:lumOff val="15000"/>
+                </a:schemeClr>
+              </a:solidFill>
+              <a:uFill>
+                <a:solidFill>
+                  <a:srgbClr val="FFFFFF"/>
+                </a:solidFill>
+              </a:uFill>
+              <a:latin typeface="Arial Rounded MT Bold" panose="020F0704030504030204" pitchFamily="34" charset="0"/>
+            </a:endParaRPr>
+          </a:p>
+          <a:p>
+            <a:pPr defTabSz="914400">
+              <a:lnSpc>
+                <a:spcPct val="90000"/>
+              </a:lnSpc>
+              <a:spcAft>
+                <a:spcPts val="600"/>
+              </a:spcAft>
+            </a:pPr>
+            <a:r>
+              <a:rPr lang="en-US" sz="1600" spc="-1" dirty="0">
+                <a:solidFill>
+                  <a:srgbClr val="C00000"/>
+                </a:solidFill>
+                <a:uFill>
+                  <a:solidFill>
+                    <a:srgbClr val="FFFFFF"/>
+                  </a:solidFill>
+                </a:uFill>
+                <a:latin typeface="Arial Rounded MT Bold" panose="020F0704030504030204" pitchFamily="34" charset="0"/>
+              </a:rPr>
+              <a:t>Structure</a:t>
+            </a:r>
+            <a:r>
+              <a:rPr lang="en-US" sz="1600" spc="-1" dirty="0">
+                <a:solidFill>
+                  <a:schemeClr val="tx1">
+                    <a:lumMod val="85000"/>
+                    <a:lumOff val="15000"/>
+                  </a:schemeClr>
+                </a:solidFill>
+                <a:uFill>
+                  <a:solidFill>
+                    <a:srgbClr val="FFFFFF"/>
+                  </a:solidFill>
+                </a:uFill>
+                <a:latin typeface="Arial Rounded MT Bold" panose="020F0704030504030204" pitchFamily="34" charset="0"/>
+              </a:rPr>
+              <a:t> =  groups related data using data containers called fields</a:t>
+            </a:r>
+          </a:p>
+        </p:txBody>
+      </p:sp>
+      <p:sp>
+        <p:nvSpPr>
+          <p:cNvPr id="10" name="TextBox 9">
+            <a:extLst>
+              <a:ext uri="{FF2B5EF4-FFF2-40B4-BE49-F238E27FC236}">
+                <a16:creationId xmlns:a16="http://schemas.microsoft.com/office/drawing/2014/main" id="{6E0D37F3-9755-4AF2-A008-11D8EB620305}"/>
+              </a:ext>
+            </a:extLst>
+          </p:cNvPr>
+          <p:cNvSpPr txBox="1"/>
+          <p:nvPr/>
+        </p:nvSpPr>
+        <p:spPr>
+          <a:xfrm>
+            <a:off x="413385" y="4379062"/>
+            <a:ext cx="5423535" cy="2308324"/>
+          </a:xfrm>
+          <a:prstGeom prst="rect">
+            <a:avLst/>
+          </a:prstGeom>
+          <a:noFill/>
+        </p:spPr>
+        <p:txBody>
+          <a:bodyPr wrap="square">
+            <a:spAutoFit/>
+          </a:bodyPr>
+          <a:lstStyle/>
+          <a:p>
+            <a:r>
+              <a:rPr lang="en-US" sz="1800" spc="-1" dirty="0">
+                <a:solidFill>
+                  <a:schemeClr val="tx2"/>
+                </a:solidFill>
+                <a:uFill>
+                  <a:solidFill>
+                    <a:srgbClr val="FFFFFF"/>
+                  </a:solidFill>
+                </a:uFill>
+                <a:latin typeface="Arial Rounded MT Bold" panose="020F0704030504030204" pitchFamily="34" charset="0"/>
+              </a:rPr>
+              <a:t>Useful command:</a:t>
+            </a:r>
+          </a:p>
+          <a:p>
+            <a:endParaRPr lang="en-US" spc="-1" dirty="0">
+              <a:solidFill>
+                <a:srgbClr val="C00000"/>
+              </a:solidFill>
+              <a:uFill>
+                <a:solidFill>
+                  <a:srgbClr val="FFFFFF"/>
+                </a:solidFill>
+              </a:uFill>
+              <a:latin typeface="Arial Rounded MT Bold" panose="020F0704030504030204" pitchFamily="34" charset="0"/>
+            </a:endParaRPr>
+          </a:p>
+          <a:p>
+            <a:pPr algn="ctr"/>
+            <a:r>
+              <a:rPr lang="en-US" sz="1800" spc="-1" dirty="0" err="1">
+                <a:uFill>
+                  <a:solidFill>
+                    <a:srgbClr val="FFFFFF"/>
+                  </a:solidFill>
+                </a:uFill>
+                <a:latin typeface="Consolas" panose="020B0609020204030204" pitchFamily="49" charset="0"/>
+                <a:ea typeface="Cambria" panose="02040503050406030204" pitchFamily="18" charset="0"/>
+              </a:rPr>
+              <a:t>whos</a:t>
+            </a:r>
+            <a:endParaRPr lang="en-US" sz="1800" spc="-1" dirty="0">
+              <a:uFill>
+                <a:solidFill>
+                  <a:srgbClr val="FFFFFF"/>
+                </a:solidFill>
+              </a:uFill>
+              <a:latin typeface="Consolas" panose="020B0609020204030204" pitchFamily="49" charset="0"/>
+              <a:ea typeface="Cambria" panose="02040503050406030204" pitchFamily="18" charset="0"/>
+            </a:endParaRPr>
+          </a:p>
+          <a:p>
+            <a:endParaRPr lang="en-US" spc="-1" dirty="0">
+              <a:solidFill>
+                <a:srgbClr val="C00000"/>
+              </a:solidFill>
+              <a:uFill>
+                <a:solidFill>
+                  <a:srgbClr val="FFFFFF"/>
+                </a:solidFill>
+              </a:uFill>
+              <a:latin typeface="Arial Rounded MT Bold" panose="020F0704030504030204" pitchFamily="34" charset="0"/>
+            </a:endParaRPr>
+          </a:p>
+          <a:p>
+            <a:r>
+              <a:rPr lang="en-US" spc="-1" dirty="0">
+                <a:uFill>
+                  <a:solidFill>
+                    <a:srgbClr val="FFFFFF"/>
+                  </a:solidFill>
+                </a:uFill>
+                <a:latin typeface="Arial Rounded MT Bold" panose="020F0704030504030204" pitchFamily="34" charset="0"/>
+              </a:rPr>
+              <a:t>List the variables within the workspace and identifies the data type</a:t>
+            </a:r>
+            <a:endParaRPr lang="en-US" sz="1800" spc="-1" dirty="0">
+              <a:uFill>
+                <a:solidFill>
+                  <a:srgbClr val="FFFFFF"/>
+                </a:solidFill>
+              </a:uFill>
+              <a:latin typeface="Arial Rounded MT Bold" panose="020F0704030504030204" pitchFamily="34" charset="0"/>
+            </a:endParaRPr>
+          </a:p>
+          <a:p>
+            <a:endParaRPr lang="en-US" spc="-1" dirty="0">
+              <a:solidFill>
+                <a:srgbClr val="C00000"/>
+              </a:solidFill>
+              <a:uFill>
+                <a:solidFill>
+                  <a:srgbClr val="FFFFFF"/>
+                </a:solidFill>
+              </a:uFill>
+              <a:latin typeface="Arial Rounded MT Bold" panose="020F0704030504030204" pitchFamily="34" charset="0"/>
+            </a:endParaRPr>
+          </a:p>
+          <a:p>
+            <a:endParaRPr lang="en-GB" dirty="0"/>
           </a:p>
         </p:txBody>
       </p:sp>
     </p:spTree>
     <p:extLst>
       <p:ext uri="{BB962C8B-B14F-4D97-AF65-F5344CB8AC3E}">
-        <p14:creationId xmlns:p14="http://schemas.microsoft.com/office/powerpoint/2010/main" val="187406814"/>
+        <p14:creationId xmlns:p14="http://schemas.microsoft.com/office/powerpoint/2010/main" val="1988619613"/>
       </p:ext>
     </p:extLst>
   </p:cSld>
@@ -14024,7 +14176,7 @@
                 <a:ea typeface="+mj-ea"/>
                 <a:cs typeface="+mj-cs"/>
               </a:rPr>
-              <a:t>Condition statements</a:t>
+              <a:t>Logic &amp; relation operations</a:t>
             </a:r>
           </a:p>
         </p:txBody>
@@ -14087,70 +14239,724 @@
           </a:p>
         </p:txBody>
       </p:sp>
-      <p:pic>
-        <p:nvPicPr>
-          <p:cNvPr id="3" name="Picture 2" descr="Diagram&#10;&#10;Description automatically generated">
+      <p:sp>
+        <p:nvSpPr>
+          <p:cNvPr id="9" name="TextBox 8">
             <a:extLst>
               <a:ext uri="{FF2B5EF4-FFF2-40B4-BE49-F238E27FC236}">
-                <a16:creationId xmlns:a16="http://schemas.microsoft.com/office/drawing/2014/main" id="{C5FFEE9B-37C3-459D-BFF5-39F111E45DD6}"/>
+                <a16:creationId xmlns:a16="http://schemas.microsoft.com/office/drawing/2014/main" id="{55419456-9218-4403-A4E8-18BFA28481C0}"/>
               </a:ext>
             </a:extLst>
           </p:cNvPr>
-          <p:cNvPicPr>
-            <a:picLocks noChangeAspect="1"/>
-          </p:cNvPicPr>
+          <p:cNvSpPr txBox="1"/>
           <p:nvPr/>
-        </p:nvPicPr>
-        <p:blipFill>
-          <a:blip r:embed="rId3"/>
-          <a:stretch>
-            <a:fillRect/>
-          </a:stretch>
-        </p:blipFill>
+        </p:nvSpPr>
         <p:spPr>
           <a:xfrm>
-            <a:off x="391046" y="1747627"/>
-            <a:ext cx="4295775" cy="3810000"/>
+            <a:off x="4686821" y="1079752"/>
+            <a:ext cx="6595116" cy="2625334"/>
           </a:xfrm>
           <a:prstGeom prst="rect">
             <a:avLst/>
           </a:prstGeom>
+          <a:noFill/>
         </p:spPr>
-      </p:pic>
-      <p:pic>
-        <p:nvPicPr>
-          <p:cNvPr id="5" name="Picture 4" descr="Graphical user interface, text, application&#10;&#10;Description automatically generated">
+        <p:txBody>
+          <a:bodyPr wrap="square">
+            <a:spAutoFit/>
+          </a:bodyPr>
+          <a:lstStyle/>
+          <a:p>
+            <a:pPr algn="ctr" defTabSz="914400">
+              <a:lnSpc>
+                <a:spcPct val="90000"/>
+              </a:lnSpc>
+              <a:spcAft>
+                <a:spcPts val="600"/>
+              </a:spcAft>
+            </a:pPr>
+            <a:r>
+              <a:rPr lang="en-US" sz="1800" spc="-1" dirty="0">
+                <a:uFill>
+                  <a:solidFill>
+                    <a:srgbClr val="FFFFFF"/>
+                  </a:solidFill>
+                </a:uFill>
+                <a:latin typeface="Arial Rounded MT Bold" panose="020F0704030504030204" pitchFamily="34" charset="0"/>
+              </a:rPr>
+              <a:t>Used to assess whether a command meets a requirement</a:t>
+            </a:r>
+          </a:p>
+          <a:p>
+            <a:pPr algn="ctr" defTabSz="914400">
+              <a:lnSpc>
+                <a:spcPct val="90000"/>
+              </a:lnSpc>
+              <a:spcAft>
+                <a:spcPts val="600"/>
+              </a:spcAft>
+            </a:pPr>
+            <a:endParaRPr lang="en-US" spc="-1" dirty="0">
+              <a:solidFill>
+                <a:srgbClr val="C00000"/>
+              </a:solidFill>
+              <a:uFill>
+                <a:solidFill>
+                  <a:srgbClr val="FFFFFF"/>
+                </a:solidFill>
+              </a:uFill>
+              <a:latin typeface="Arial Rounded MT Bold" panose="020F0704030504030204" pitchFamily="34" charset="0"/>
+            </a:endParaRPr>
+          </a:p>
+          <a:p>
+            <a:pPr defTabSz="914400">
+              <a:lnSpc>
+                <a:spcPct val="90000"/>
+              </a:lnSpc>
+              <a:spcAft>
+                <a:spcPts val="600"/>
+              </a:spcAft>
+            </a:pPr>
+            <a:r>
+              <a:rPr lang="en-US" sz="1800" spc="-1" dirty="0">
+                <a:solidFill>
+                  <a:srgbClr val="C00000"/>
+                </a:solidFill>
+                <a:uFill>
+                  <a:solidFill>
+                    <a:srgbClr val="FFFFFF"/>
+                  </a:solidFill>
+                </a:uFill>
+                <a:latin typeface="Arial Rounded MT Bold" panose="020F0704030504030204" pitchFamily="34" charset="0"/>
+              </a:rPr>
+              <a:t>~ 	</a:t>
+            </a:r>
+            <a:r>
+              <a:rPr lang="en-US" sz="1800" spc="-1" dirty="0">
+                <a:uFill>
+                  <a:solidFill>
+                    <a:srgbClr val="FFFFFF"/>
+                  </a:solidFill>
+                </a:uFill>
+                <a:latin typeface="Arial Rounded MT Bold" panose="020F0704030504030204" pitchFamily="34" charset="0"/>
+              </a:rPr>
+              <a:t>NOT: Does not </a:t>
+            </a:r>
+          </a:p>
+          <a:p>
+            <a:pPr defTabSz="914400">
+              <a:lnSpc>
+                <a:spcPct val="90000"/>
+              </a:lnSpc>
+              <a:spcAft>
+                <a:spcPts val="600"/>
+              </a:spcAft>
+            </a:pPr>
+            <a:r>
+              <a:rPr lang="en-US" spc="-1" dirty="0">
+                <a:solidFill>
+                  <a:srgbClr val="C00000"/>
+                </a:solidFill>
+                <a:uFill>
+                  <a:solidFill>
+                    <a:srgbClr val="FFFFFF"/>
+                  </a:solidFill>
+                </a:uFill>
+                <a:latin typeface="Arial Rounded MT Bold" panose="020F0704030504030204" pitchFamily="34" charset="0"/>
+              </a:rPr>
+              <a:t>&amp;	</a:t>
+            </a:r>
+            <a:r>
+              <a:rPr lang="en-US" spc="-1" dirty="0">
+                <a:uFill>
+                  <a:solidFill>
+                    <a:srgbClr val="FFFFFF"/>
+                  </a:solidFill>
+                </a:uFill>
+                <a:latin typeface="Arial Rounded MT Bold" panose="020F0704030504030204" pitchFamily="34" charset="0"/>
+              </a:rPr>
+              <a:t>AND: </a:t>
+            </a:r>
+            <a:r>
+              <a:rPr lang="en-US" sz="1800" spc="-1" dirty="0">
+                <a:uFill>
+                  <a:solidFill>
+                    <a:srgbClr val="FFFFFF"/>
+                  </a:solidFill>
+                </a:uFill>
+                <a:latin typeface="Arial Rounded MT Bold" panose="020F0704030504030204" pitchFamily="34" charset="0"/>
+              </a:rPr>
+              <a:t>used to link expressions</a:t>
+            </a:r>
+            <a:endParaRPr lang="en-US" spc="-1" dirty="0">
+              <a:uFill>
+                <a:solidFill>
+                  <a:srgbClr val="FFFFFF"/>
+                </a:solidFill>
+              </a:uFill>
+              <a:latin typeface="Arial Rounded MT Bold" panose="020F0704030504030204" pitchFamily="34" charset="0"/>
+            </a:endParaRPr>
+          </a:p>
+          <a:p>
+            <a:pPr defTabSz="914400">
+              <a:lnSpc>
+                <a:spcPct val="90000"/>
+              </a:lnSpc>
+              <a:spcAft>
+                <a:spcPts val="600"/>
+              </a:spcAft>
+            </a:pPr>
+            <a:r>
+              <a:rPr lang="en-US" sz="1800" spc="-1" dirty="0">
+                <a:solidFill>
+                  <a:srgbClr val="C00000"/>
+                </a:solidFill>
+                <a:uFill>
+                  <a:solidFill>
+                    <a:srgbClr val="FFFFFF"/>
+                  </a:solidFill>
+                </a:uFill>
+                <a:latin typeface="Arial Rounded MT Bold" panose="020F0704030504030204" pitchFamily="34" charset="0"/>
+              </a:rPr>
+              <a:t>|	</a:t>
+            </a:r>
+            <a:r>
+              <a:rPr lang="en-US" sz="1800" spc="-1" dirty="0">
+                <a:uFill>
+                  <a:solidFill>
+                    <a:srgbClr val="FFFFFF"/>
+                  </a:solidFill>
+                </a:uFill>
+                <a:latin typeface="Arial Rounded MT Bold" panose="020F0704030504030204" pitchFamily="34" charset="0"/>
+              </a:rPr>
+              <a:t>OR: used to link expressions</a:t>
+            </a:r>
+          </a:p>
+          <a:p>
+            <a:pPr defTabSz="914400">
+              <a:lnSpc>
+                <a:spcPct val="90000"/>
+              </a:lnSpc>
+              <a:spcAft>
+                <a:spcPts val="600"/>
+              </a:spcAft>
+            </a:pPr>
+            <a:r>
+              <a:rPr lang="en-US" sz="1800" spc="-1" dirty="0">
+                <a:solidFill>
+                  <a:srgbClr val="C00000"/>
+                </a:solidFill>
+                <a:uFill>
+                  <a:solidFill>
+                    <a:srgbClr val="FFFFFF"/>
+                  </a:solidFill>
+                </a:uFill>
+                <a:latin typeface="Arial Rounded MT Bold" panose="020F0704030504030204" pitchFamily="34" charset="0"/>
+              </a:rPr>
+              <a:t>&amp;&amp;	</a:t>
+            </a:r>
+            <a:r>
+              <a:rPr lang="en-US" sz="1800" spc="-1" dirty="0">
+                <a:uFill>
+                  <a:solidFill>
+                    <a:srgbClr val="FFFFFF"/>
+                  </a:solidFill>
+                </a:uFill>
+                <a:latin typeface="Arial Rounded MT Bold" panose="020F0704030504030204" pitchFamily="34" charset="0"/>
+              </a:rPr>
+              <a:t>Short-c</a:t>
+            </a:r>
+            <a:r>
+              <a:rPr lang="en-US" spc="-1" dirty="0">
+                <a:uFill>
+                  <a:solidFill>
+                    <a:srgbClr val="FFFFFF"/>
+                  </a:solidFill>
+                </a:uFill>
+                <a:latin typeface="Arial Rounded MT Bold" panose="020F0704030504030204" pitchFamily="34" charset="0"/>
+              </a:rPr>
+              <a:t>ircuit &amp;: Used on two scalar expressions</a:t>
+            </a:r>
+          </a:p>
+          <a:p>
+            <a:pPr defTabSz="914400">
+              <a:lnSpc>
+                <a:spcPct val="90000"/>
+              </a:lnSpc>
+              <a:spcAft>
+                <a:spcPts val="600"/>
+              </a:spcAft>
+            </a:pPr>
+            <a:r>
+              <a:rPr lang="en-US" sz="1800" spc="-1" dirty="0">
+                <a:solidFill>
+                  <a:srgbClr val="C00000"/>
+                </a:solidFill>
+                <a:uFill>
+                  <a:solidFill>
+                    <a:srgbClr val="FFFFFF"/>
+                  </a:solidFill>
+                </a:uFill>
+                <a:latin typeface="Arial Rounded MT Bold" panose="020F0704030504030204" pitchFamily="34" charset="0"/>
+              </a:rPr>
+              <a:t>||	</a:t>
+            </a:r>
+            <a:r>
+              <a:rPr lang="en-US" sz="1800" spc="-1" dirty="0">
+                <a:uFill>
+                  <a:solidFill>
+                    <a:srgbClr val="FFFFFF"/>
+                  </a:solidFill>
+                </a:uFill>
+                <a:latin typeface="Arial Rounded MT Bold" panose="020F0704030504030204" pitchFamily="34" charset="0"/>
+              </a:rPr>
+              <a:t>Short-c</a:t>
+            </a:r>
+            <a:r>
+              <a:rPr lang="en-US" spc="-1" dirty="0">
+                <a:uFill>
+                  <a:solidFill>
+                    <a:srgbClr val="FFFFFF"/>
+                  </a:solidFill>
+                </a:uFill>
+                <a:latin typeface="Arial Rounded MT Bold" panose="020F0704030504030204" pitchFamily="34" charset="0"/>
+              </a:rPr>
+              <a:t>ircuit OR: Used on two scalar expressions</a:t>
+            </a:r>
+          </a:p>
+          <a:p>
+            <a:pPr defTabSz="914400">
+              <a:lnSpc>
+                <a:spcPct val="90000"/>
+              </a:lnSpc>
+              <a:spcAft>
+                <a:spcPts val="600"/>
+              </a:spcAft>
+            </a:pPr>
+            <a:endParaRPr lang="en-US" sz="1800" spc="-1" dirty="0">
+              <a:solidFill>
+                <a:srgbClr val="C00000"/>
+              </a:solidFill>
+              <a:uFill>
+                <a:solidFill>
+                  <a:srgbClr val="FFFFFF"/>
+                </a:solidFill>
+              </a:uFill>
+              <a:latin typeface="Arial Rounded MT Bold" panose="020F0704030504030204" pitchFamily="34" charset="0"/>
+            </a:endParaRPr>
+          </a:p>
+        </p:txBody>
+      </p:sp>
+      <p:sp>
+        <p:nvSpPr>
+          <p:cNvPr id="11" name="TextBox 10">
             <a:extLst>
               <a:ext uri="{FF2B5EF4-FFF2-40B4-BE49-F238E27FC236}">
-                <a16:creationId xmlns:a16="http://schemas.microsoft.com/office/drawing/2014/main" id="{DF685877-FD81-4C17-A9B7-C43A43923164}"/>
+                <a16:creationId xmlns:a16="http://schemas.microsoft.com/office/drawing/2014/main" id="{D5D0A149-2E91-4FF3-B903-63B52016D224}"/>
               </a:ext>
             </a:extLst>
           </p:cNvPr>
-          <p:cNvPicPr>
-            <a:picLocks noChangeAspect="1"/>
-          </p:cNvPicPr>
+          <p:cNvSpPr txBox="1"/>
           <p:nvPr/>
-        </p:nvPicPr>
-        <p:blipFill>
-          <a:blip r:embed="rId4"/>
-          <a:stretch>
-            <a:fillRect/>
-          </a:stretch>
-        </p:blipFill>
+        </p:nvSpPr>
         <p:spPr>
           <a:xfrm>
-            <a:off x="5213274" y="1447589"/>
-            <a:ext cx="6648450" cy="4410075"/>
+            <a:off x="4686817" y="3696437"/>
+            <a:ext cx="6595116" cy="2951577"/>
           </a:xfrm>
           <a:prstGeom prst="rect">
             <a:avLst/>
           </a:prstGeom>
+          <a:noFill/>
         </p:spPr>
-      </p:pic>
+        <p:txBody>
+          <a:bodyPr wrap="square">
+            <a:spAutoFit/>
+          </a:bodyPr>
+          <a:lstStyle/>
+          <a:p>
+            <a:pPr algn="ctr" defTabSz="914400">
+              <a:lnSpc>
+                <a:spcPct val="90000"/>
+              </a:lnSpc>
+              <a:spcAft>
+                <a:spcPts val="600"/>
+              </a:spcAft>
+            </a:pPr>
+            <a:r>
+              <a:rPr lang="en-US" sz="1800" spc="-1" dirty="0">
+                <a:uFill>
+                  <a:solidFill>
+                    <a:srgbClr val="FFFFFF"/>
+                  </a:solidFill>
+                </a:uFill>
+                <a:latin typeface="Arial Rounded MT Bold" panose="020F0704030504030204" pitchFamily="34" charset="0"/>
+              </a:rPr>
+              <a:t>Used to assess whether a command meets a requirement</a:t>
+            </a:r>
+          </a:p>
+          <a:p>
+            <a:pPr algn="ctr" defTabSz="914400">
+              <a:lnSpc>
+                <a:spcPct val="90000"/>
+              </a:lnSpc>
+              <a:spcAft>
+                <a:spcPts val="600"/>
+              </a:spcAft>
+            </a:pPr>
+            <a:endParaRPr lang="en-US" spc="-1" dirty="0">
+              <a:solidFill>
+                <a:srgbClr val="C00000"/>
+              </a:solidFill>
+              <a:uFill>
+                <a:solidFill>
+                  <a:srgbClr val="FFFFFF"/>
+                </a:solidFill>
+              </a:uFill>
+              <a:latin typeface="Arial Rounded MT Bold" panose="020F0704030504030204" pitchFamily="34" charset="0"/>
+            </a:endParaRPr>
+          </a:p>
+          <a:p>
+            <a:pPr defTabSz="914400">
+              <a:lnSpc>
+                <a:spcPct val="90000"/>
+              </a:lnSpc>
+              <a:spcAft>
+                <a:spcPts val="600"/>
+              </a:spcAft>
+            </a:pPr>
+            <a:r>
+              <a:rPr lang="en-US" sz="1800" spc="-1" dirty="0">
+                <a:solidFill>
+                  <a:srgbClr val="C00000"/>
+                </a:solidFill>
+                <a:uFill>
+                  <a:solidFill>
+                    <a:srgbClr val="FFFFFF"/>
+                  </a:solidFill>
+                </a:uFill>
+                <a:latin typeface="Arial Rounded MT Bold" panose="020F0704030504030204" pitchFamily="34" charset="0"/>
+              </a:rPr>
+              <a:t>== 	</a:t>
+            </a:r>
+            <a:r>
+              <a:rPr lang="en-US" sz="1800" spc="-1" dirty="0">
+                <a:uFill>
+                  <a:solidFill>
+                    <a:srgbClr val="FFFFFF"/>
+                  </a:solidFill>
+                </a:uFill>
+                <a:latin typeface="Arial Rounded MT Bold" panose="020F0704030504030204" pitchFamily="34" charset="0"/>
+              </a:rPr>
+              <a:t>Equal to</a:t>
+            </a:r>
+          </a:p>
+          <a:p>
+            <a:pPr defTabSz="914400">
+              <a:lnSpc>
+                <a:spcPct val="90000"/>
+              </a:lnSpc>
+              <a:spcAft>
+                <a:spcPts val="600"/>
+              </a:spcAft>
+            </a:pPr>
+            <a:r>
+              <a:rPr lang="en-US" spc="-1" dirty="0">
+                <a:solidFill>
+                  <a:srgbClr val="C00000"/>
+                </a:solidFill>
+                <a:uFill>
+                  <a:solidFill>
+                    <a:srgbClr val="FFFFFF"/>
+                  </a:solidFill>
+                </a:uFill>
+                <a:latin typeface="Arial Rounded MT Bold" panose="020F0704030504030204" pitchFamily="34" charset="0"/>
+              </a:rPr>
+              <a:t>~=	</a:t>
+            </a:r>
+            <a:r>
+              <a:rPr lang="en-US" spc="-1" dirty="0">
+                <a:uFill>
+                  <a:solidFill>
+                    <a:srgbClr val="FFFFFF"/>
+                  </a:solidFill>
+                </a:uFill>
+                <a:latin typeface="Arial Rounded MT Bold" panose="020F0704030504030204" pitchFamily="34" charset="0"/>
+              </a:rPr>
+              <a:t>Not equal to</a:t>
+            </a:r>
+          </a:p>
+          <a:p>
+            <a:pPr defTabSz="914400">
+              <a:lnSpc>
+                <a:spcPct val="90000"/>
+              </a:lnSpc>
+              <a:spcAft>
+                <a:spcPts val="600"/>
+              </a:spcAft>
+            </a:pPr>
+            <a:r>
+              <a:rPr lang="en-US" sz="1800" spc="-1" dirty="0">
+                <a:solidFill>
+                  <a:srgbClr val="C00000"/>
+                </a:solidFill>
+                <a:uFill>
+                  <a:solidFill>
+                    <a:srgbClr val="FFFFFF"/>
+                  </a:solidFill>
+                </a:uFill>
+                <a:latin typeface="Arial Rounded MT Bold" panose="020F0704030504030204" pitchFamily="34" charset="0"/>
+              </a:rPr>
+              <a:t>&lt;	</a:t>
+            </a:r>
+            <a:r>
+              <a:rPr lang="en-US" sz="1800" spc="-1" dirty="0">
+                <a:uFill>
+                  <a:solidFill>
+                    <a:srgbClr val="FFFFFF"/>
+                  </a:solidFill>
+                </a:uFill>
+                <a:latin typeface="Arial Rounded MT Bold" panose="020F0704030504030204" pitchFamily="34" charset="0"/>
+              </a:rPr>
+              <a:t>Less than</a:t>
+            </a:r>
+          </a:p>
+          <a:p>
+            <a:pPr defTabSz="914400">
+              <a:lnSpc>
+                <a:spcPct val="90000"/>
+              </a:lnSpc>
+              <a:spcAft>
+                <a:spcPts val="600"/>
+              </a:spcAft>
+            </a:pPr>
+            <a:r>
+              <a:rPr lang="en-US" sz="1800" spc="-1" dirty="0">
+                <a:solidFill>
+                  <a:srgbClr val="C00000"/>
+                </a:solidFill>
+                <a:uFill>
+                  <a:solidFill>
+                    <a:srgbClr val="FFFFFF"/>
+                  </a:solidFill>
+                </a:uFill>
+                <a:latin typeface="Arial Rounded MT Bold" panose="020F0704030504030204" pitchFamily="34" charset="0"/>
+              </a:rPr>
+              <a:t>&lt;=	</a:t>
+            </a:r>
+            <a:r>
+              <a:rPr lang="en-US" sz="1800" spc="-1" dirty="0">
+                <a:uFill>
+                  <a:solidFill>
+                    <a:srgbClr val="FFFFFF"/>
+                  </a:solidFill>
+                </a:uFill>
+                <a:latin typeface="Arial Rounded MT Bold" panose="020F0704030504030204" pitchFamily="34" charset="0"/>
+              </a:rPr>
+              <a:t>Less than or equal to</a:t>
+            </a:r>
+            <a:endParaRPr lang="en-US" spc="-1" dirty="0">
+              <a:uFill>
+                <a:solidFill>
+                  <a:srgbClr val="FFFFFF"/>
+                </a:solidFill>
+              </a:uFill>
+              <a:latin typeface="Arial Rounded MT Bold" panose="020F0704030504030204" pitchFamily="34" charset="0"/>
+            </a:endParaRPr>
+          </a:p>
+          <a:p>
+            <a:pPr defTabSz="914400">
+              <a:lnSpc>
+                <a:spcPct val="90000"/>
+              </a:lnSpc>
+              <a:spcAft>
+                <a:spcPts val="600"/>
+              </a:spcAft>
+            </a:pPr>
+            <a:r>
+              <a:rPr lang="en-US" sz="1800" spc="-1" dirty="0">
+                <a:solidFill>
+                  <a:srgbClr val="C00000"/>
+                </a:solidFill>
+                <a:uFill>
+                  <a:solidFill>
+                    <a:srgbClr val="FFFFFF"/>
+                  </a:solidFill>
+                </a:uFill>
+                <a:latin typeface="Arial Rounded MT Bold" panose="020F0704030504030204" pitchFamily="34" charset="0"/>
+              </a:rPr>
+              <a:t>&gt;	</a:t>
+            </a:r>
+            <a:r>
+              <a:rPr lang="en-US" sz="1800" spc="-1" dirty="0">
+                <a:uFill>
+                  <a:solidFill>
+                    <a:srgbClr val="FFFFFF"/>
+                  </a:solidFill>
+                </a:uFill>
+                <a:latin typeface="Arial Rounded MT Bold" panose="020F0704030504030204" pitchFamily="34" charset="0"/>
+              </a:rPr>
+              <a:t>More than</a:t>
+            </a:r>
+          </a:p>
+          <a:p>
+            <a:pPr defTabSz="914400">
+              <a:lnSpc>
+                <a:spcPct val="90000"/>
+              </a:lnSpc>
+              <a:spcAft>
+                <a:spcPts val="600"/>
+              </a:spcAft>
+            </a:pPr>
+            <a:r>
+              <a:rPr lang="en-US" spc="-1" dirty="0">
+                <a:solidFill>
+                  <a:srgbClr val="C00000"/>
+                </a:solidFill>
+                <a:uFill>
+                  <a:solidFill>
+                    <a:srgbClr val="FFFFFF"/>
+                  </a:solidFill>
+                </a:uFill>
+                <a:latin typeface="Arial Rounded MT Bold" panose="020F0704030504030204" pitchFamily="34" charset="0"/>
+              </a:rPr>
+              <a:t>&gt;=	</a:t>
+            </a:r>
+            <a:r>
+              <a:rPr lang="en-US" spc="-1" dirty="0">
+                <a:uFill>
+                  <a:solidFill>
+                    <a:srgbClr val="FFFFFF"/>
+                  </a:solidFill>
+                </a:uFill>
+                <a:latin typeface="Arial Rounded MT Bold" panose="020F0704030504030204" pitchFamily="34" charset="0"/>
+              </a:rPr>
+              <a:t>More than or equal to</a:t>
+            </a:r>
+          </a:p>
+          <a:p>
+            <a:pPr defTabSz="914400">
+              <a:lnSpc>
+                <a:spcPct val="90000"/>
+              </a:lnSpc>
+              <a:spcAft>
+                <a:spcPts val="600"/>
+              </a:spcAft>
+            </a:pPr>
+            <a:endParaRPr lang="en-US" sz="1800" spc="-1" dirty="0">
+              <a:solidFill>
+                <a:srgbClr val="C00000"/>
+              </a:solidFill>
+              <a:uFill>
+                <a:solidFill>
+                  <a:srgbClr val="FFFFFF"/>
+                </a:solidFill>
+              </a:uFill>
+              <a:latin typeface="Arial Rounded MT Bold" panose="020F0704030504030204" pitchFamily="34" charset="0"/>
+            </a:endParaRPr>
+          </a:p>
+        </p:txBody>
+      </p:sp>
+      <p:sp>
+        <p:nvSpPr>
+          <p:cNvPr id="12" name="TextBox 11">
+            <a:extLst>
+              <a:ext uri="{FF2B5EF4-FFF2-40B4-BE49-F238E27FC236}">
+                <a16:creationId xmlns:a16="http://schemas.microsoft.com/office/drawing/2014/main" id="{7C39D3E0-FD33-4CD7-BDA9-FA9C42A4F111}"/>
+              </a:ext>
+            </a:extLst>
+          </p:cNvPr>
+          <p:cNvSpPr txBox="1"/>
+          <p:nvPr/>
+        </p:nvSpPr>
+        <p:spPr>
+          <a:xfrm>
+            <a:off x="762336" y="1831948"/>
+            <a:ext cx="2703027" cy="1015663"/>
+          </a:xfrm>
+          <a:prstGeom prst="rect">
+            <a:avLst/>
+          </a:prstGeom>
+          <a:noFill/>
+        </p:spPr>
+        <p:txBody>
+          <a:bodyPr wrap="square">
+            <a:spAutoFit/>
+          </a:bodyPr>
+          <a:lstStyle/>
+          <a:p>
+            <a:r>
+              <a:rPr lang="en-US" sz="6000" b="1" kern="1200" dirty="0">
+                <a:solidFill>
+                  <a:schemeClr val="tx2"/>
+                </a:solidFill>
+                <a:effectLst/>
+                <a:latin typeface="Arial Rounded MT Bold" panose="020F0704030504030204" pitchFamily="34" charset="0"/>
+                <a:ea typeface="+mj-ea"/>
+                <a:cs typeface="+mj-cs"/>
+              </a:rPr>
+              <a:t>Logic</a:t>
+            </a:r>
+            <a:endParaRPr lang="en-GB" sz="6000" b="1" dirty="0">
+              <a:solidFill>
+                <a:schemeClr val="tx2"/>
+              </a:solidFill>
+            </a:endParaRPr>
+          </a:p>
+        </p:txBody>
+      </p:sp>
+      <p:sp>
+        <p:nvSpPr>
+          <p:cNvPr id="13" name="TextBox 12">
+            <a:extLst>
+              <a:ext uri="{FF2B5EF4-FFF2-40B4-BE49-F238E27FC236}">
+                <a16:creationId xmlns:a16="http://schemas.microsoft.com/office/drawing/2014/main" id="{ECCD6F9D-9866-4849-8BC7-FC1736211585}"/>
+              </a:ext>
+            </a:extLst>
+          </p:cNvPr>
+          <p:cNvSpPr txBox="1"/>
+          <p:nvPr/>
+        </p:nvSpPr>
+        <p:spPr>
+          <a:xfrm>
+            <a:off x="411480" y="4373185"/>
+            <a:ext cx="3236763" cy="1015663"/>
+          </a:xfrm>
+          <a:prstGeom prst="rect">
+            <a:avLst/>
+          </a:prstGeom>
+          <a:noFill/>
+        </p:spPr>
+        <p:txBody>
+          <a:bodyPr wrap="square">
+            <a:spAutoFit/>
+          </a:bodyPr>
+          <a:lstStyle/>
+          <a:p>
+            <a:r>
+              <a:rPr lang="en-US" sz="6000" b="1" kern="1200" dirty="0">
+                <a:solidFill>
+                  <a:schemeClr val="tx2"/>
+                </a:solidFill>
+                <a:effectLst/>
+                <a:latin typeface="Arial Rounded MT Bold" panose="020F0704030504030204" pitchFamily="34" charset="0"/>
+                <a:ea typeface="+mj-ea"/>
+                <a:cs typeface="+mj-cs"/>
+              </a:rPr>
+              <a:t>Relation</a:t>
+            </a:r>
+            <a:endParaRPr lang="en-GB" sz="6000" b="1" dirty="0">
+              <a:solidFill>
+                <a:schemeClr val="tx2"/>
+              </a:solidFill>
+            </a:endParaRPr>
+          </a:p>
+        </p:txBody>
+      </p:sp>
     </p:spTree>
     <p:extLst>
       <p:ext uri="{BB962C8B-B14F-4D97-AF65-F5344CB8AC3E}">
-        <p14:creationId xmlns:p14="http://schemas.microsoft.com/office/powerpoint/2010/main" val="3225031162"/>
+        <p14:creationId xmlns:p14="http://schemas.microsoft.com/office/powerpoint/2010/main" val="2878870122"/>
       </p:ext>
     </p:extLst>
   </p:cSld>
@@ -14391,7 +15197,7 @@
                 <a:ea typeface="+mj-ea"/>
                 <a:cs typeface="+mj-cs"/>
               </a:rPr>
-              <a:t>Loops (for and while)</a:t>
+              <a:t>Array indexing</a:t>
             </a:r>
           </a:p>
         </p:txBody>
@@ -14454,12 +15260,47 @@
           </a:p>
         </p:txBody>
       </p:sp>
-      <p:sp>
-        <p:nvSpPr>
-          <p:cNvPr id="9" name="TextBox 8">
+      <p:pic>
+        <p:nvPicPr>
+          <p:cNvPr id="3" name="Picture 2" descr="Shape, arrow&#10;&#10;Description automatically generated">
             <a:extLst>
               <a:ext uri="{FF2B5EF4-FFF2-40B4-BE49-F238E27FC236}">
-                <a16:creationId xmlns:a16="http://schemas.microsoft.com/office/drawing/2014/main" id="{55419456-9218-4403-A4E8-18BFA28481C0}"/>
+                <a16:creationId xmlns:a16="http://schemas.microsoft.com/office/drawing/2014/main" id="{014FD5C8-49B9-459B-A9C7-BBC920A2A027}"/>
+              </a:ext>
+            </a:extLst>
+          </p:cNvPr>
+          <p:cNvPicPr>
+            <a:picLocks noChangeAspect="1"/>
+          </p:cNvPicPr>
+          <p:nvPr/>
+        </p:nvPicPr>
+        <p:blipFill>
+          <a:blip r:embed="rId3"/>
+          <a:stretch>
+            <a:fillRect/>
+          </a:stretch>
+        </p:blipFill>
+        <p:spPr>
+          <a:xfrm>
+            <a:off x="908179" y="1328050"/>
+            <a:ext cx="10375634" cy="4101041"/>
+          </a:xfrm>
+          <a:prstGeom prst="rect">
+            <a:avLst/>
+          </a:prstGeom>
+          <a:ln>
+            <a:solidFill>
+              <a:schemeClr val="tx1"/>
+            </a:solidFill>
+          </a:ln>
+        </p:spPr>
+      </p:pic>
+      <p:sp>
+        <p:nvSpPr>
+          <p:cNvPr id="14" name="TextBox 13">
+            <a:extLst>
+              <a:ext uri="{FF2B5EF4-FFF2-40B4-BE49-F238E27FC236}">
+                <a16:creationId xmlns:a16="http://schemas.microsoft.com/office/drawing/2014/main" id="{EB44FA78-E145-4342-B260-83715003D20B}"/>
               </a:ext>
             </a:extLst>
           </p:cNvPr>
@@ -14468,8 +15309,8 @@
         </p:nvSpPr>
         <p:spPr>
           <a:xfrm>
-            <a:off x="4686821" y="1079752"/>
-            <a:ext cx="6595116" cy="667875"/>
+            <a:off x="916149" y="5846003"/>
+            <a:ext cx="4236764" cy="667875"/>
           </a:xfrm>
           <a:prstGeom prst="rect">
             <a:avLst/>
@@ -14499,11 +15340,11 @@
                 </a:uFill>
                 <a:latin typeface="Arial Rounded MT Bold" panose="020F0704030504030204" pitchFamily="34" charset="0"/>
               </a:rPr>
-              <a:t>if</a:t>
-            </a:r>
-          </a:p>
-          <a:p>
-            <a:pPr defTabSz="914400">
+              <a:t>Matrix indexing</a:t>
+            </a:r>
+          </a:p>
+          <a:p>
+            <a:pPr algn="ctr" defTabSz="914400">
               <a:lnSpc>
                 <a:spcPct val="90000"/>
               </a:lnSpc>
@@ -14511,10 +15352,18 @@
                 <a:spcPts val="600"/>
               </a:spcAft>
             </a:pPr>
+            <a:r>
+              <a:rPr lang="en-US" spc="-1" dirty="0">
+                <a:uFill>
+                  <a:solidFill>
+                    <a:srgbClr val="FFFFFF"/>
+                  </a:solidFill>
+                </a:uFill>
+                <a:latin typeface="Arial Rounded MT Bold" panose="020F0704030504030204" pitchFamily="34" charset="0"/>
+              </a:rPr>
+              <a:t>A(1,2)</a:t>
+            </a:r>
             <a:endParaRPr lang="en-US" sz="1800" spc="-1" dirty="0">
-              <a:solidFill>
-                <a:srgbClr val="C00000"/>
-              </a:solidFill>
               <a:uFill>
                 <a:solidFill>
                   <a:srgbClr val="FFFFFF"/>
@@ -14525,10 +15374,89 @@
           </a:p>
         </p:txBody>
       </p:sp>
+      <p:sp>
+        <p:nvSpPr>
+          <p:cNvPr id="9" name="TextBox 8">
+            <a:extLst>
+              <a:ext uri="{FF2B5EF4-FFF2-40B4-BE49-F238E27FC236}">
+                <a16:creationId xmlns:a16="http://schemas.microsoft.com/office/drawing/2014/main" id="{DECA3515-2DEF-479E-A640-DB76AB40687B}"/>
+              </a:ext>
+            </a:extLst>
+          </p:cNvPr>
+          <p:cNvSpPr txBox="1"/>
+          <p:nvPr/>
+        </p:nvSpPr>
+        <p:spPr>
+          <a:xfrm>
+            <a:off x="6416936" y="5885324"/>
+            <a:ext cx="6099586" cy="667875"/>
+          </a:xfrm>
+          <a:prstGeom prst="rect">
+            <a:avLst/>
+          </a:prstGeom>
+          <a:noFill/>
+        </p:spPr>
+        <p:txBody>
+          <a:bodyPr wrap="square">
+            <a:spAutoFit/>
+          </a:bodyPr>
+          <a:lstStyle/>
+          <a:p>
+            <a:pPr algn="ctr" defTabSz="914400">
+              <a:lnSpc>
+                <a:spcPct val="90000"/>
+              </a:lnSpc>
+              <a:spcAft>
+                <a:spcPts val="600"/>
+              </a:spcAft>
+            </a:pPr>
+            <a:r>
+              <a:rPr lang="en-US" sz="1800" spc="-1" dirty="0">
+                <a:uFill>
+                  <a:solidFill>
+                    <a:srgbClr val="FFFFFF"/>
+                  </a:solidFill>
+                </a:uFill>
+                <a:latin typeface="Arial Rounded MT Bold" panose="020F0704030504030204" pitchFamily="34" charset="0"/>
+              </a:rPr>
+              <a:t>Linear indexing</a:t>
+            </a:r>
+          </a:p>
+          <a:p>
+            <a:pPr algn="ctr" defTabSz="914400">
+              <a:lnSpc>
+                <a:spcPct val="90000"/>
+              </a:lnSpc>
+              <a:spcAft>
+                <a:spcPts val="600"/>
+              </a:spcAft>
+            </a:pPr>
+            <a:r>
+              <a:rPr lang="en-US" spc="-1" dirty="0">
+                <a:uFill>
+                  <a:solidFill>
+                    <a:srgbClr val="FFFFFF"/>
+                  </a:solidFill>
+                </a:uFill>
+                <a:latin typeface="Arial Rounded MT Bold" panose="020F0704030504030204" pitchFamily="34" charset="0"/>
+              </a:rPr>
+              <a:t>A(4)</a:t>
+            </a:r>
+            <a:endParaRPr lang="en-US" sz="1800" spc="-1" dirty="0">
+              <a:uFill>
+                <a:solidFill>
+                  <a:srgbClr val="FFFFFF"/>
+                </a:solidFill>
+              </a:uFill>
+              <a:latin typeface="Arial Rounded MT Bold" panose="020F0704030504030204" pitchFamily="34" charset="0"/>
+            </a:endParaRPr>
+          </a:p>
+        </p:txBody>
+      </p:sp>
     </p:spTree>
     <p:extLst>
       <p:ext uri="{BB962C8B-B14F-4D97-AF65-F5344CB8AC3E}">
-        <p14:creationId xmlns:p14="http://schemas.microsoft.com/office/powerpoint/2010/main" val="1423738973"/>
+        <p14:creationId xmlns:p14="http://schemas.microsoft.com/office/powerpoint/2010/main" val="187406814"/>
       </p:ext>
     </p:extLst>
   </p:cSld>
@@ -14769,7 +15697,7 @@
                 <a:ea typeface="+mj-ea"/>
                 <a:cs typeface="+mj-cs"/>
               </a:rPr>
-              <a:t>Vectorization</a:t>
+              <a:t>Condition statements</a:t>
             </a:r>
           </a:p>
         </p:txBody>
@@ -14832,100 +15760,80 @@
           </a:p>
         </p:txBody>
       </p:sp>
-      <p:sp>
-        <p:nvSpPr>
-          <p:cNvPr id="9" name="TextBox 8">
+      <p:pic>
+        <p:nvPicPr>
+          <p:cNvPr id="3" name="Picture 2" descr="Diagram&#10;&#10;Description automatically generated">
             <a:extLst>
               <a:ext uri="{FF2B5EF4-FFF2-40B4-BE49-F238E27FC236}">
-                <a16:creationId xmlns:a16="http://schemas.microsoft.com/office/drawing/2014/main" id="{55419456-9218-4403-A4E8-18BFA28481C0}"/>
+                <a16:creationId xmlns:a16="http://schemas.microsoft.com/office/drawing/2014/main" id="{C5FFEE9B-37C3-459D-BFF5-39F111E45DD6}"/>
               </a:ext>
             </a:extLst>
           </p:cNvPr>
-          <p:cNvSpPr txBox="1"/>
+          <p:cNvPicPr>
+            <a:picLocks noChangeAspect="1"/>
+          </p:cNvPicPr>
           <p:nvPr/>
-        </p:nvSpPr>
+        </p:nvPicPr>
+        <p:blipFill>
+          <a:blip r:embed="rId3"/>
+          <a:stretch>
+            <a:fillRect/>
+          </a:stretch>
+        </p:blipFill>
         <p:spPr>
           <a:xfrm>
-            <a:off x="4686821" y="1079752"/>
-            <a:ext cx="6595116" cy="667875"/>
+            <a:off x="391046" y="1747627"/>
+            <a:ext cx="4295775" cy="3810000"/>
           </a:xfrm>
           <a:prstGeom prst="rect">
             <a:avLst/>
           </a:prstGeom>
-          <a:noFill/>
+          <a:ln>
+            <a:solidFill>
+              <a:schemeClr val="tx1"/>
+            </a:solidFill>
+          </a:ln>
         </p:spPr>
-        <p:txBody>
-          <a:bodyPr wrap="square">
-            <a:spAutoFit/>
-          </a:bodyPr>
-          <a:lstStyle/>
-          <a:p>
-            <a:pPr algn="ctr" defTabSz="914400">
-              <a:lnSpc>
-                <a:spcPct val="90000"/>
-              </a:lnSpc>
-              <a:spcAft>
-                <a:spcPts val="600"/>
-              </a:spcAft>
-            </a:pPr>
-            <a:r>
-              <a:rPr lang="en-US" sz="1800" spc="-1" dirty="0">
-                <a:uFill>
-                  <a:solidFill>
-                    <a:srgbClr val="FFFFFF"/>
-                  </a:solidFill>
-                </a:uFill>
-                <a:latin typeface="Arial Rounded MT Bold" panose="020F0704030504030204" pitchFamily="34" charset="0"/>
-              </a:rPr>
-              <a:t>Include </a:t>
-            </a:r>
-            <a:r>
-              <a:rPr lang="en-US" sz="1800" spc="-1" dirty="0" err="1">
-                <a:uFill>
-                  <a:solidFill>
-                    <a:srgbClr val="FFFFFF"/>
-                  </a:solidFill>
-                </a:uFill>
-                <a:latin typeface="Arial Rounded MT Bold" panose="020F0704030504030204" pitchFamily="34" charset="0"/>
-              </a:rPr>
-              <a:t>cellfun</a:t>
-            </a:r>
-            <a:endParaRPr lang="en-US" sz="1800" spc="-1" dirty="0">
-              <a:uFill>
-                <a:solidFill>
-                  <a:srgbClr val="FFFFFF"/>
-                </a:solidFill>
-              </a:uFill>
-              <a:latin typeface="Arial Rounded MT Bold" panose="020F0704030504030204" pitchFamily="34" charset="0"/>
-            </a:endParaRPr>
-          </a:p>
-          <a:p>
-            <a:pPr defTabSz="914400">
-              <a:lnSpc>
-                <a:spcPct val="90000"/>
-              </a:lnSpc>
-              <a:spcAft>
-                <a:spcPts val="600"/>
-              </a:spcAft>
-            </a:pPr>
-            <a:endParaRPr lang="en-US" sz="1800" spc="-1" dirty="0">
-              <a:solidFill>
-                <a:srgbClr val="C00000"/>
-              </a:solidFill>
-              <a:uFill>
-                <a:solidFill>
-                  <a:srgbClr val="FFFFFF"/>
-                </a:solidFill>
-              </a:uFill>
-              <a:latin typeface="Arial Rounded MT Bold" panose="020F0704030504030204" pitchFamily="34" charset="0"/>
-            </a:endParaRPr>
-          </a:p>
-        </p:txBody>
-      </p:sp>
+      </p:pic>
+      <p:pic>
+        <p:nvPicPr>
+          <p:cNvPr id="5" name="Picture 4" descr="Graphical user interface, text, application&#10;&#10;Description automatically generated">
+            <a:extLst>
+              <a:ext uri="{FF2B5EF4-FFF2-40B4-BE49-F238E27FC236}">
+                <a16:creationId xmlns:a16="http://schemas.microsoft.com/office/drawing/2014/main" id="{DF685877-FD81-4C17-A9B7-C43A43923164}"/>
+              </a:ext>
+            </a:extLst>
+          </p:cNvPr>
+          <p:cNvPicPr>
+            <a:picLocks noChangeAspect="1"/>
+          </p:cNvPicPr>
+          <p:nvPr/>
+        </p:nvPicPr>
+        <p:blipFill>
+          <a:blip r:embed="rId4"/>
+          <a:stretch>
+            <a:fillRect/>
+          </a:stretch>
+        </p:blipFill>
+        <p:spPr>
+          <a:xfrm>
+            <a:off x="5213274" y="1447589"/>
+            <a:ext cx="6648450" cy="4410075"/>
+          </a:xfrm>
+          <a:prstGeom prst="rect">
+            <a:avLst/>
+          </a:prstGeom>
+          <a:ln>
+            <a:solidFill>
+              <a:schemeClr val="tx1"/>
+            </a:solidFill>
+          </a:ln>
+        </p:spPr>
+      </p:pic>
     </p:spTree>
     <p:extLst>
       <p:ext uri="{BB962C8B-B14F-4D97-AF65-F5344CB8AC3E}">
-        <p14:creationId xmlns:p14="http://schemas.microsoft.com/office/powerpoint/2010/main" val="363320991"/>
+        <p14:creationId xmlns:p14="http://schemas.microsoft.com/office/powerpoint/2010/main" val="3225031162"/>
       </p:ext>
     </p:extLst>
   </p:cSld>
@@ -14935,7 +15843,7 @@
 </p:sld>
 </file>
 
-<file path=ppt/slides/slide2.xml><?xml version="1.0" encoding="utf-8"?>
+<file path=ppt/slides/slide19.xml><?xml version="1.0" encoding="utf-8"?>
 <p:sld xmlns:a="http://schemas.openxmlformats.org/drawingml/2006/main" xmlns:r="http://schemas.openxmlformats.org/officeDocument/2006/relationships" xmlns:p="http://schemas.openxmlformats.org/presentationml/2006/main">
   <p:cSld>
     <p:bg>
@@ -15157,6 +16065,413 @@
               </a:spcAft>
             </a:pPr>
             <a:r>
+              <a:rPr lang="en-US" sz="4400" kern="1200" dirty="0">
+                <a:solidFill>
+                  <a:schemeClr val="tx2"/>
+                </a:solidFill>
+                <a:effectLst/>
+                <a:latin typeface="Arial Rounded MT Bold" panose="020F0704030504030204" pitchFamily="34" charset="0"/>
+                <a:ea typeface="+mj-ea"/>
+                <a:cs typeface="+mj-cs"/>
+              </a:rPr>
+              <a:t>Loops (for and while)</a:t>
+            </a:r>
+          </a:p>
+        </p:txBody>
+      </p:sp>
+      <p:pic>
+        <p:nvPicPr>
+          <p:cNvPr id="10" name="Picture 9">
+            <a:extLst>
+              <a:ext uri="{FF2B5EF4-FFF2-40B4-BE49-F238E27FC236}">
+                <a16:creationId xmlns:a16="http://schemas.microsoft.com/office/drawing/2014/main" id="{C4DA71F8-CCD1-48FB-B7DB-FBCEB5818B67}"/>
+              </a:ext>
+            </a:extLst>
+          </p:cNvPr>
+          <p:cNvPicPr>
+            <a:picLocks noChangeAspect="1"/>
+          </p:cNvPicPr>
+          <p:nvPr/>
+        </p:nvPicPr>
+        <p:blipFill>
+          <a:blip r:embed="rId3"/>
+          <a:stretch>
+            <a:fillRect/>
+          </a:stretch>
+        </p:blipFill>
+        <p:spPr>
+          <a:xfrm>
+            <a:off x="338305" y="1352032"/>
+            <a:ext cx="6115050" cy="2781300"/>
+          </a:xfrm>
+          <a:prstGeom prst="rect">
+            <a:avLst/>
+          </a:prstGeom>
+          <a:ln>
+            <a:solidFill>
+              <a:schemeClr val="tx1"/>
+            </a:solidFill>
+          </a:ln>
+        </p:spPr>
+      </p:pic>
+      <p:pic>
+        <p:nvPicPr>
+          <p:cNvPr id="12" name="Picture 11">
+            <a:extLst>
+              <a:ext uri="{FF2B5EF4-FFF2-40B4-BE49-F238E27FC236}">
+                <a16:creationId xmlns:a16="http://schemas.microsoft.com/office/drawing/2014/main" id="{039480C5-BB2C-4911-AC7A-BC03FBF8FB7F}"/>
+              </a:ext>
+            </a:extLst>
+          </p:cNvPr>
+          <p:cNvPicPr>
+            <a:picLocks noChangeAspect="1"/>
+          </p:cNvPicPr>
+          <p:nvPr/>
+        </p:nvPicPr>
+        <p:blipFill>
+          <a:blip r:embed="rId4"/>
+          <a:stretch>
+            <a:fillRect/>
+          </a:stretch>
+        </p:blipFill>
+        <p:spPr>
+          <a:xfrm>
+            <a:off x="5310748" y="3068002"/>
+            <a:ext cx="6734175" cy="3648075"/>
+          </a:xfrm>
+          <a:prstGeom prst="rect">
+            <a:avLst/>
+          </a:prstGeom>
+          <a:ln>
+            <a:solidFill>
+              <a:schemeClr val="tx1"/>
+            </a:solidFill>
+          </a:ln>
+        </p:spPr>
+      </p:pic>
+      <p:sp>
+        <p:nvSpPr>
+          <p:cNvPr id="16" name="TextBox 15">
+            <a:extLst>
+              <a:ext uri="{FF2B5EF4-FFF2-40B4-BE49-F238E27FC236}">
+                <a16:creationId xmlns:a16="http://schemas.microsoft.com/office/drawing/2014/main" id="{F905138F-3B37-4A93-8908-69B18D26C257}"/>
+              </a:ext>
+            </a:extLst>
+          </p:cNvPr>
+          <p:cNvSpPr txBox="1"/>
+          <p:nvPr/>
+        </p:nvSpPr>
+        <p:spPr>
+          <a:xfrm>
+            <a:off x="2802366" y="902386"/>
+            <a:ext cx="1186927" cy="369332"/>
+          </a:xfrm>
+          <a:prstGeom prst="rect">
+            <a:avLst/>
+          </a:prstGeom>
+          <a:noFill/>
+        </p:spPr>
+        <p:txBody>
+          <a:bodyPr wrap="square">
+            <a:spAutoFit/>
+          </a:bodyPr>
+          <a:lstStyle/>
+          <a:p>
+            <a:r>
+              <a:rPr lang="en-US" sz="1800" kern="1200" dirty="0">
+                <a:solidFill>
+                  <a:schemeClr val="tx2"/>
+                </a:solidFill>
+                <a:effectLst/>
+                <a:latin typeface="Arial Rounded MT Bold" panose="020F0704030504030204" pitchFamily="34" charset="0"/>
+                <a:ea typeface="+mj-ea"/>
+                <a:cs typeface="+mj-cs"/>
+              </a:rPr>
+              <a:t>For loop</a:t>
+            </a:r>
+            <a:endParaRPr lang="en-GB" dirty="0"/>
+          </a:p>
+        </p:txBody>
+      </p:sp>
+      <p:sp>
+        <p:nvSpPr>
+          <p:cNvPr id="17" name="TextBox 16">
+            <a:extLst>
+              <a:ext uri="{FF2B5EF4-FFF2-40B4-BE49-F238E27FC236}">
+                <a16:creationId xmlns:a16="http://schemas.microsoft.com/office/drawing/2014/main" id="{8D874628-F016-4D8D-B374-E2B4EF8876A8}"/>
+              </a:ext>
+            </a:extLst>
+          </p:cNvPr>
+          <p:cNvSpPr txBox="1"/>
+          <p:nvPr/>
+        </p:nvSpPr>
+        <p:spPr>
+          <a:xfrm>
+            <a:off x="8135748" y="2571613"/>
+            <a:ext cx="1610680" cy="369332"/>
+          </a:xfrm>
+          <a:prstGeom prst="rect">
+            <a:avLst/>
+          </a:prstGeom>
+          <a:noFill/>
+        </p:spPr>
+        <p:txBody>
+          <a:bodyPr wrap="square">
+            <a:spAutoFit/>
+          </a:bodyPr>
+          <a:lstStyle/>
+          <a:p>
+            <a:r>
+              <a:rPr lang="en-US" sz="1800" kern="1200" dirty="0">
+                <a:solidFill>
+                  <a:schemeClr val="tx2"/>
+                </a:solidFill>
+                <a:effectLst/>
+                <a:latin typeface="Arial Rounded MT Bold" panose="020F0704030504030204" pitchFamily="34" charset="0"/>
+                <a:ea typeface="+mj-ea"/>
+                <a:cs typeface="+mj-cs"/>
+              </a:rPr>
+              <a:t>While loop</a:t>
+            </a:r>
+            <a:endParaRPr lang="en-GB" dirty="0"/>
+          </a:p>
+        </p:txBody>
+      </p:sp>
+    </p:spTree>
+    <p:extLst>
+      <p:ext uri="{BB962C8B-B14F-4D97-AF65-F5344CB8AC3E}">
+        <p14:creationId xmlns:p14="http://schemas.microsoft.com/office/powerpoint/2010/main" val="1423738973"/>
+      </p:ext>
+    </p:extLst>
+  </p:cSld>
+  <p:clrMapOvr>
+    <a:masterClrMapping/>
+  </p:clrMapOvr>
+</p:sld>
+</file>
+
+<file path=ppt/slides/slide2.xml><?xml version="1.0" encoding="utf-8"?>
+<p:sld xmlns:a="http://schemas.openxmlformats.org/drawingml/2006/main" xmlns:r="http://schemas.openxmlformats.org/officeDocument/2006/relationships" xmlns:p="http://schemas.openxmlformats.org/presentationml/2006/main">
+  <p:cSld>
+    <p:bg>
+      <p:bgPr>
+        <a:solidFill>
+          <a:schemeClr val="bg1"/>
+        </a:solidFill>
+        <a:effectLst/>
+      </p:bgPr>
+    </p:bg>
+    <p:spTree>
+      <p:nvGrpSpPr>
+        <p:cNvPr id="1" name=""/>
+        <p:cNvGrpSpPr/>
+        <p:nvPr/>
+      </p:nvGrpSpPr>
+      <p:grpSpPr>
+        <a:xfrm>
+          <a:off x="0" y="0"/>
+          <a:ext cx="0" cy="0"/>
+          <a:chOff x="0" y="0"/>
+          <a:chExt cx="0" cy="0"/>
+        </a:xfrm>
+      </p:grpSpPr>
+      <p:sp useBgFill="1">
+        <p:nvSpPr>
+          <p:cNvPr id="41" name="Rectangle 40">
+            <a:extLst>
+              <a:ext uri="{FF2B5EF4-FFF2-40B4-BE49-F238E27FC236}">
+                <a16:creationId xmlns:a16="http://schemas.microsoft.com/office/drawing/2014/main" id="{21AC6A30-4F22-4C0F-B278-19C5B8A80C55}"/>
+              </a:ext>
+              <a:ext uri="{C183D7F6-B498-43B3-948B-1728B52AA6E4}">
+                <adec:decorative xmlns:adec="http://schemas.microsoft.com/office/drawing/2017/decorative" val="1"/>
+              </a:ext>
+            </a:extLst>
+          </p:cNvPr>
+          <p:cNvSpPr>
+            <a:spLocks noGrp="1" noRot="1" noChangeAspect="1" noMove="1" noResize="1" noEditPoints="1" noAdjustHandles="1" noChangeArrowheads="1" noChangeShapeType="1" noTextEdit="1"/>
+          </p:cNvSpPr>
+          <p:nvPr>
+            <p:extLst>
+              <p:ext uri="{386F3935-93C4-4BCD-93E2-E3B085C9AB24}">
+                <p16:designElem xmlns:p16="http://schemas.microsoft.com/office/powerpoint/2015/main" val="1"/>
+              </p:ext>
+            </p:extLst>
+          </p:nvPr>
+        </p:nvSpPr>
+        <p:spPr>
+          <a:xfrm>
+            <a:off x="0" y="0"/>
+            <a:ext cx="12192000" cy="6858000"/>
+          </a:xfrm>
+          <a:prstGeom prst="rect">
+            <a:avLst/>
+          </a:prstGeom>
+          <a:ln w="12700" cap="flat" cmpd="sng" algn="ctr">
+            <a:noFill/>
+            <a:prstDash val="solid"/>
+            <a:miter lim="800000"/>
+          </a:ln>
+          <a:effectLst/>
+          <a:extLst>
+            <a:ext uri="{91240B29-F687-4F45-9708-019B960494DF}">
+              <a14:hiddenLine xmlns:a14="http://schemas.microsoft.com/office/drawing/2010/main" w="12700" cap="flat" cmpd="sng" algn="ctr">
+                <a:solidFill>
+                  <a:schemeClr val="accent1">
+                    <a:shade val="50000"/>
+                  </a:schemeClr>
+                </a:solidFill>
+                <a:prstDash val="solid"/>
+                <a:miter lim="800000"/>
+              </a14:hiddenLine>
+            </a:ext>
+          </a:extLst>
+        </p:spPr>
+        <p:style>
+          <a:lnRef idx="2">
+            <a:schemeClr val="accent1">
+              <a:shade val="50000"/>
+            </a:schemeClr>
+          </a:lnRef>
+          <a:fillRef idx="1">
+            <a:schemeClr val="accent1"/>
+          </a:fillRef>
+          <a:effectRef idx="0">
+            <a:schemeClr val="accent1"/>
+          </a:effectRef>
+          <a:fontRef idx="minor">
+            <a:schemeClr val="lt1"/>
+          </a:fontRef>
+        </p:style>
+        <p:txBody>
+          <a:bodyPr rtlCol="0" anchor="ctr"/>
+          <a:lstStyle/>
+          <a:p>
+            <a:pPr algn="ctr"/>
+            <a:endParaRPr lang="en-US"/>
+          </a:p>
+        </p:txBody>
+      </p:sp>
+      <p:sp>
+        <p:nvSpPr>
+          <p:cNvPr id="43" name="Rectangle 42">
+            <a:extLst>
+              <a:ext uri="{FF2B5EF4-FFF2-40B4-BE49-F238E27FC236}">
+                <a16:creationId xmlns:a16="http://schemas.microsoft.com/office/drawing/2014/main" id="{BB4335AD-65B1-44E4-90AF-264024FE4BD2}"/>
+              </a:ext>
+              <a:ext uri="{C183D7F6-B498-43B3-948B-1728B52AA6E4}">
+                <adec:decorative xmlns:adec="http://schemas.microsoft.com/office/drawing/2017/decorative" val="1"/>
+              </a:ext>
+            </a:extLst>
+          </p:cNvPr>
+          <p:cNvSpPr>
+            <a:spLocks noGrp="1" noRot="1" noChangeAspect="1" noMove="1" noResize="1" noEditPoints="1" noAdjustHandles="1" noChangeArrowheads="1" noChangeShapeType="1" noTextEdit="1"/>
+          </p:cNvSpPr>
+          <p:nvPr>
+            <p:extLst>
+              <p:ext uri="{386F3935-93C4-4BCD-93E2-E3B085C9AB24}">
+                <p16:designElem xmlns:p16="http://schemas.microsoft.com/office/powerpoint/2015/main" val="1"/>
+              </p:ext>
+            </p:extLst>
+          </p:nvPr>
+        </p:nvSpPr>
+        <p:spPr>
+          <a:xfrm>
+            <a:off x="-3" y="0"/>
+            <a:ext cx="12191999" cy="6858000"/>
+          </a:xfrm>
+          <a:prstGeom prst="rect">
+            <a:avLst/>
+          </a:prstGeom>
+          <a:solidFill>
+            <a:srgbClr val="82766A">
+              <a:alpha val="15000"/>
+            </a:srgbClr>
+          </a:solidFill>
+          <a:ln w="12700" cap="flat" cmpd="sng" algn="ctr">
+            <a:noFill/>
+            <a:prstDash val="solid"/>
+            <a:miter lim="800000"/>
+          </a:ln>
+          <a:effectLst/>
+        </p:spPr>
+        <p:style>
+          <a:lnRef idx="2">
+            <a:schemeClr val="accent1">
+              <a:shade val="50000"/>
+            </a:schemeClr>
+          </a:lnRef>
+          <a:fillRef idx="1">
+            <a:schemeClr val="accent1"/>
+          </a:fillRef>
+          <a:effectRef idx="0">
+            <a:schemeClr val="accent1"/>
+          </a:effectRef>
+          <a:fontRef idx="minor">
+            <a:schemeClr val="lt1"/>
+          </a:fontRef>
+        </p:style>
+        <p:txBody>
+          <a:bodyPr rtlCol="0" anchor="ctr"/>
+          <a:lstStyle/>
+          <a:p>
+            <a:pPr algn="ctr"/>
+            <a:endParaRPr lang="en-US"/>
+          </a:p>
+        </p:txBody>
+      </p:sp>
+      <p:sp>
+        <p:nvSpPr>
+          <p:cNvPr id="6" name="CustomShape 1"/>
+          <p:cNvSpPr/>
+          <p:nvPr/>
+        </p:nvSpPr>
+        <p:spPr>
+          <a:xfrm>
+            <a:off x="7963" y="53081"/>
+            <a:ext cx="12184034" cy="768992"/>
+          </a:xfrm>
+          <a:prstGeom prst="rect">
+            <a:avLst/>
+          </a:prstGeom>
+          <a:ln w="19050">
+            <a:solidFill>
+              <a:schemeClr val="bg1">
+                <a:lumMod val="65000"/>
+              </a:schemeClr>
+            </a:solidFill>
+            <a:prstDash val="dash"/>
+          </a:ln>
+        </p:spPr>
+        <p:style>
+          <a:lnRef idx="0">
+            <a:scrgbClr r="0" g="0" b="0"/>
+          </a:lnRef>
+          <a:fillRef idx="0">
+            <a:scrgbClr r="0" g="0" b="0"/>
+          </a:fillRef>
+          <a:effectRef idx="0">
+            <a:scrgbClr r="0" g="0" b="0"/>
+          </a:effectRef>
+          <a:fontRef idx="minor"/>
+        </p:style>
+        <p:txBody>
+          <a:bodyPr vert="horz" lIns="91440" tIns="45720" rIns="91440" bIns="45720" rtlCol="0" anchor="ctr">
+            <a:normAutofit/>
+          </a:bodyPr>
+          <a:lstStyle/>
+          <a:p>
+            <a:pPr marL="6350" marR="6985" indent="-6350" algn="ctr" defTabSz="914400">
+              <a:lnSpc>
+                <a:spcPct val="90000"/>
+              </a:lnSpc>
+              <a:spcBef>
+                <a:spcPct val="0"/>
+              </a:spcBef>
+              <a:spcAft>
+                <a:spcPts val="25"/>
+              </a:spcAft>
+            </a:pPr>
+            <a:r>
               <a:rPr lang="en-US" sz="4400" kern="1200">
                 <a:solidFill>
                   <a:schemeClr val="tx2"/>
@@ -15274,6 +16589,11 @@
             <a:avLst/>
           </a:prstGeom>
           <a:noFill/>
+          <a:ln>
+            <a:solidFill>
+              <a:schemeClr val="tx1"/>
+            </a:solidFill>
+          </a:ln>
           <a:extLst>
             <a:ext uri="{909E8E84-426E-40DD-AFC4-6F175D3DCCD1}">
               <a14:hiddenFill xmlns:a14="http://schemas.microsoft.com/office/drawing/2010/main">
@@ -15312,6 +16632,11 @@
           <a:prstGeom prst="rect">
             <a:avLst/>
           </a:prstGeom>
+          <a:ln>
+            <a:solidFill>
+              <a:schemeClr val="tx1"/>
+            </a:solidFill>
+          </a:ln>
         </p:spPr>
       </p:pic>
       <p:sp>
@@ -15702,6 +17027,2514 @@
     <p:extLst>
       <p:ext uri="{BB962C8B-B14F-4D97-AF65-F5344CB8AC3E}">
         <p14:creationId xmlns:p14="http://schemas.microsoft.com/office/powerpoint/2010/main" val="1783947092"/>
+      </p:ext>
+    </p:extLst>
+  </p:cSld>
+  <p:clrMapOvr>
+    <a:masterClrMapping/>
+  </p:clrMapOvr>
+</p:sld>
+</file>
+
+<file path=ppt/slides/slide20.xml><?xml version="1.0" encoding="utf-8"?>
+<p:sld xmlns:a="http://schemas.openxmlformats.org/drawingml/2006/main" xmlns:r="http://schemas.openxmlformats.org/officeDocument/2006/relationships" xmlns:p="http://schemas.openxmlformats.org/presentationml/2006/main">
+  <p:cSld>
+    <p:bg>
+      <p:bgPr>
+        <a:solidFill>
+          <a:schemeClr val="bg1"/>
+        </a:solidFill>
+        <a:effectLst/>
+      </p:bgPr>
+    </p:bg>
+    <p:spTree>
+      <p:nvGrpSpPr>
+        <p:cNvPr id="1" name=""/>
+        <p:cNvGrpSpPr/>
+        <p:nvPr/>
+      </p:nvGrpSpPr>
+      <p:grpSpPr>
+        <a:xfrm>
+          <a:off x="0" y="0"/>
+          <a:ext cx="0" cy="0"/>
+          <a:chOff x="0" y="0"/>
+          <a:chExt cx="0" cy="0"/>
+        </a:xfrm>
+      </p:grpSpPr>
+      <p:sp useBgFill="1">
+        <p:nvSpPr>
+          <p:cNvPr id="41" name="Rectangle 40">
+            <a:extLst>
+              <a:ext uri="{FF2B5EF4-FFF2-40B4-BE49-F238E27FC236}">
+                <a16:creationId xmlns:a16="http://schemas.microsoft.com/office/drawing/2014/main" id="{21AC6A30-4F22-4C0F-B278-19C5B8A80C55}"/>
+              </a:ext>
+              <a:ext uri="{C183D7F6-B498-43B3-948B-1728B52AA6E4}">
+                <adec:decorative xmlns:adec="http://schemas.microsoft.com/office/drawing/2017/decorative" val="1"/>
+              </a:ext>
+            </a:extLst>
+          </p:cNvPr>
+          <p:cNvSpPr>
+            <a:spLocks noGrp="1" noRot="1" noChangeAspect="1" noMove="1" noResize="1" noEditPoints="1" noAdjustHandles="1" noChangeArrowheads="1" noChangeShapeType="1" noTextEdit="1"/>
+          </p:cNvSpPr>
+          <p:nvPr>
+            <p:extLst>
+              <p:ext uri="{386F3935-93C4-4BCD-93E2-E3B085C9AB24}">
+                <p16:designElem xmlns:p16="http://schemas.microsoft.com/office/powerpoint/2015/main" val="1"/>
+              </p:ext>
+            </p:extLst>
+          </p:nvPr>
+        </p:nvSpPr>
+        <p:spPr>
+          <a:xfrm>
+            <a:off x="0" y="0"/>
+            <a:ext cx="12192000" cy="6858000"/>
+          </a:xfrm>
+          <a:prstGeom prst="rect">
+            <a:avLst/>
+          </a:prstGeom>
+          <a:ln w="12700" cap="flat" cmpd="sng" algn="ctr">
+            <a:noFill/>
+            <a:prstDash val="solid"/>
+            <a:miter lim="800000"/>
+          </a:ln>
+          <a:effectLst/>
+          <a:extLst>
+            <a:ext uri="{91240B29-F687-4F45-9708-019B960494DF}">
+              <a14:hiddenLine xmlns:a14="http://schemas.microsoft.com/office/drawing/2010/main" w="12700" cap="flat" cmpd="sng" algn="ctr">
+                <a:solidFill>
+                  <a:schemeClr val="accent1">
+                    <a:shade val="50000"/>
+                  </a:schemeClr>
+                </a:solidFill>
+                <a:prstDash val="solid"/>
+                <a:miter lim="800000"/>
+              </a14:hiddenLine>
+            </a:ext>
+          </a:extLst>
+        </p:spPr>
+        <p:style>
+          <a:lnRef idx="2">
+            <a:schemeClr val="accent1">
+              <a:shade val="50000"/>
+            </a:schemeClr>
+          </a:lnRef>
+          <a:fillRef idx="1">
+            <a:schemeClr val="accent1"/>
+          </a:fillRef>
+          <a:effectRef idx="0">
+            <a:schemeClr val="accent1"/>
+          </a:effectRef>
+          <a:fontRef idx="minor">
+            <a:schemeClr val="lt1"/>
+          </a:fontRef>
+        </p:style>
+        <p:txBody>
+          <a:bodyPr rtlCol="0" anchor="ctr"/>
+          <a:lstStyle/>
+          <a:p>
+            <a:pPr algn="ctr"/>
+            <a:endParaRPr lang="en-US"/>
+          </a:p>
+        </p:txBody>
+      </p:sp>
+      <p:sp>
+        <p:nvSpPr>
+          <p:cNvPr id="43" name="Rectangle 42">
+            <a:extLst>
+              <a:ext uri="{FF2B5EF4-FFF2-40B4-BE49-F238E27FC236}">
+                <a16:creationId xmlns:a16="http://schemas.microsoft.com/office/drawing/2014/main" id="{BB4335AD-65B1-44E4-90AF-264024FE4BD2}"/>
+              </a:ext>
+              <a:ext uri="{C183D7F6-B498-43B3-948B-1728B52AA6E4}">
+                <adec:decorative xmlns:adec="http://schemas.microsoft.com/office/drawing/2017/decorative" val="1"/>
+              </a:ext>
+            </a:extLst>
+          </p:cNvPr>
+          <p:cNvSpPr>
+            <a:spLocks noGrp="1" noRot="1" noChangeAspect="1" noMove="1" noResize="1" noEditPoints="1" noAdjustHandles="1" noChangeArrowheads="1" noChangeShapeType="1" noTextEdit="1"/>
+          </p:cNvSpPr>
+          <p:nvPr>
+            <p:extLst>
+              <p:ext uri="{386F3935-93C4-4BCD-93E2-E3B085C9AB24}">
+                <p16:designElem xmlns:p16="http://schemas.microsoft.com/office/powerpoint/2015/main" val="1"/>
+              </p:ext>
+            </p:extLst>
+          </p:nvPr>
+        </p:nvSpPr>
+        <p:spPr>
+          <a:xfrm>
+            <a:off x="-3" y="0"/>
+            <a:ext cx="12191999" cy="6858000"/>
+          </a:xfrm>
+          <a:prstGeom prst="rect">
+            <a:avLst/>
+          </a:prstGeom>
+          <a:solidFill>
+            <a:srgbClr val="82766A">
+              <a:alpha val="15000"/>
+            </a:srgbClr>
+          </a:solidFill>
+          <a:ln w="12700" cap="flat" cmpd="sng" algn="ctr">
+            <a:noFill/>
+            <a:prstDash val="solid"/>
+            <a:miter lim="800000"/>
+          </a:ln>
+          <a:effectLst/>
+        </p:spPr>
+        <p:style>
+          <a:lnRef idx="2">
+            <a:schemeClr val="accent1">
+              <a:shade val="50000"/>
+            </a:schemeClr>
+          </a:lnRef>
+          <a:fillRef idx="1">
+            <a:schemeClr val="accent1"/>
+          </a:fillRef>
+          <a:effectRef idx="0">
+            <a:schemeClr val="accent1"/>
+          </a:effectRef>
+          <a:fontRef idx="minor">
+            <a:schemeClr val="lt1"/>
+          </a:fontRef>
+        </p:style>
+        <p:txBody>
+          <a:bodyPr rtlCol="0" anchor="ctr"/>
+          <a:lstStyle/>
+          <a:p>
+            <a:pPr algn="ctr"/>
+            <a:endParaRPr lang="en-US"/>
+          </a:p>
+        </p:txBody>
+      </p:sp>
+      <p:sp>
+        <p:nvSpPr>
+          <p:cNvPr id="6" name="CustomShape 1"/>
+          <p:cNvSpPr/>
+          <p:nvPr/>
+        </p:nvSpPr>
+        <p:spPr>
+          <a:xfrm>
+            <a:off x="7963" y="53081"/>
+            <a:ext cx="12184034" cy="768992"/>
+          </a:xfrm>
+          <a:prstGeom prst="rect">
+            <a:avLst/>
+          </a:prstGeom>
+          <a:ln w="19050">
+            <a:solidFill>
+              <a:schemeClr val="bg1">
+                <a:lumMod val="65000"/>
+              </a:schemeClr>
+            </a:solidFill>
+            <a:prstDash val="dash"/>
+          </a:ln>
+        </p:spPr>
+        <p:style>
+          <a:lnRef idx="0">
+            <a:scrgbClr r="0" g="0" b="0"/>
+          </a:lnRef>
+          <a:fillRef idx="0">
+            <a:scrgbClr r="0" g="0" b="0"/>
+          </a:fillRef>
+          <a:effectRef idx="0">
+            <a:scrgbClr r="0" g="0" b="0"/>
+          </a:effectRef>
+          <a:fontRef idx="minor"/>
+        </p:style>
+        <p:txBody>
+          <a:bodyPr vert="horz" lIns="91440" tIns="45720" rIns="91440" bIns="45720" rtlCol="0" anchor="ctr">
+            <a:normAutofit/>
+          </a:bodyPr>
+          <a:lstStyle/>
+          <a:p>
+            <a:pPr marL="6350" marR="6985" indent="-6350" algn="ctr" defTabSz="914400">
+              <a:lnSpc>
+                <a:spcPct val="90000"/>
+              </a:lnSpc>
+              <a:spcBef>
+                <a:spcPct val="0"/>
+              </a:spcBef>
+              <a:spcAft>
+                <a:spcPts val="25"/>
+              </a:spcAft>
+            </a:pPr>
+            <a:r>
+              <a:rPr lang="en-US" sz="4400" kern="1200" dirty="0">
+                <a:solidFill>
+                  <a:schemeClr val="tx2"/>
+                </a:solidFill>
+                <a:effectLst/>
+                <a:latin typeface="Arial Rounded MT Bold" panose="020F0704030504030204" pitchFamily="34" charset="0"/>
+                <a:ea typeface="+mj-ea"/>
+                <a:cs typeface="+mj-cs"/>
+              </a:rPr>
+              <a:t>Vectorization</a:t>
+            </a:r>
+          </a:p>
+        </p:txBody>
+      </p:sp>
+      <p:sp>
+        <p:nvSpPr>
+          <p:cNvPr id="8" name="CustomShape 1"/>
+          <p:cNvSpPr/>
+          <p:nvPr/>
+        </p:nvSpPr>
+        <p:spPr>
+          <a:xfrm>
+            <a:off x="4198966" y="2147357"/>
+            <a:ext cx="3810000" cy="4101042"/>
+          </a:xfrm>
+          <a:prstGeom prst="rect">
+            <a:avLst/>
+          </a:prstGeom>
+        </p:spPr>
+        <p:style>
+          <a:lnRef idx="0">
+            <a:scrgbClr r="0" g="0" b="0"/>
+          </a:lnRef>
+          <a:fillRef idx="0">
+            <a:scrgbClr r="0" g="0" b="0"/>
+          </a:fillRef>
+          <a:effectRef idx="0">
+            <a:scrgbClr r="0" g="0" b="0"/>
+          </a:effectRef>
+          <a:fontRef idx="minor"/>
+        </p:style>
+        <p:txBody>
+          <a:bodyPr vert="horz" lIns="91440" tIns="45720" rIns="91440" bIns="45720" rtlCol="0">
+            <a:normAutofit/>
+          </a:bodyPr>
+          <a:lstStyle/>
+          <a:p>
+            <a:pPr algn="ctr" defTabSz="914400">
+              <a:lnSpc>
+                <a:spcPct val="90000"/>
+              </a:lnSpc>
+              <a:spcAft>
+                <a:spcPts val="600"/>
+              </a:spcAft>
+            </a:pPr>
+            <a:endParaRPr lang="en-US" sz="2000" b="1" spc="-1" dirty="0">
+              <a:solidFill>
+                <a:schemeClr val="tx1">
+                  <a:lumMod val="85000"/>
+                  <a:lumOff val="15000"/>
+                </a:schemeClr>
+              </a:solidFill>
+              <a:uFill>
+                <a:solidFill>
+                  <a:srgbClr val="FFFFFF"/>
+                </a:solidFill>
+              </a:uFill>
+              <a:latin typeface="Arial Rounded MT Bold" panose="020F0704030504030204" pitchFamily="34" charset="0"/>
+            </a:endParaRPr>
+          </a:p>
+        </p:txBody>
+      </p:sp>
+      <p:pic>
+        <p:nvPicPr>
+          <p:cNvPr id="10" name="Picture 9">
+            <a:extLst>
+              <a:ext uri="{FF2B5EF4-FFF2-40B4-BE49-F238E27FC236}">
+                <a16:creationId xmlns:a16="http://schemas.microsoft.com/office/drawing/2014/main" id="{C3256FE4-4D99-49DE-B566-1D7116493B8F}"/>
+              </a:ext>
+            </a:extLst>
+          </p:cNvPr>
+          <p:cNvPicPr>
+            <a:picLocks noChangeAspect="1"/>
+          </p:cNvPicPr>
+          <p:nvPr/>
+        </p:nvPicPr>
+        <p:blipFill>
+          <a:blip r:embed="rId3"/>
+          <a:stretch>
+            <a:fillRect/>
+          </a:stretch>
+        </p:blipFill>
+        <p:spPr>
+          <a:xfrm>
+            <a:off x="338305" y="1352032"/>
+            <a:ext cx="6115050" cy="2781300"/>
+          </a:xfrm>
+          <a:prstGeom prst="rect">
+            <a:avLst/>
+          </a:prstGeom>
+          <a:ln>
+            <a:solidFill>
+              <a:schemeClr val="tx1"/>
+            </a:solidFill>
+          </a:ln>
+        </p:spPr>
+      </p:pic>
+      <p:sp>
+        <p:nvSpPr>
+          <p:cNvPr id="11" name="TextBox 10">
+            <a:extLst>
+              <a:ext uri="{FF2B5EF4-FFF2-40B4-BE49-F238E27FC236}">
+                <a16:creationId xmlns:a16="http://schemas.microsoft.com/office/drawing/2014/main" id="{D96F5ADA-9D0F-47B3-A0E6-4517C09ECC36}"/>
+              </a:ext>
+            </a:extLst>
+          </p:cNvPr>
+          <p:cNvSpPr txBox="1"/>
+          <p:nvPr/>
+        </p:nvSpPr>
+        <p:spPr>
+          <a:xfrm>
+            <a:off x="2802366" y="902386"/>
+            <a:ext cx="1186927" cy="369332"/>
+          </a:xfrm>
+          <a:prstGeom prst="rect">
+            <a:avLst/>
+          </a:prstGeom>
+          <a:noFill/>
+        </p:spPr>
+        <p:txBody>
+          <a:bodyPr wrap="square">
+            <a:spAutoFit/>
+          </a:bodyPr>
+          <a:lstStyle/>
+          <a:p>
+            <a:r>
+              <a:rPr lang="en-US" sz="1800" kern="1200" dirty="0">
+                <a:solidFill>
+                  <a:schemeClr val="tx2"/>
+                </a:solidFill>
+                <a:effectLst/>
+                <a:latin typeface="Arial Rounded MT Bold" panose="020F0704030504030204" pitchFamily="34" charset="0"/>
+                <a:ea typeface="+mj-ea"/>
+                <a:cs typeface="+mj-cs"/>
+              </a:rPr>
+              <a:t>For loop</a:t>
+            </a:r>
+            <a:endParaRPr lang="en-GB" dirty="0"/>
+          </a:p>
+        </p:txBody>
+      </p:sp>
+      <p:pic>
+        <p:nvPicPr>
+          <p:cNvPr id="3" name="Picture 2">
+            <a:extLst>
+              <a:ext uri="{FF2B5EF4-FFF2-40B4-BE49-F238E27FC236}">
+                <a16:creationId xmlns:a16="http://schemas.microsoft.com/office/drawing/2014/main" id="{4BE95CDD-73CF-4807-B027-6898847ED9FF}"/>
+              </a:ext>
+            </a:extLst>
+          </p:cNvPr>
+          <p:cNvPicPr>
+            <a:picLocks noChangeAspect="1"/>
+          </p:cNvPicPr>
+          <p:nvPr/>
+        </p:nvPicPr>
+        <p:blipFill>
+          <a:blip r:embed="rId4"/>
+          <a:stretch>
+            <a:fillRect/>
+          </a:stretch>
+        </p:blipFill>
+        <p:spPr>
+          <a:xfrm>
+            <a:off x="6453355" y="4534691"/>
+            <a:ext cx="4972050" cy="1847850"/>
+          </a:xfrm>
+          <a:prstGeom prst="rect">
+            <a:avLst/>
+          </a:prstGeom>
+          <a:ln>
+            <a:solidFill>
+              <a:schemeClr val="tx1"/>
+            </a:solidFill>
+          </a:ln>
+        </p:spPr>
+      </p:pic>
+      <p:sp>
+        <p:nvSpPr>
+          <p:cNvPr id="12" name="TextBox 11">
+            <a:extLst>
+              <a:ext uri="{FF2B5EF4-FFF2-40B4-BE49-F238E27FC236}">
+                <a16:creationId xmlns:a16="http://schemas.microsoft.com/office/drawing/2014/main" id="{A278D7FC-017F-48DC-8B00-81C9E8CCEC8F}"/>
+              </a:ext>
+            </a:extLst>
+          </p:cNvPr>
+          <p:cNvSpPr txBox="1"/>
+          <p:nvPr/>
+        </p:nvSpPr>
+        <p:spPr>
+          <a:xfrm>
+            <a:off x="7744272" y="4038388"/>
+            <a:ext cx="2390216" cy="369332"/>
+          </a:xfrm>
+          <a:prstGeom prst="rect">
+            <a:avLst/>
+          </a:prstGeom>
+          <a:noFill/>
+        </p:spPr>
+        <p:txBody>
+          <a:bodyPr wrap="square">
+            <a:spAutoFit/>
+          </a:bodyPr>
+          <a:lstStyle/>
+          <a:p>
+            <a:r>
+              <a:rPr lang="en-US" sz="1800" kern="1200" dirty="0" err="1">
+                <a:solidFill>
+                  <a:schemeClr val="tx2"/>
+                </a:solidFill>
+                <a:effectLst/>
+                <a:latin typeface="Arial Rounded MT Bold" panose="020F0704030504030204" pitchFamily="34" charset="0"/>
+                <a:ea typeface="+mj-ea"/>
+                <a:cs typeface="+mj-cs"/>
+              </a:rPr>
+              <a:t>Vectorised</a:t>
+            </a:r>
+            <a:r>
+              <a:rPr lang="en-US" sz="1800" kern="1200" dirty="0">
+                <a:solidFill>
+                  <a:schemeClr val="tx2"/>
+                </a:solidFill>
+                <a:effectLst/>
+                <a:latin typeface="Arial Rounded MT Bold" panose="020F0704030504030204" pitchFamily="34" charset="0"/>
+                <a:ea typeface="+mj-ea"/>
+                <a:cs typeface="+mj-cs"/>
+              </a:rPr>
+              <a:t> version</a:t>
+            </a:r>
+            <a:endParaRPr lang="en-GB" dirty="0"/>
+          </a:p>
+        </p:txBody>
+      </p:sp>
+      <p:sp>
+        <p:nvSpPr>
+          <p:cNvPr id="4" name="Arrow: Bent 3">
+            <a:extLst>
+              <a:ext uri="{FF2B5EF4-FFF2-40B4-BE49-F238E27FC236}">
+                <a16:creationId xmlns:a16="http://schemas.microsoft.com/office/drawing/2014/main" id="{9C5C9A40-0689-483B-9D67-E77898CE56F5}"/>
+              </a:ext>
+            </a:extLst>
+          </p:cNvPr>
+          <p:cNvSpPr/>
+          <p:nvPr/>
+        </p:nvSpPr>
+        <p:spPr>
+          <a:xfrm rot="10800000" flipH="1">
+            <a:off x="3244555" y="4132672"/>
+            <a:ext cx="3059425" cy="1455199"/>
+          </a:xfrm>
+          <a:prstGeom prst="bentArrow">
+            <a:avLst>
+              <a:gd name="adj1" fmla="val 25000"/>
+              <a:gd name="adj2" fmla="val 25000"/>
+              <a:gd name="adj3" fmla="val 25000"/>
+              <a:gd name="adj4" fmla="val 25827"/>
+            </a:avLst>
+          </a:prstGeom>
+          <a:solidFill>
+            <a:schemeClr val="bg1">
+              <a:lumMod val="75000"/>
+            </a:schemeClr>
+          </a:solidFill>
+        </p:spPr>
+        <p:style>
+          <a:lnRef idx="1">
+            <a:schemeClr val="dk1"/>
+          </a:lnRef>
+          <a:fillRef idx="3">
+            <a:schemeClr val="dk1"/>
+          </a:fillRef>
+          <a:effectRef idx="2">
+            <a:schemeClr val="dk1"/>
+          </a:effectRef>
+          <a:fontRef idx="minor">
+            <a:schemeClr val="lt1"/>
+          </a:fontRef>
+        </p:style>
+        <p:txBody>
+          <a:bodyPr rtlCol="0" anchor="ctr"/>
+          <a:lstStyle/>
+          <a:p>
+            <a:pPr algn="ctr"/>
+            <a:endParaRPr lang="en-GB">
+              <a:solidFill>
+                <a:schemeClr val="tx1"/>
+              </a:solidFill>
+            </a:endParaRPr>
+          </a:p>
+        </p:txBody>
+      </p:sp>
+      <p:sp>
+        <p:nvSpPr>
+          <p:cNvPr id="16" name="TextBox 15">
+            <a:extLst>
+              <a:ext uri="{FF2B5EF4-FFF2-40B4-BE49-F238E27FC236}">
+                <a16:creationId xmlns:a16="http://schemas.microsoft.com/office/drawing/2014/main" id="{2A3A1FE4-B023-4C2D-98EC-D21321D3235E}"/>
+              </a:ext>
+            </a:extLst>
+          </p:cNvPr>
+          <p:cNvSpPr txBox="1"/>
+          <p:nvPr/>
+        </p:nvSpPr>
+        <p:spPr>
+          <a:xfrm>
+            <a:off x="7374637" y="928637"/>
+            <a:ext cx="4315050" cy="1754326"/>
+          </a:xfrm>
+          <a:prstGeom prst="rect">
+            <a:avLst/>
+          </a:prstGeom>
+          <a:noFill/>
+        </p:spPr>
+        <p:txBody>
+          <a:bodyPr wrap="square">
+            <a:spAutoFit/>
+          </a:bodyPr>
+          <a:lstStyle/>
+          <a:p>
+            <a:pPr algn="ctr"/>
+            <a:r>
+              <a:rPr lang="en-US" sz="1800" kern="1200" dirty="0" err="1">
+                <a:solidFill>
+                  <a:schemeClr val="tx2"/>
+                </a:solidFill>
+                <a:effectLst/>
+                <a:latin typeface="Arial Rounded MT Bold" panose="020F0704030504030204" pitchFamily="34" charset="0"/>
+                <a:ea typeface="+mj-ea"/>
+                <a:cs typeface="+mj-cs"/>
+              </a:rPr>
+              <a:t>Cellfun</a:t>
+            </a:r>
+            <a:endParaRPr lang="en-US" sz="1800" kern="1200" dirty="0">
+              <a:solidFill>
+                <a:schemeClr val="tx2"/>
+              </a:solidFill>
+              <a:effectLst/>
+              <a:latin typeface="Arial Rounded MT Bold" panose="020F0704030504030204" pitchFamily="34" charset="0"/>
+              <a:ea typeface="+mj-ea"/>
+              <a:cs typeface="+mj-cs"/>
+            </a:endParaRPr>
+          </a:p>
+          <a:p>
+            <a:pPr algn="ctr"/>
+            <a:endParaRPr lang="en-US" sz="1800" b="1" kern="1200" dirty="0">
+              <a:solidFill>
+                <a:schemeClr val="tx2"/>
+              </a:solidFill>
+              <a:effectLst/>
+              <a:latin typeface="Arial Rounded MT Bold" panose="020F0704030504030204" pitchFamily="34" charset="0"/>
+              <a:ea typeface="+mj-ea"/>
+              <a:cs typeface="+mj-cs"/>
+            </a:endParaRPr>
+          </a:p>
+          <a:p>
+            <a:r>
+              <a:rPr lang="en-US" dirty="0">
+                <a:latin typeface="Arial Rounded MT Bold" panose="020F0704030504030204" pitchFamily="34" charset="0"/>
+                <a:ea typeface="+mj-ea"/>
+                <a:cs typeface="+mj-cs"/>
+              </a:rPr>
+              <a:t>Advanced way of calling operations on each cell using anonymous functions</a:t>
+            </a:r>
+          </a:p>
+          <a:p>
+            <a:endParaRPr lang="en-GB" dirty="0"/>
+          </a:p>
+        </p:txBody>
+      </p:sp>
+    </p:spTree>
+    <p:extLst>
+      <p:ext uri="{BB962C8B-B14F-4D97-AF65-F5344CB8AC3E}">
+        <p14:creationId xmlns:p14="http://schemas.microsoft.com/office/powerpoint/2010/main" val="363320991"/>
+      </p:ext>
+    </p:extLst>
+  </p:cSld>
+  <p:clrMapOvr>
+    <a:masterClrMapping/>
+  </p:clrMapOvr>
+</p:sld>
+</file>
+
+<file path=ppt/slides/slide21.xml><?xml version="1.0" encoding="utf-8"?>
+<p:sld xmlns:a="http://schemas.openxmlformats.org/drawingml/2006/main" xmlns:r="http://schemas.openxmlformats.org/officeDocument/2006/relationships" xmlns:p="http://schemas.openxmlformats.org/presentationml/2006/main">
+  <p:cSld>
+    <p:spTree>
+      <p:nvGrpSpPr>
+        <p:cNvPr id="1" name=""/>
+        <p:cNvGrpSpPr/>
+        <p:nvPr/>
+      </p:nvGrpSpPr>
+      <p:grpSpPr>
+        <a:xfrm>
+          <a:off x="0" y="0"/>
+          <a:ext cx="0" cy="0"/>
+          <a:chOff x="0" y="0"/>
+          <a:chExt cx="0" cy="0"/>
+        </a:xfrm>
+      </p:grpSpPr>
+      <p:sp>
+        <p:nvSpPr>
+          <p:cNvPr id="9" name="CustomShape 1">
+            <a:extLst>
+              <a:ext uri="{FF2B5EF4-FFF2-40B4-BE49-F238E27FC236}">
+                <a16:creationId xmlns:a16="http://schemas.microsoft.com/office/drawing/2014/main" id="{C124EF8A-D6D0-416C-BF14-84C6EB788E0A}"/>
+              </a:ext>
+            </a:extLst>
+          </p:cNvPr>
+          <p:cNvSpPr/>
+          <p:nvPr/>
+        </p:nvSpPr>
+        <p:spPr>
+          <a:xfrm>
+            <a:off x="7963" y="53081"/>
+            <a:ext cx="8748762" cy="768992"/>
+          </a:xfrm>
+          <a:prstGeom prst="rect">
+            <a:avLst/>
+          </a:prstGeom>
+          <a:ln w="19050">
+            <a:solidFill>
+              <a:schemeClr val="bg1">
+                <a:lumMod val="65000"/>
+              </a:schemeClr>
+            </a:solidFill>
+            <a:prstDash val="dash"/>
+          </a:ln>
+        </p:spPr>
+        <p:style>
+          <a:lnRef idx="0">
+            <a:scrgbClr r="0" g="0" b="0"/>
+          </a:lnRef>
+          <a:fillRef idx="0">
+            <a:scrgbClr r="0" g="0" b="0"/>
+          </a:fillRef>
+          <a:effectRef idx="0">
+            <a:scrgbClr r="0" g="0" b="0"/>
+          </a:effectRef>
+          <a:fontRef idx="minor"/>
+        </p:style>
+        <p:txBody>
+          <a:bodyPr vert="horz" lIns="91440" tIns="45720" rIns="91440" bIns="45720" rtlCol="0" anchor="ctr">
+            <a:normAutofit/>
+          </a:bodyPr>
+          <a:lstStyle/>
+          <a:p>
+            <a:pPr marL="6350" marR="6985" indent="-6350" algn="ctr" defTabSz="914400">
+              <a:lnSpc>
+                <a:spcPct val="90000"/>
+              </a:lnSpc>
+              <a:spcBef>
+                <a:spcPct val="0"/>
+              </a:spcBef>
+              <a:spcAft>
+                <a:spcPts val="25"/>
+              </a:spcAft>
+            </a:pPr>
+            <a:r>
+              <a:rPr lang="en-US" sz="4400" kern="1200" dirty="0">
+                <a:solidFill>
+                  <a:schemeClr val="tx2"/>
+                </a:solidFill>
+                <a:effectLst/>
+                <a:latin typeface="Arial Rounded MT Bold" panose="020F0704030504030204" pitchFamily="34" charset="0"/>
+                <a:ea typeface="+mj-ea"/>
+                <a:cs typeface="+mj-cs"/>
+              </a:rPr>
+              <a:t>Summary</a:t>
+            </a:r>
+          </a:p>
+        </p:txBody>
+      </p:sp>
+      <p:pic>
+        <p:nvPicPr>
+          <p:cNvPr id="7" name="Picture 6" descr="A picture containing text, light&#10;&#10;Description automatically generated">
+            <a:extLst>
+              <a:ext uri="{FF2B5EF4-FFF2-40B4-BE49-F238E27FC236}">
+                <a16:creationId xmlns:a16="http://schemas.microsoft.com/office/drawing/2014/main" id="{E998BF8A-37AA-411B-9DC5-3116394532E6}"/>
+              </a:ext>
+            </a:extLst>
+          </p:cNvPr>
+          <p:cNvPicPr>
+            <a:picLocks noChangeAspect="1"/>
+          </p:cNvPicPr>
+          <p:nvPr/>
+        </p:nvPicPr>
+        <p:blipFill rotWithShape="1">
+          <a:blip r:embed="rId3"/>
+          <a:srcRect l="34304" r="35152" b="-1"/>
+          <a:stretch/>
+        </p:blipFill>
+        <p:spPr>
+          <a:xfrm>
+            <a:off x="8580467" y="0"/>
+            <a:ext cx="3611533" cy="6857990"/>
+          </a:xfrm>
+          <a:custGeom>
+            <a:avLst/>
+            <a:gdLst/>
+            <a:ahLst/>
+            <a:cxnLst/>
+            <a:rect l="l" t="t" r="r" b="b"/>
+            <a:pathLst>
+              <a:path w="3810000" h="6858000">
+                <a:moveTo>
+                  <a:pt x="95627" y="0"/>
+                </a:moveTo>
+                <a:lnTo>
+                  <a:pt x="3810000" y="0"/>
+                </a:lnTo>
+                <a:lnTo>
+                  <a:pt x="3810000" y="6858000"/>
+                </a:lnTo>
+                <a:lnTo>
+                  <a:pt x="13132" y="6858000"/>
+                </a:lnTo>
+                <a:cubicBezTo>
+                  <a:pt x="13183" y="6857363"/>
+                  <a:pt x="13234" y="6856727"/>
+                  <a:pt x="13284" y="6856090"/>
+                </a:cubicBezTo>
+                <a:lnTo>
+                  <a:pt x="31566" y="6805847"/>
+                </a:lnTo>
+                <a:lnTo>
+                  <a:pt x="30463" y="6715381"/>
+                </a:lnTo>
+                <a:cubicBezTo>
+                  <a:pt x="29585" y="6714082"/>
+                  <a:pt x="28597" y="6713038"/>
+                  <a:pt x="27533" y="6712286"/>
+                </a:cubicBezTo>
+                <a:lnTo>
+                  <a:pt x="31288" y="6698474"/>
+                </a:lnTo>
+                <a:lnTo>
+                  <a:pt x="29901" y="6686264"/>
+                </a:lnTo>
+                <a:cubicBezTo>
+                  <a:pt x="29591" y="6639749"/>
+                  <a:pt x="29281" y="6593234"/>
+                  <a:pt x="28971" y="6546719"/>
+                </a:cubicBezTo>
+                <a:cubicBezTo>
+                  <a:pt x="23415" y="6502008"/>
+                  <a:pt x="3087" y="6462057"/>
+                  <a:pt x="310" y="6408337"/>
+                </a:cubicBezTo>
+                <a:cubicBezTo>
+                  <a:pt x="-2468" y="6354617"/>
+                  <a:pt x="14431" y="6312397"/>
+                  <a:pt x="12307" y="6224401"/>
+                </a:cubicBezTo>
+                <a:lnTo>
+                  <a:pt x="27152" y="6147415"/>
+                </a:lnTo>
+                <a:lnTo>
+                  <a:pt x="39044" y="6093837"/>
+                </a:lnTo>
+                <a:cubicBezTo>
+                  <a:pt x="47718" y="6039281"/>
+                  <a:pt x="47985" y="5964495"/>
+                  <a:pt x="46816" y="5915901"/>
+                </a:cubicBezTo>
+                <a:cubicBezTo>
+                  <a:pt x="43189" y="5876557"/>
+                  <a:pt x="47196" y="5863739"/>
+                  <a:pt x="33533" y="5831562"/>
+                </a:cubicBezTo>
+                <a:cubicBezTo>
+                  <a:pt x="27901" y="5792459"/>
+                  <a:pt x="47408" y="5747455"/>
+                  <a:pt x="46555" y="5710909"/>
+                </a:cubicBezTo>
+                <a:cubicBezTo>
+                  <a:pt x="53188" y="5686865"/>
+                  <a:pt x="49116" y="5615845"/>
+                  <a:pt x="62461" y="5602222"/>
+                </a:cubicBezTo>
+                <a:cubicBezTo>
+                  <a:pt x="64066" y="5572067"/>
+                  <a:pt x="49594" y="5555548"/>
+                  <a:pt x="56185" y="5529979"/>
+                </a:cubicBezTo>
+                <a:lnTo>
+                  <a:pt x="67961" y="5458854"/>
+                </a:lnTo>
+                <a:lnTo>
+                  <a:pt x="110939" y="5353584"/>
+                </a:lnTo>
+                <a:cubicBezTo>
+                  <a:pt x="123070" y="5308303"/>
+                  <a:pt x="110671" y="5307524"/>
+                  <a:pt x="128276" y="5249764"/>
+                </a:cubicBezTo>
+                <a:cubicBezTo>
+                  <a:pt x="137692" y="5218499"/>
+                  <a:pt x="146153" y="5160067"/>
+                  <a:pt x="156749" y="5116288"/>
+                </a:cubicBezTo>
+                <a:cubicBezTo>
+                  <a:pt x="167347" y="5072508"/>
+                  <a:pt x="184838" y="5010298"/>
+                  <a:pt x="191855" y="4987089"/>
+                </a:cubicBezTo>
+                <a:lnTo>
+                  <a:pt x="219824" y="4934095"/>
+                </a:lnTo>
+                <a:cubicBezTo>
+                  <a:pt x="223315" y="4926170"/>
+                  <a:pt x="231151" y="4920904"/>
+                  <a:pt x="231137" y="4903120"/>
+                </a:cubicBezTo>
+                <a:lnTo>
+                  <a:pt x="219738" y="4827391"/>
+                </a:lnTo>
+                <a:cubicBezTo>
+                  <a:pt x="223928" y="4818620"/>
+                  <a:pt x="227939" y="4809255"/>
+                  <a:pt x="231597" y="4799440"/>
+                </a:cubicBezTo>
+                <a:lnTo>
+                  <a:pt x="233480" y="4793512"/>
+                </a:lnTo>
+                <a:cubicBezTo>
+                  <a:pt x="233423" y="4793432"/>
+                  <a:pt x="233367" y="4793351"/>
+                  <a:pt x="233310" y="4793271"/>
+                </a:cubicBezTo>
+                <a:cubicBezTo>
+                  <a:pt x="233275" y="4791711"/>
+                  <a:pt x="233728" y="4789662"/>
+                  <a:pt x="234882" y="4786765"/>
+                </a:cubicBezTo>
+                <a:lnTo>
+                  <a:pt x="236914" y="4782703"/>
+                </a:lnTo>
+                <a:lnTo>
+                  <a:pt x="246329" y="4683644"/>
+                </a:lnTo>
+                <a:cubicBezTo>
+                  <a:pt x="256294" y="4677568"/>
+                  <a:pt x="256527" y="4667288"/>
+                  <a:pt x="253823" y="4655204"/>
+                </a:cubicBezTo>
+                <a:cubicBezTo>
+                  <a:pt x="259521" y="4631796"/>
+                  <a:pt x="280440" y="4574275"/>
+                  <a:pt x="280514" y="4543195"/>
+                </a:cubicBezTo>
+                <a:cubicBezTo>
+                  <a:pt x="272112" y="4519880"/>
+                  <a:pt x="251340" y="4505102"/>
+                  <a:pt x="254268" y="4468722"/>
+                </a:cubicBezTo>
+                <a:cubicBezTo>
+                  <a:pt x="266696" y="4435462"/>
+                  <a:pt x="236001" y="4395418"/>
+                  <a:pt x="252728" y="4353998"/>
+                </a:cubicBezTo>
+                <a:cubicBezTo>
+                  <a:pt x="256750" y="4339008"/>
+                  <a:pt x="256168" y="4294115"/>
+                  <a:pt x="248123" y="4286542"/>
+                </a:cubicBezTo>
+                <a:cubicBezTo>
+                  <a:pt x="246365" y="4277371"/>
+                  <a:pt x="249194" y="4266107"/>
+                  <a:pt x="240584" y="4262777"/>
+                </a:cubicBezTo>
+                <a:cubicBezTo>
+                  <a:pt x="230221" y="4256829"/>
+                  <a:pt x="246153" y="4222259"/>
+                  <a:pt x="233949" y="4228340"/>
+                </a:cubicBezTo>
+                <a:cubicBezTo>
+                  <a:pt x="244865" y="4203839"/>
+                  <a:pt x="223150" y="4187902"/>
+                  <a:pt x="217758" y="4169004"/>
+                </a:cubicBezTo>
+                <a:cubicBezTo>
+                  <a:pt x="228596" y="4149446"/>
+                  <a:pt x="206597" y="4129080"/>
+                  <a:pt x="203797" y="4086781"/>
+                </a:cubicBezTo>
+                <a:cubicBezTo>
+                  <a:pt x="216334" y="4065199"/>
+                  <a:pt x="201740" y="4058317"/>
+                  <a:pt x="218344" y="4018957"/>
+                </a:cubicBezTo>
+                <a:cubicBezTo>
+                  <a:pt x="216630" y="4017979"/>
+                  <a:pt x="215034" y="4016614"/>
+                  <a:pt x="213609" y="4014902"/>
+                </a:cubicBezTo>
+                <a:cubicBezTo>
+                  <a:pt x="205325" y="4004955"/>
+                  <a:pt x="204424" y="3985729"/>
+                  <a:pt x="211594" y="3971964"/>
+                </a:cubicBezTo>
+                <a:cubicBezTo>
+                  <a:pt x="233561" y="3910433"/>
+                  <a:pt x="230991" y="3860613"/>
+                  <a:pt x="234357" y="3812226"/>
+                </a:cubicBezTo>
+                <a:cubicBezTo>
+                  <a:pt x="235501" y="3758242"/>
+                  <a:pt x="209185" y="3801364"/>
+                  <a:pt x="229596" y="3728573"/>
+                </a:cubicBezTo>
+                <a:cubicBezTo>
+                  <a:pt x="219804" y="3724174"/>
+                  <a:pt x="219047" y="3715890"/>
+                  <a:pt x="223099" y="3700384"/>
+                </a:cubicBezTo>
+                <a:cubicBezTo>
+                  <a:pt x="222942" y="3674360"/>
+                  <a:pt x="199034" y="3683312"/>
+                  <a:pt x="212511" y="3653063"/>
+                </a:cubicBezTo>
+                <a:cubicBezTo>
+                  <a:pt x="207582" y="3623616"/>
+                  <a:pt x="199349" y="3555881"/>
+                  <a:pt x="193522" y="3523704"/>
+                </a:cubicBezTo>
+                <a:cubicBezTo>
+                  <a:pt x="199728" y="3495169"/>
+                  <a:pt x="185963" y="3494025"/>
+                  <a:pt x="177551" y="3460001"/>
+                </a:cubicBezTo>
+                <a:cubicBezTo>
+                  <a:pt x="184399" y="3442692"/>
+                  <a:pt x="180138" y="3431687"/>
+                  <a:pt x="172293" y="3422022"/>
+                </a:cubicBezTo>
+                <a:cubicBezTo>
+                  <a:pt x="172567" y="3386386"/>
+                  <a:pt x="159982" y="3357707"/>
+                  <a:pt x="153640" y="3319632"/>
+                </a:cubicBezTo>
+                <a:cubicBezTo>
+                  <a:pt x="117352" y="3267571"/>
+                  <a:pt x="111308" y="3199530"/>
+                  <a:pt x="102580" y="3174350"/>
+                </a:cubicBezTo>
+                <a:lnTo>
+                  <a:pt x="101281" y="3168555"/>
+                </a:lnTo>
+                <a:cubicBezTo>
+                  <a:pt x="101655" y="3163067"/>
+                  <a:pt x="102030" y="3157580"/>
+                  <a:pt x="102403" y="3152092"/>
+                </a:cubicBezTo>
+                <a:lnTo>
+                  <a:pt x="103597" y="3145797"/>
+                </a:lnTo>
+                <a:cubicBezTo>
+                  <a:pt x="104132" y="3141497"/>
+                  <a:pt x="104119" y="3138691"/>
+                  <a:pt x="103701" y="3136806"/>
+                </a:cubicBezTo>
+                <a:lnTo>
+                  <a:pt x="108221" y="3088993"/>
+                </a:lnTo>
+                <a:cubicBezTo>
+                  <a:pt x="109464" y="3064872"/>
+                  <a:pt x="113188" y="3030250"/>
+                  <a:pt x="111158" y="2992081"/>
+                </a:cubicBezTo>
+                <a:cubicBezTo>
+                  <a:pt x="109031" y="2944441"/>
+                  <a:pt x="104226" y="2942439"/>
+                  <a:pt x="105565" y="2902844"/>
+                </a:cubicBezTo>
+                <a:cubicBezTo>
+                  <a:pt x="107874" y="2897323"/>
+                  <a:pt x="101362" y="2801618"/>
+                  <a:pt x="105102" y="2797375"/>
+                </a:cubicBezTo>
+                <a:cubicBezTo>
+                  <a:pt x="86174" y="2744941"/>
+                  <a:pt x="109804" y="2750735"/>
+                  <a:pt x="107241" y="2691357"/>
+                </a:cubicBezTo>
+                <a:cubicBezTo>
+                  <a:pt x="107811" y="2665349"/>
+                  <a:pt x="115946" y="2561129"/>
+                  <a:pt x="145888" y="2542201"/>
+                </a:cubicBezTo>
+                <a:cubicBezTo>
+                  <a:pt x="170455" y="2427400"/>
+                  <a:pt x="123634" y="2367849"/>
+                  <a:pt x="136292" y="2250554"/>
+                </a:cubicBezTo>
+                <a:cubicBezTo>
+                  <a:pt x="110877" y="2215639"/>
+                  <a:pt x="134601" y="2180816"/>
+                  <a:pt x="130310" y="2141581"/>
+                </a:cubicBezTo>
+                <a:cubicBezTo>
+                  <a:pt x="154051" y="2149219"/>
+                  <a:pt x="117587" y="2094975"/>
+                  <a:pt x="144587" y="2089095"/>
+                </a:cubicBezTo>
+                <a:cubicBezTo>
+                  <a:pt x="142952" y="2082142"/>
+                  <a:pt x="140513" y="2075590"/>
+                  <a:pt x="137867" y="2069059"/>
+                </a:cubicBezTo>
+                <a:lnTo>
+                  <a:pt x="136492" y="2065634"/>
+                </a:lnTo>
+                <a:cubicBezTo>
+                  <a:pt x="136216" y="2060851"/>
+                  <a:pt x="135939" y="2056067"/>
+                  <a:pt x="135663" y="2051284"/>
+                </a:cubicBezTo>
+                <a:lnTo>
+                  <a:pt x="124268" y="1960184"/>
+                </a:lnTo>
+                <a:cubicBezTo>
+                  <a:pt x="138968" y="1926370"/>
+                  <a:pt x="111716" y="1914873"/>
+                  <a:pt x="131257" y="1873060"/>
+                </a:cubicBezTo>
+                <a:cubicBezTo>
+                  <a:pt x="136329" y="1857442"/>
+                  <a:pt x="139083" y="1807624"/>
+                  <a:pt x="131724" y="1797311"/>
+                </a:cubicBezTo>
+                <a:cubicBezTo>
+                  <a:pt x="130673" y="1786740"/>
+                  <a:pt x="134293" y="1774954"/>
+                  <a:pt x="126063" y="1769201"/>
+                </a:cubicBezTo>
+                <a:cubicBezTo>
+                  <a:pt x="116300" y="1760126"/>
+                  <a:pt x="134551" y="1725705"/>
+                  <a:pt x="122085" y="1729500"/>
+                </a:cubicBezTo>
+                <a:cubicBezTo>
+                  <a:pt x="134648" y="1705012"/>
+                  <a:pt x="114449" y="1682158"/>
+                  <a:pt x="110543" y="1659949"/>
+                </a:cubicBezTo>
+                <a:cubicBezTo>
+                  <a:pt x="122664" y="1640913"/>
+                  <a:pt x="102513" y="1613087"/>
+                  <a:pt x="102892" y="1565607"/>
+                </a:cubicBezTo>
+                <a:cubicBezTo>
+                  <a:pt x="116835" y="1544742"/>
+                  <a:pt x="102976" y="1533616"/>
+                  <a:pt x="122245" y="1494057"/>
+                </a:cubicBezTo>
+                <a:cubicBezTo>
+                  <a:pt x="120629" y="1492563"/>
+                  <a:pt x="119160" y="1490668"/>
+                  <a:pt x="117883" y="1488429"/>
+                </a:cubicBezTo>
+                <a:cubicBezTo>
+                  <a:pt x="110465" y="1475431"/>
+                  <a:pt x="111002" y="1453942"/>
+                  <a:pt x="119083" y="1440433"/>
+                </a:cubicBezTo>
+                <a:cubicBezTo>
+                  <a:pt x="145274" y="1377630"/>
+                  <a:pt x="146438" y="1321884"/>
+                  <a:pt x="153340" y="1269148"/>
+                </a:cubicBezTo>
+                <a:cubicBezTo>
+                  <a:pt x="158467" y="1209690"/>
+                  <a:pt x="129360" y="1251077"/>
+                  <a:pt x="154855" y="1175439"/>
+                </a:cubicBezTo>
+                <a:cubicBezTo>
+                  <a:pt x="145538" y="1168218"/>
+                  <a:pt x="145408" y="1158868"/>
+                  <a:pt x="150548" y="1142685"/>
+                </a:cubicBezTo>
+                <a:cubicBezTo>
+                  <a:pt x="152321" y="1113850"/>
+                  <a:pt x="128121" y="1118007"/>
+                  <a:pt x="143630" y="1087778"/>
+                </a:cubicBezTo>
+                <a:cubicBezTo>
+                  <a:pt x="139451" y="1064261"/>
+                  <a:pt x="125971" y="1018012"/>
+                  <a:pt x="125476" y="1001580"/>
+                </a:cubicBezTo>
+                <a:cubicBezTo>
+                  <a:pt x="123958" y="976962"/>
+                  <a:pt x="134851" y="962709"/>
+                  <a:pt x="134526" y="940069"/>
+                </a:cubicBezTo>
+                <a:cubicBezTo>
+                  <a:pt x="142751" y="909988"/>
+                  <a:pt x="129284" y="905409"/>
+                  <a:pt x="123523" y="865739"/>
+                </a:cubicBezTo>
+                <a:cubicBezTo>
+                  <a:pt x="131549" y="848234"/>
+                  <a:pt x="128173" y="835030"/>
+                  <a:pt x="121164" y="822450"/>
+                </a:cubicBezTo>
+                <a:cubicBezTo>
+                  <a:pt x="124077" y="783082"/>
+                  <a:pt x="113811" y="748321"/>
+                  <a:pt x="110389" y="704665"/>
+                </a:cubicBezTo>
+                <a:cubicBezTo>
+                  <a:pt x="120144" y="656264"/>
+                  <a:pt x="99869" y="633697"/>
+                  <a:pt x="96299" y="587032"/>
+                </a:cubicBezTo>
+                <a:cubicBezTo>
+                  <a:pt x="87861" y="539988"/>
+                  <a:pt x="66571" y="452493"/>
+                  <a:pt x="59759" y="422399"/>
+                </a:cubicBezTo>
+                <a:cubicBezTo>
+                  <a:pt x="62865" y="416491"/>
+                  <a:pt x="59682" y="404768"/>
+                  <a:pt x="55429" y="406467"/>
+                </a:cubicBezTo>
+                <a:cubicBezTo>
+                  <a:pt x="56742" y="400038"/>
+                  <a:pt x="64884" y="384166"/>
+                  <a:pt x="58062" y="383409"/>
+                </a:cubicBezTo>
+                <a:cubicBezTo>
+                  <a:pt x="57210" y="351894"/>
+                  <a:pt x="61145" y="320031"/>
+                  <a:pt x="69487" y="290892"/>
+                </a:cubicBezTo>
+                <a:cubicBezTo>
+                  <a:pt x="57686" y="231306"/>
+                  <a:pt x="89539" y="260845"/>
+                  <a:pt x="86198" y="217175"/>
+                </a:cubicBezTo>
+                <a:cubicBezTo>
+                  <a:pt x="72715" y="183379"/>
+                  <a:pt x="83646" y="168958"/>
+                  <a:pt x="74643" y="129155"/>
+                </a:cubicBezTo>
+                <a:cubicBezTo>
+                  <a:pt x="96697" y="112411"/>
+                  <a:pt x="72236" y="90977"/>
+                  <a:pt x="78417" y="74202"/>
+                </a:cubicBezTo>
+                <a:cubicBezTo>
+                  <a:pt x="59029" y="57686"/>
+                  <a:pt x="81827" y="29115"/>
+                  <a:pt x="94183" y="4683"/>
+                </a:cubicBezTo>
+                <a:close/>
+              </a:path>
+            </a:pathLst>
+          </a:custGeom>
+        </p:spPr>
+      </p:pic>
+      <p:sp>
+        <p:nvSpPr>
+          <p:cNvPr id="10" name="TextBox 9">
+            <a:extLst>
+              <a:ext uri="{FF2B5EF4-FFF2-40B4-BE49-F238E27FC236}">
+                <a16:creationId xmlns:a16="http://schemas.microsoft.com/office/drawing/2014/main" id="{87F9858F-60FB-46BD-94C7-AA31EECF2A88}"/>
+              </a:ext>
+            </a:extLst>
+          </p:cNvPr>
+          <p:cNvSpPr txBox="1"/>
+          <p:nvPr/>
+        </p:nvSpPr>
+        <p:spPr>
+          <a:xfrm>
+            <a:off x="464991" y="1267728"/>
+            <a:ext cx="6424030" cy="4909036"/>
+          </a:xfrm>
+          <a:prstGeom prst="rect">
+            <a:avLst/>
+          </a:prstGeom>
+          <a:noFill/>
+        </p:spPr>
+        <p:txBody>
+          <a:bodyPr wrap="square">
+            <a:spAutoFit/>
+          </a:bodyPr>
+          <a:lstStyle/>
+          <a:p>
+            <a:pPr marL="285750" indent="-285750" defTabSz="914400">
+              <a:lnSpc>
+                <a:spcPct val="90000"/>
+              </a:lnSpc>
+              <a:spcAft>
+                <a:spcPts val="600"/>
+              </a:spcAft>
+              <a:buFont typeface="Arial" panose="020B0604020202020204" pitchFamily="34" charset="0"/>
+              <a:buChar char="•"/>
+            </a:pPr>
+            <a:r>
+              <a:rPr lang="en-US" sz="1800" spc="-1" dirty="0">
+                <a:uFill>
+                  <a:solidFill>
+                    <a:srgbClr val="FFFFFF"/>
+                  </a:solidFill>
+                </a:uFill>
+                <a:latin typeface="Arial Rounded MT Bold" panose="020F0704030504030204" pitchFamily="34" charset="0"/>
+              </a:rPr>
+              <a:t>Overview of the importance of source control</a:t>
+            </a:r>
+          </a:p>
+          <a:p>
+            <a:pPr marL="285750" indent="-285750" defTabSz="914400">
+              <a:lnSpc>
+                <a:spcPct val="90000"/>
+              </a:lnSpc>
+              <a:spcAft>
+                <a:spcPts val="600"/>
+              </a:spcAft>
+              <a:buFont typeface="Arial" panose="020B0604020202020204" pitchFamily="34" charset="0"/>
+              <a:buChar char="•"/>
+            </a:pPr>
+            <a:endParaRPr lang="en-US" sz="1800" spc="-1" dirty="0">
+              <a:uFill>
+                <a:solidFill>
+                  <a:srgbClr val="FFFFFF"/>
+                </a:solidFill>
+              </a:uFill>
+              <a:latin typeface="Arial Rounded MT Bold" panose="020F0704030504030204" pitchFamily="34" charset="0"/>
+            </a:endParaRPr>
+          </a:p>
+          <a:p>
+            <a:pPr marL="285750" indent="-285750" defTabSz="914400">
+              <a:lnSpc>
+                <a:spcPct val="90000"/>
+              </a:lnSpc>
+              <a:spcAft>
+                <a:spcPts val="600"/>
+              </a:spcAft>
+              <a:buFont typeface="Arial" panose="020B0604020202020204" pitchFamily="34" charset="0"/>
+              <a:buChar char="•"/>
+            </a:pPr>
+            <a:r>
+              <a:rPr lang="en-US" sz="1800" spc="-1" dirty="0">
+                <a:uFill>
+                  <a:solidFill>
+                    <a:srgbClr val="FFFFFF"/>
+                  </a:solidFill>
+                </a:uFill>
+                <a:latin typeface="Arial Rounded MT Bold" panose="020F0704030504030204" pitchFamily="34" charset="0"/>
+              </a:rPr>
+              <a:t>Introduction to the GUI of MATLAB</a:t>
+            </a:r>
+          </a:p>
+          <a:p>
+            <a:pPr marL="285750" indent="-285750" defTabSz="914400">
+              <a:lnSpc>
+                <a:spcPct val="90000"/>
+              </a:lnSpc>
+              <a:spcAft>
+                <a:spcPts val="600"/>
+              </a:spcAft>
+              <a:buFont typeface="Arial" panose="020B0604020202020204" pitchFamily="34" charset="0"/>
+              <a:buChar char="•"/>
+            </a:pPr>
+            <a:endParaRPr lang="en-US" spc="-1" dirty="0">
+              <a:uFill>
+                <a:solidFill>
+                  <a:srgbClr val="FFFFFF"/>
+                </a:solidFill>
+              </a:uFill>
+              <a:latin typeface="Arial Rounded MT Bold" panose="020F0704030504030204" pitchFamily="34" charset="0"/>
+            </a:endParaRPr>
+          </a:p>
+          <a:p>
+            <a:pPr marL="285750" indent="-285750" defTabSz="914400">
+              <a:lnSpc>
+                <a:spcPct val="90000"/>
+              </a:lnSpc>
+              <a:spcAft>
+                <a:spcPts val="600"/>
+              </a:spcAft>
+              <a:buFont typeface="Arial" panose="020B0604020202020204" pitchFamily="34" charset="0"/>
+              <a:buChar char="•"/>
+            </a:pPr>
+            <a:r>
+              <a:rPr lang="en-US" sz="1800" spc="-1" dirty="0">
+                <a:uFill>
+                  <a:solidFill>
+                    <a:srgbClr val="FFFFFF"/>
+                  </a:solidFill>
+                </a:uFill>
+                <a:latin typeface="Arial Rounded MT Bold" panose="020F0704030504030204" pitchFamily="34" charset="0"/>
+              </a:rPr>
+              <a:t>Interfacing with files and folders</a:t>
+            </a:r>
+          </a:p>
+          <a:p>
+            <a:pPr marL="285750" indent="-285750" defTabSz="914400">
+              <a:lnSpc>
+                <a:spcPct val="90000"/>
+              </a:lnSpc>
+              <a:spcAft>
+                <a:spcPts val="600"/>
+              </a:spcAft>
+              <a:buFont typeface="Arial" panose="020B0604020202020204" pitchFamily="34" charset="0"/>
+              <a:buChar char="•"/>
+            </a:pPr>
+            <a:endParaRPr lang="en-US" spc="-1" dirty="0">
+              <a:uFill>
+                <a:solidFill>
+                  <a:srgbClr val="FFFFFF"/>
+                </a:solidFill>
+              </a:uFill>
+              <a:latin typeface="Arial Rounded MT Bold" panose="020F0704030504030204" pitchFamily="34" charset="0"/>
+            </a:endParaRPr>
+          </a:p>
+          <a:p>
+            <a:pPr marL="285750" indent="-285750" defTabSz="914400">
+              <a:lnSpc>
+                <a:spcPct val="90000"/>
+              </a:lnSpc>
+              <a:spcAft>
+                <a:spcPts val="600"/>
+              </a:spcAft>
+              <a:buFont typeface="Arial" panose="020B0604020202020204" pitchFamily="34" charset="0"/>
+              <a:buChar char="•"/>
+            </a:pPr>
+            <a:r>
+              <a:rPr lang="en-US" sz="1800" spc="-1" dirty="0">
+                <a:uFill>
+                  <a:solidFill>
+                    <a:srgbClr val="FFFFFF"/>
+                  </a:solidFill>
+                </a:uFill>
+                <a:latin typeface="Arial Rounded MT Bold" panose="020F0704030504030204" pitchFamily="34" charset="0"/>
+              </a:rPr>
+              <a:t>Data types</a:t>
+            </a:r>
+          </a:p>
+          <a:p>
+            <a:pPr marL="285750" indent="-285750" defTabSz="914400">
+              <a:lnSpc>
+                <a:spcPct val="90000"/>
+              </a:lnSpc>
+              <a:spcAft>
+                <a:spcPts val="600"/>
+              </a:spcAft>
+              <a:buFont typeface="Arial" panose="020B0604020202020204" pitchFamily="34" charset="0"/>
+              <a:buChar char="•"/>
+            </a:pPr>
+            <a:endParaRPr lang="en-US" spc="-1" dirty="0">
+              <a:uFill>
+                <a:solidFill>
+                  <a:srgbClr val="FFFFFF"/>
+                </a:solidFill>
+              </a:uFill>
+              <a:latin typeface="Arial Rounded MT Bold" panose="020F0704030504030204" pitchFamily="34" charset="0"/>
+            </a:endParaRPr>
+          </a:p>
+          <a:p>
+            <a:pPr marL="285750" indent="-285750" defTabSz="914400">
+              <a:lnSpc>
+                <a:spcPct val="90000"/>
+              </a:lnSpc>
+              <a:spcAft>
+                <a:spcPts val="600"/>
+              </a:spcAft>
+              <a:buFont typeface="Arial" panose="020B0604020202020204" pitchFamily="34" charset="0"/>
+              <a:buChar char="•"/>
+            </a:pPr>
+            <a:r>
+              <a:rPr lang="en-US" sz="1800" spc="-1" dirty="0">
+                <a:uFill>
+                  <a:solidFill>
+                    <a:srgbClr val="FFFFFF"/>
+                  </a:solidFill>
+                </a:uFill>
+                <a:latin typeface="Arial Rounded MT Bold" panose="020F0704030504030204" pitchFamily="34" charset="0"/>
+              </a:rPr>
+              <a:t>Logic and relation operations</a:t>
+            </a:r>
+          </a:p>
+          <a:p>
+            <a:pPr marL="285750" indent="-285750" defTabSz="914400">
+              <a:lnSpc>
+                <a:spcPct val="90000"/>
+              </a:lnSpc>
+              <a:spcAft>
+                <a:spcPts val="600"/>
+              </a:spcAft>
+              <a:buFont typeface="Arial" panose="020B0604020202020204" pitchFamily="34" charset="0"/>
+              <a:buChar char="•"/>
+            </a:pPr>
+            <a:endParaRPr lang="en-US" spc="-1" dirty="0">
+              <a:uFill>
+                <a:solidFill>
+                  <a:srgbClr val="FFFFFF"/>
+                </a:solidFill>
+              </a:uFill>
+              <a:latin typeface="Arial Rounded MT Bold" panose="020F0704030504030204" pitchFamily="34" charset="0"/>
+            </a:endParaRPr>
+          </a:p>
+          <a:p>
+            <a:pPr marL="285750" indent="-285750" defTabSz="914400">
+              <a:lnSpc>
+                <a:spcPct val="90000"/>
+              </a:lnSpc>
+              <a:spcAft>
+                <a:spcPts val="600"/>
+              </a:spcAft>
+              <a:buFont typeface="Arial" panose="020B0604020202020204" pitchFamily="34" charset="0"/>
+              <a:buChar char="•"/>
+            </a:pPr>
+            <a:r>
+              <a:rPr lang="en-US" sz="1800" spc="-1" dirty="0">
+                <a:uFill>
+                  <a:solidFill>
+                    <a:srgbClr val="FFFFFF"/>
+                  </a:solidFill>
+                </a:uFill>
+                <a:latin typeface="Arial Rounded MT Bold" panose="020F0704030504030204" pitchFamily="34" charset="0"/>
+              </a:rPr>
+              <a:t>Array indexing</a:t>
+            </a:r>
+          </a:p>
+          <a:p>
+            <a:pPr marL="285750" indent="-285750" defTabSz="914400">
+              <a:lnSpc>
+                <a:spcPct val="90000"/>
+              </a:lnSpc>
+              <a:spcAft>
+                <a:spcPts val="600"/>
+              </a:spcAft>
+              <a:buFont typeface="Arial" panose="020B0604020202020204" pitchFamily="34" charset="0"/>
+              <a:buChar char="•"/>
+            </a:pPr>
+            <a:endParaRPr lang="en-US" spc="-1" dirty="0">
+              <a:uFill>
+                <a:solidFill>
+                  <a:srgbClr val="FFFFFF"/>
+                </a:solidFill>
+              </a:uFill>
+              <a:latin typeface="Arial Rounded MT Bold" panose="020F0704030504030204" pitchFamily="34" charset="0"/>
+            </a:endParaRPr>
+          </a:p>
+          <a:p>
+            <a:pPr marL="285750" indent="-285750" defTabSz="914400">
+              <a:lnSpc>
+                <a:spcPct val="90000"/>
+              </a:lnSpc>
+              <a:spcAft>
+                <a:spcPts val="600"/>
+              </a:spcAft>
+              <a:buFont typeface="Arial" panose="020B0604020202020204" pitchFamily="34" charset="0"/>
+              <a:buChar char="•"/>
+            </a:pPr>
+            <a:r>
+              <a:rPr lang="en-US" spc="-1" dirty="0">
+                <a:uFill>
+                  <a:solidFill>
+                    <a:srgbClr val="FFFFFF"/>
+                  </a:solidFill>
+                </a:uFill>
+                <a:latin typeface="Arial Rounded MT Bold" panose="020F0704030504030204" pitchFamily="34" charset="0"/>
+              </a:rPr>
+              <a:t>Condition statements</a:t>
+            </a:r>
+          </a:p>
+          <a:p>
+            <a:pPr marL="285750" indent="-285750" defTabSz="914400">
+              <a:lnSpc>
+                <a:spcPct val="90000"/>
+              </a:lnSpc>
+              <a:spcAft>
+                <a:spcPts val="600"/>
+              </a:spcAft>
+              <a:buFont typeface="Arial" panose="020B0604020202020204" pitchFamily="34" charset="0"/>
+              <a:buChar char="•"/>
+            </a:pPr>
+            <a:endParaRPr lang="en-US" spc="-1" dirty="0">
+              <a:uFill>
+                <a:solidFill>
+                  <a:srgbClr val="FFFFFF"/>
+                </a:solidFill>
+              </a:uFill>
+              <a:latin typeface="Arial Rounded MT Bold" panose="020F0704030504030204" pitchFamily="34" charset="0"/>
+            </a:endParaRPr>
+          </a:p>
+          <a:p>
+            <a:pPr marL="285750" indent="-285750" defTabSz="914400">
+              <a:lnSpc>
+                <a:spcPct val="90000"/>
+              </a:lnSpc>
+              <a:spcAft>
+                <a:spcPts val="600"/>
+              </a:spcAft>
+              <a:buFont typeface="Arial" panose="020B0604020202020204" pitchFamily="34" charset="0"/>
+              <a:buChar char="•"/>
+            </a:pPr>
+            <a:r>
+              <a:rPr lang="en-US" spc="-1" dirty="0">
+                <a:uFill>
+                  <a:solidFill>
+                    <a:srgbClr val="FFFFFF"/>
+                  </a:solidFill>
+                </a:uFill>
+                <a:latin typeface="Arial Rounded MT Bold" panose="020F0704030504030204" pitchFamily="34" charset="0"/>
+              </a:rPr>
+              <a:t>Loops and </a:t>
+            </a:r>
+            <a:r>
+              <a:rPr lang="en-US" spc="-1" dirty="0" err="1">
+                <a:uFill>
+                  <a:solidFill>
+                    <a:srgbClr val="FFFFFF"/>
+                  </a:solidFill>
+                </a:uFill>
+                <a:latin typeface="Arial Rounded MT Bold" panose="020F0704030504030204" pitchFamily="34" charset="0"/>
+              </a:rPr>
+              <a:t>vectorisation</a:t>
+            </a:r>
+            <a:endParaRPr lang="en-US" spc="-1" dirty="0">
+              <a:uFill>
+                <a:solidFill>
+                  <a:srgbClr val="FFFFFF"/>
+                </a:solidFill>
+              </a:uFill>
+              <a:latin typeface="Arial Rounded MT Bold" panose="020F0704030504030204" pitchFamily="34" charset="0"/>
+            </a:endParaRPr>
+          </a:p>
+        </p:txBody>
+      </p:sp>
+    </p:spTree>
+    <p:extLst>
+      <p:ext uri="{BB962C8B-B14F-4D97-AF65-F5344CB8AC3E}">
+        <p14:creationId xmlns:p14="http://schemas.microsoft.com/office/powerpoint/2010/main" val="3627601552"/>
+      </p:ext>
+    </p:extLst>
+  </p:cSld>
+  <p:clrMapOvr>
+    <a:masterClrMapping/>
+  </p:clrMapOvr>
+</p:sld>
+</file>
+
+<file path=ppt/slides/slide22.xml><?xml version="1.0" encoding="utf-8"?>
+<p:sld xmlns:a="http://schemas.openxmlformats.org/drawingml/2006/main" xmlns:r="http://schemas.openxmlformats.org/officeDocument/2006/relationships" xmlns:p="http://schemas.openxmlformats.org/presentationml/2006/main">
+  <p:cSld>
+    <p:spTree>
+      <p:nvGrpSpPr>
+        <p:cNvPr id="1" name=""/>
+        <p:cNvGrpSpPr/>
+        <p:nvPr/>
+      </p:nvGrpSpPr>
+      <p:grpSpPr>
+        <a:xfrm>
+          <a:off x="0" y="0"/>
+          <a:ext cx="0" cy="0"/>
+          <a:chOff x="0" y="0"/>
+          <a:chExt cx="0" cy="0"/>
+        </a:xfrm>
+      </p:grpSpPr>
+      <p:sp>
+        <p:nvSpPr>
+          <p:cNvPr id="9" name="CustomShape 1">
+            <a:extLst>
+              <a:ext uri="{FF2B5EF4-FFF2-40B4-BE49-F238E27FC236}">
+                <a16:creationId xmlns:a16="http://schemas.microsoft.com/office/drawing/2014/main" id="{C124EF8A-D6D0-416C-BF14-84C6EB788E0A}"/>
+              </a:ext>
+            </a:extLst>
+          </p:cNvPr>
+          <p:cNvSpPr/>
+          <p:nvPr/>
+        </p:nvSpPr>
+        <p:spPr>
+          <a:xfrm>
+            <a:off x="7963" y="53081"/>
+            <a:ext cx="8748762" cy="768992"/>
+          </a:xfrm>
+          <a:prstGeom prst="rect">
+            <a:avLst/>
+          </a:prstGeom>
+          <a:ln w="19050">
+            <a:solidFill>
+              <a:schemeClr val="bg1">
+                <a:lumMod val="65000"/>
+              </a:schemeClr>
+            </a:solidFill>
+            <a:prstDash val="dash"/>
+          </a:ln>
+        </p:spPr>
+        <p:style>
+          <a:lnRef idx="0">
+            <a:scrgbClr r="0" g="0" b="0"/>
+          </a:lnRef>
+          <a:fillRef idx="0">
+            <a:scrgbClr r="0" g="0" b="0"/>
+          </a:fillRef>
+          <a:effectRef idx="0">
+            <a:scrgbClr r="0" g="0" b="0"/>
+          </a:effectRef>
+          <a:fontRef idx="minor"/>
+        </p:style>
+        <p:txBody>
+          <a:bodyPr vert="horz" lIns="91440" tIns="45720" rIns="91440" bIns="45720" rtlCol="0" anchor="ctr">
+            <a:normAutofit/>
+          </a:bodyPr>
+          <a:lstStyle/>
+          <a:p>
+            <a:pPr marL="6350" marR="6985" indent="-6350" algn="ctr" defTabSz="914400">
+              <a:lnSpc>
+                <a:spcPct val="90000"/>
+              </a:lnSpc>
+              <a:spcBef>
+                <a:spcPct val="0"/>
+              </a:spcBef>
+              <a:spcAft>
+                <a:spcPts val="25"/>
+              </a:spcAft>
+            </a:pPr>
+            <a:r>
+              <a:rPr lang="en-US" sz="4400" kern="1200" dirty="0">
+                <a:solidFill>
+                  <a:schemeClr val="tx2"/>
+                </a:solidFill>
+                <a:effectLst/>
+                <a:latin typeface="Arial Rounded MT Bold" panose="020F0704030504030204" pitchFamily="34" charset="0"/>
+                <a:ea typeface="+mj-ea"/>
+                <a:cs typeface="+mj-cs"/>
+              </a:rPr>
+              <a:t>Next Session</a:t>
+            </a:r>
+          </a:p>
+        </p:txBody>
+      </p:sp>
+      <p:pic>
+        <p:nvPicPr>
+          <p:cNvPr id="7" name="Picture 6" descr="A picture containing text, light&#10;&#10;Description automatically generated">
+            <a:extLst>
+              <a:ext uri="{FF2B5EF4-FFF2-40B4-BE49-F238E27FC236}">
+                <a16:creationId xmlns:a16="http://schemas.microsoft.com/office/drawing/2014/main" id="{E998BF8A-37AA-411B-9DC5-3116394532E6}"/>
+              </a:ext>
+            </a:extLst>
+          </p:cNvPr>
+          <p:cNvPicPr>
+            <a:picLocks noChangeAspect="1"/>
+          </p:cNvPicPr>
+          <p:nvPr/>
+        </p:nvPicPr>
+        <p:blipFill rotWithShape="1">
+          <a:blip r:embed="rId3"/>
+          <a:srcRect l="34304" r="35152" b="-1"/>
+          <a:stretch/>
+        </p:blipFill>
+        <p:spPr>
+          <a:xfrm>
+            <a:off x="8580467" y="0"/>
+            <a:ext cx="3611533" cy="6857990"/>
+          </a:xfrm>
+          <a:custGeom>
+            <a:avLst/>
+            <a:gdLst/>
+            <a:ahLst/>
+            <a:cxnLst/>
+            <a:rect l="l" t="t" r="r" b="b"/>
+            <a:pathLst>
+              <a:path w="3810000" h="6858000">
+                <a:moveTo>
+                  <a:pt x="95627" y="0"/>
+                </a:moveTo>
+                <a:lnTo>
+                  <a:pt x="3810000" y="0"/>
+                </a:lnTo>
+                <a:lnTo>
+                  <a:pt x="3810000" y="6858000"/>
+                </a:lnTo>
+                <a:lnTo>
+                  <a:pt x="13132" y="6858000"/>
+                </a:lnTo>
+                <a:cubicBezTo>
+                  <a:pt x="13183" y="6857363"/>
+                  <a:pt x="13234" y="6856727"/>
+                  <a:pt x="13284" y="6856090"/>
+                </a:cubicBezTo>
+                <a:lnTo>
+                  <a:pt x="31566" y="6805847"/>
+                </a:lnTo>
+                <a:lnTo>
+                  <a:pt x="30463" y="6715381"/>
+                </a:lnTo>
+                <a:cubicBezTo>
+                  <a:pt x="29585" y="6714082"/>
+                  <a:pt x="28597" y="6713038"/>
+                  <a:pt x="27533" y="6712286"/>
+                </a:cubicBezTo>
+                <a:lnTo>
+                  <a:pt x="31288" y="6698474"/>
+                </a:lnTo>
+                <a:lnTo>
+                  <a:pt x="29901" y="6686264"/>
+                </a:lnTo>
+                <a:cubicBezTo>
+                  <a:pt x="29591" y="6639749"/>
+                  <a:pt x="29281" y="6593234"/>
+                  <a:pt x="28971" y="6546719"/>
+                </a:cubicBezTo>
+                <a:cubicBezTo>
+                  <a:pt x="23415" y="6502008"/>
+                  <a:pt x="3087" y="6462057"/>
+                  <a:pt x="310" y="6408337"/>
+                </a:cubicBezTo>
+                <a:cubicBezTo>
+                  <a:pt x="-2468" y="6354617"/>
+                  <a:pt x="14431" y="6312397"/>
+                  <a:pt x="12307" y="6224401"/>
+                </a:cubicBezTo>
+                <a:lnTo>
+                  <a:pt x="27152" y="6147415"/>
+                </a:lnTo>
+                <a:lnTo>
+                  <a:pt x="39044" y="6093837"/>
+                </a:lnTo>
+                <a:cubicBezTo>
+                  <a:pt x="47718" y="6039281"/>
+                  <a:pt x="47985" y="5964495"/>
+                  <a:pt x="46816" y="5915901"/>
+                </a:cubicBezTo>
+                <a:cubicBezTo>
+                  <a:pt x="43189" y="5876557"/>
+                  <a:pt x="47196" y="5863739"/>
+                  <a:pt x="33533" y="5831562"/>
+                </a:cubicBezTo>
+                <a:cubicBezTo>
+                  <a:pt x="27901" y="5792459"/>
+                  <a:pt x="47408" y="5747455"/>
+                  <a:pt x="46555" y="5710909"/>
+                </a:cubicBezTo>
+                <a:cubicBezTo>
+                  <a:pt x="53188" y="5686865"/>
+                  <a:pt x="49116" y="5615845"/>
+                  <a:pt x="62461" y="5602222"/>
+                </a:cubicBezTo>
+                <a:cubicBezTo>
+                  <a:pt x="64066" y="5572067"/>
+                  <a:pt x="49594" y="5555548"/>
+                  <a:pt x="56185" y="5529979"/>
+                </a:cubicBezTo>
+                <a:lnTo>
+                  <a:pt x="67961" y="5458854"/>
+                </a:lnTo>
+                <a:lnTo>
+                  <a:pt x="110939" y="5353584"/>
+                </a:lnTo>
+                <a:cubicBezTo>
+                  <a:pt x="123070" y="5308303"/>
+                  <a:pt x="110671" y="5307524"/>
+                  <a:pt x="128276" y="5249764"/>
+                </a:cubicBezTo>
+                <a:cubicBezTo>
+                  <a:pt x="137692" y="5218499"/>
+                  <a:pt x="146153" y="5160067"/>
+                  <a:pt x="156749" y="5116288"/>
+                </a:cubicBezTo>
+                <a:cubicBezTo>
+                  <a:pt x="167347" y="5072508"/>
+                  <a:pt x="184838" y="5010298"/>
+                  <a:pt x="191855" y="4987089"/>
+                </a:cubicBezTo>
+                <a:lnTo>
+                  <a:pt x="219824" y="4934095"/>
+                </a:lnTo>
+                <a:cubicBezTo>
+                  <a:pt x="223315" y="4926170"/>
+                  <a:pt x="231151" y="4920904"/>
+                  <a:pt x="231137" y="4903120"/>
+                </a:cubicBezTo>
+                <a:lnTo>
+                  <a:pt x="219738" y="4827391"/>
+                </a:lnTo>
+                <a:cubicBezTo>
+                  <a:pt x="223928" y="4818620"/>
+                  <a:pt x="227939" y="4809255"/>
+                  <a:pt x="231597" y="4799440"/>
+                </a:cubicBezTo>
+                <a:lnTo>
+                  <a:pt x="233480" y="4793512"/>
+                </a:lnTo>
+                <a:cubicBezTo>
+                  <a:pt x="233423" y="4793432"/>
+                  <a:pt x="233367" y="4793351"/>
+                  <a:pt x="233310" y="4793271"/>
+                </a:cubicBezTo>
+                <a:cubicBezTo>
+                  <a:pt x="233275" y="4791711"/>
+                  <a:pt x="233728" y="4789662"/>
+                  <a:pt x="234882" y="4786765"/>
+                </a:cubicBezTo>
+                <a:lnTo>
+                  <a:pt x="236914" y="4782703"/>
+                </a:lnTo>
+                <a:lnTo>
+                  <a:pt x="246329" y="4683644"/>
+                </a:lnTo>
+                <a:cubicBezTo>
+                  <a:pt x="256294" y="4677568"/>
+                  <a:pt x="256527" y="4667288"/>
+                  <a:pt x="253823" y="4655204"/>
+                </a:cubicBezTo>
+                <a:cubicBezTo>
+                  <a:pt x="259521" y="4631796"/>
+                  <a:pt x="280440" y="4574275"/>
+                  <a:pt x="280514" y="4543195"/>
+                </a:cubicBezTo>
+                <a:cubicBezTo>
+                  <a:pt x="272112" y="4519880"/>
+                  <a:pt x="251340" y="4505102"/>
+                  <a:pt x="254268" y="4468722"/>
+                </a:cubicBezTo>
+                <a:cubicBezTo>
+                  <a:pt x="266696" y="4435462"/>
+                  <a:pt x="236001" y="4395418"/>
+                  <a:pt x="252728" y="4353998"/>
+                </a:cubicBezTo>
+                <a:cubicBezTo>
+                  <a:pt x="256750" y="4339008"/>
+                  <a:pt x="256168" y="4294115"/>
+                  <a:pt x="248123" y="4286542"/>
+                </a:cubicBezTo>
+                <a:cubicBezTo>
+                  <a:pt x="246365" y="4277371"/>
+                  <a:pt x="249194" y="4266107"/>
+                  <a:pt x="240584" y="4262777"/>
+                </a:cubicBezTo>
+                <a:cubicBezTo>
+                  <a:pt x="230221" y="4256829"/>
+                  <a:pt x="246153" y="4222259"/>
+                  <a:pt x="233949" y="4228340"/>
+                </a:cubicBezTo>
+                <a:cubicBezTo>
+                  <a:pt x="244865" y="4203839"/>
+                  <a:pt x="223150" y="4187902"/>
+                  <a:pt x="217758" y="4169004"/>
+                </a:cubicBezTo>
+                <a:cubicBezTo>
+                  <a:pt x="228596" y="4149446"/>
+                  <a:pt x="206597" y="4129080"/>
+                  <a:pt x="203797" y="4086781"/>
+                </a:cubicBezTo>
+                <a:cubicBezTo>
+                  <a:pt x="216334" y="4065199"/>
+                  <a:pt x="201740" y="4058317"/>
+                  <a:pt x="218344" y="4018957"/>
+                </a:cubicBezTo>
+                <a:cubicBezTo>
+                  <a:pt x="216630" y="4017979"/>
+                  <a:pt x="215034" y="4016614"/>
+                  <a:pt x="213609" y="4014902"/>
+                </a:cubicBezTo>
+                <a:cubicBezTo>
+                  <a:pt x="205325" y="4004955"/>
+                  <a:pt x="204424" y="3985729"/>
+                  <a:pt x="211594" y="3971964"/>
+                </a:cubicBezTo>
+                <a:cubicBezTo>
+                  <a:pt x="233561" y="3910433"/>
+                  <a:pt x="230991" y="3860613"/>
+                  <a:pt x="234357" y="3812226"/>
+                </a:cubicBezTo>
+                <a:cubicBezTo>
+                  <a:pt x="235501" y="3758242"/>
+                  <a:pt x="209185" y="3801364"/>
+                  <a:pt x="229596" y="3728573"/>
+                </a:cubicBezTo>
+                <a:cubicBezTo>
+                  <a:pt x="219804" y="3724174"/>
+                  <a:pt x="219047" y="3715890"/>
+                  <a:pt x="223099" y="3700384"/>
+                </a:cubicBezTo>
+                <a:cubicBezTo>
+                  <a:pt x="222942" y="3674360"/>
+                  <a:pt x="199034" y="3683312"/>
+                  <a:pt x="212511" y="3653063"/>
+                </a:cubicBezTo>
+                <a:cubicBezTo>
+                  <a:pt x="207582" y="3623616"/>
+                  <a:pt x="199349" y="3555881"/>
+                  <a:pt x="193522" y="3523704"/>
+                </a:cubicBezTo>
+                <a:cubicBezTo>
+                  <a:pt x="199728" y="3495169"/>
+                  <a:pt x="185963" y="3494025"/>
+                  <a:pt x="177551" y="3460001"/>
+                </a:cubicBezTo>
+                <a:cubicBezTo>
+                  <a:pt x="184399" y="3442692"/>
+                  <a:pt x="180138" y="3431687"/>
+                  <a:pt x="172293" y="3422022"/>
+                </a:cubicBezTo>
+                <a:cubicBezTo>
+                  <a:pt x="172567" y="3386386"/>
+                  <a:pt x="159982" y="3357707"/>
+                  <a:pt x="153640" y="3319632"/>
+                </a:cubicBezTo>
+                <a:cubicBezTo>
+                  <a:pt x="117352" y="3267571"/>
+                  <a:pt x="111308" y="3199530"/>
+                  <a:pt x="102580" y="3174350"/>
+                </a:cubicBezTo>
+                <a:lnTo>
+                  <a:pt x="101281" y="3168555"/>
+                </a:lnTo>
+                <a:cubicBezTo>
+                  <a:pt x="101655" y="3163067"/>
+                  <a:pt x="102030" y="3157580"/>
+                  <a:pt x="102403" y="3152092"/>
+                </a:cubicBezTo>
+                <a:lnTo>
+                  <a:pt x="103597" y="3145797"/>
+                </a:lnTo>
+                <a:cubicBezTo>
+                  <a:pt x="104132" y="3141497"/>
+                  <a:pt x="104119" y="3138691"/>
+                  <a:pt x="103701" y="3136806"/>
+                </a:cubicBezTo>
+                <a:lnTo>
+                  <a:pt x="108221" y="3088993"/>
+                </a:lnTo>
+                <a:cubicBezTo>
+                  <a:pt x="109464" y="3064872"/>
+                  <a:pt x="113188" y="3030250"/>
+                  <a:pt x="111158" y="2992081"/>
+                </a:cubicBezTo>
+                <a:cubicBezTo>
+                  <a:pt x="109031" y="2944441"/>
+                  <a:pt x="104226" y="2942439"/>
+                  <a:pt x="105565" y="2902844"/>
+                </a:cubicBezTo>
+                <a:cubicBezTo>
+                  <a:pt x="107874" y="2897323"/>
+                  <a:pt x="101362" y="2801618"/>
+                  <a:pt x="105102" y="2797375"/>
+                </a:cubicBezTo>
+                <a:cubicBezTo>
+                  <a:pt x="86174" y="2744941"/>
+                  <a:pt x="109804" y="2750735"/>
+                  <a:pt x="107241" y="2691357"/>
+                </a:cubicBezTo>
+                <a:cubicBezTo>
+                  <a:pt x="107811" y="2665349"/>
+                  <a:pt x="115946" y="2561129"/>
+                  <a:pt x="145888" y="2542201"/>
+                </a:cubicBezTo>
+                <a:cubicBezTo>
+                  <a:pt x="170455" y="2427400"/>
+                  <a:pt x="123634" y="2367849"/>
+                  <a:pt x="136292" y="2250554"/>
+                </a:cubicBezTo>
+                <a:cubicBezTo>
+                  <a:pt x="110877" y="2215639"/>
+                  <a:pt x="134601" y="2180816"/>
+                  <a:pt x="130310" y="2141581"/>
+                </a:cubicBezTo>
+                <a:cubicBezTo>
+                  <a:pt x="154051" y="2149219"/>
+                  <a:pt x="117587" y="2094975"/>
+                  <a:pt x="144587" y="2089095"/>
+                </a:cubicBezTo>
+                <a:cubicBezTo>
+                  <a:pt x="142952" y="2082142"/>
+                  <a:pt x="140513" y="2075590"/>
+                  <a:pt x="137867" y="2069059"/>
+                </a:cubicBezTo>
+                <a:lnTo>
+                  <a:pt x="136492" y="2065634"/>
+                </a:lnTo>
+                <a:cubicBezTo>
+                  <a:pt x="136216" y="2060851"/>
+                  <a:pt x="135939" y="2056067"/>
+                  <a:pt x="135663" y="2051284"/>
+                </a:cubicBezTo>
+                <a:lnTo>
+                  <a:pt x="124268" y="1960184"/>
+                </a:lnTo>
+                <a:cubicBezTo>
+                  <a:pt x="138968" y="1926370"/>
+                  <a:pt x="111716" y="1914873"/>
+                  <a:pt x="131257" y="1873060"/>
+                </a:cubicBezTo>
+                <a:cubicBezTo>
+                  <a:pt x="136329" y="1857442"/>
+                  <a:pt x="139083" y="1807624"/>
+                  <a:pt x="131724" y="1797311"/>
+                </a:cubicBezTo>
+                <a:cubicBezTo>
+                  <a:pt x="130673" y="1786740"/>
+                  <a:pt x="134293" y="1774954"/>
+                  <a:pt x="126063" y="1769201"/>
+                </a:cubicBezTo>
+                <a:cubicBezTo>
+                  <a:pt x="116300" y="1760126"/>
+                  <a:pt x="134551" y="1725705"/>
+                  <a:pt x="122085" y="1729500"/>
+                </a:cubicBezTo>
+                <a:cubicBezTo>
+                  <a:pt x="134648" y="1705012"/>
+                  <a:pt x="114449" y="1682158"/>
+                  <a:pt x="110543" y="1659949"/>
+                </a:cubicBezTo>
+                <a:cubicBezTo>
+                  <a:pt x="122664" y="1640913"/>
+                  <a:pt x="102513" y="1613087"/>
+                  <a:pt x="102892" y="1565607"/>
+                </a:cubicBezTo>
+                <a:cubicBezTo>
+                  <a:pt x="116835" y="1544742"/>
+                  <a:pt x="102976" y="1533616"/>
+                  <a:pt x="122245" y="1494057"/>
+                </a:cubicBezTo>
+                <a:cubicBezTo>
+                  <a:pt x="120629" y="1492563"/>
+                  <a:pt x="119160" y="1490668"/>
+                  <a:pt x="117883" y="1488429"/>
+                </a:cubicBezTo>
+                <a:cubicBezTo>
+                  <a:pt x="110465" y="1475431"/>
+                  <a:pt x="111002" y="1453942"/>
+                  <a:pt x="119083" y="1440433"/>
+                </a:cubicBezTo>
+                <a:cubicBezTo>
+                  <a:pt x="145274" y="1377630"/>
+                  <a:pt x="146438" y="1321884"/>
+                  <a:pt x="153340" y="1269148"/>
+                </a:cubicBezTo>
+                <a:cubicBezTo>
+                  <a:pt x="158467" y="1209690"/>
+                  <a:pt x="129360" y="1251077"/>
+                  <a:pt x="154855" y="1175439"/>
+                </a:cubicBezTo>
+                <a:cubicBezTo>
+                  <a:pt x="145538" y="1168218"/>
+                  <a:pt x="145408" y="1158868"/>
+                  <a:pt x="150548" y="1142685"/>
+                </a:cubicBezTo>
+                <a:cubicBezTo>
+                  <a:pt x="152321" y="1113850"/>
+                  <a:pt x="128121" y="1118007"/>
+                  <a:pt x="143630" y="1087778"/>
+                </a:cubicBezTo>
+                <a:cubicBezTo>
+                  <a:pt x="139451" y="1064261"/>
+                  <a:pt x="125971" y="1018012"/>
+                  <a:pt x="125476" y="1001580"/>
+                </a:cubicBezTo>
+                <a:cubicBezTo>
+                  <a:pt x="123958" y="976962"/>
+                  <a:pt x="134851" y="962709"/>
+                  <a:pt x="134526" y="940069"/>
+                </a:cubicBezTo>
+                <a:cubicBezTo>
+                  <a:pt x="142751" y="909988"/>
+                  <a:pt x="129284" y="905409"/>
+                  <a:pt x="123523" y="865739"/>
+                </a:cubicBezTo>
+                <a:cubicBezTo>
+                  <a:pt x="131549" y="848234"/>
+                  <a:pt x="128173" y="835030"/>
+                  <a:pt x="121164" y="822450"/>
+                </a:cubicBezTo>
+                <a:cubicBezTo>
+                  <a:pt x="124077" y="783082"/>
+                  <a:pt x="113811" y="748321"/>
+                  <a:pt x="110389" y="704665"/>
+                </a:cubicBezTo>
+                <a:cubicBezTo>
+                  <a:pt x="120144" y="656264"/>
+                  <a:pt x="99869" y="633697"/>
+                  <a:pt x="96299" y="587032"/>
+                </a:cubicBezTo>
+                <a:cubicBezTo>
+                  <a:pt x="87861" y="539988"/>
+                  <a:pt x="66571" y="452493"/>
+                  <a:pt x="59759" y="422399"/>
+                </a:cubicBezTo>
+                <a:cubicBezTo>
+                  <a:pt x="62865" y="416491"/>
+                  <a:pt x="59682" y="404768"/>
+                  <a:pt x="55429" y="406467"/>
+                </a:cubicBezTo>
+                <a:cubicBezTo>
+                  <a:pt x="56742" y="400038"/>
+                  <a:pt x="64884" y="384166"/>
+                  <a:pt x="58062" y="383409"/>
+                </a:cubicBezTo>
+                <a:cubicBezTo>
+                  <a:pt x="57210" y="351894"/>
+                  <a:pt x="61145" y="320031"/>
+                  <a:pt x="69487" y="290892"/>
+                </a:cubicBezTo>
+                <a:cubicBezTo>
+                  <a:pt x="57686" y="231306"/>
+                  <a:pt x="89539" y="260845"/>
+                  <a:pt x="86198" y="217175"/>
+                </a:cubicBezTo>
+                <a:cubicBezTo>
+                  <a:pt x="72715" y="183379"/>
+                  <a:pt x="83646" y="168958"/>
+                  <a:pt x="74643" y="129155"/>
+                </a:cubicBezTo>
+                <a:cubicBezTo>
+                  <a:pt x="96697" y="112411"/>
+                  <a:pt x="72236" y="90977"/>
+                  <a:pt x="78417" y="74202"/>
+                </a:cubicBezTo>
+                <a:cubicBezTo>
+                  <a:pt x="59029" y="57686"/>
+                  <a:pt x="81827" y="29115"/>
+                  <a:pt x="94183" y="4683"/>
+                </a:cubicBezTo>
+                <a:close/>
+              </a:path>
+            </a:pathLst>
+          </a:custGeom>
+        </p:spPr>
+      </p:pic>
+      <p:sp>
+        <p:nvSpPr>
+          <p:cNvPr id="10" name="TextBox 9">
+            <a:extLst>
+              <a:ext uri="{FF2B5EF4-FFF2-40B4-BE49-F238E27FC236}">
+                <a16:creationId xmlns:a16="http://schemas.microsoft.com/office/drawing/2014/main" id="{87F9858F-60FB-46BD-94C7-AA31EECF2A88}"/>
+              </a:ext>
+            </a:extLst>
+          </p:cNvPr>
+          <p:cNvSpPr txBox="1"/>
+          <p:nvPr/>
+        </p:nvSpPr>
+        <p:spPr>
+          <a:xfrm>
+            <a:off x="464991" y="1267728"/>
+            <a:ext cx="6424030" cy="5579989"/>
+          </a:xfrm>
+          <a:prstGeom prst="rect">
+            <a:avLst/>
+          </a:prstGeom>
+          <a:noFill/>
+        </p:spPr>
+        <p:txBody>
+          <a:bodyPr wrap="square">
+            <a:spAutoFit/>
+          </a:bodyPr>
+          <a:lstStyle/>
+          <a:p>
+            <a:pPr algn="ctr" defTabSz="914400">
+              <a:lnSpc>
+                <a:spcPct val="90000"/>
+              </a:lnSpc>
+              <a:spcAft>
+                <a:spcPts val="600"/>
+              </a:spcAft>
+            </a:pPr>
+            <a:r>
+              <a:rPr lang="en-US" sz="2400" spc="-1" dirty="0">
+                <a:solidFill>
+                  <a:srgbClr val="C00000"/>
+                </a:solidFill>
+                <a:uFill>
+                  <a:solidFill>
+                    <a:srgbClr val="FFFFFF"/>
+                  </a:solidFill>
+                </a:uFill>
+                <a:latin typeface="Arial Rounded MT Bold" panose="020F0704030504030204" pitchFamily="34" charset="0"/>
+              </a:rPr>
+              <a:t>Practical A1:</a:t>
+            </a:r>
+          </a:p>
+          <a:p>
+            <a:pPr algn="ctr" defTabSz="914400">
+              <a:lnSpc>
+                <a:spcPct val="90000"/>
+              </a:lnSpc>
+              <a:spcAft>
+                <a:spcPts val="600"/>
+              </a:spcAft>
+            </a:pPr>
+            <a:endParaRPr lang="en-US" sz="2400" spc="-1" dirty="0">
+              <a:solidFill>
+                <a:srgbClr val="C00000"/>
+              </a:solidFill>
+              <a:uFill>
+                <a:solidFill>
+                  <a:srgbClr val="FFFFFF"/>
+                </a:solidFill>
+              </a:uFill>
+              <a:latin typeface="Arial Rounded MT Bold" panose="020F0704030504030204" pitchFamily="34" charset="0"/>
+            </a:endParaRPr>
+          </a:p>
+          <a:p>
+            <a:pPr defTabSz="914400">
+              <a:lnSpc>
+                <a:spcPct val="90000"/>
+              </a:lnSpc>
+              <a:spcAft>
+                <a:spcPts val="600"/>
+              </a:spcAft>
+            </a:pPr>
+            <a:r>
+              <a:rPr lang="en-US" sz="2400" spc="-1" dirty="0">
+                <a:solidFill>
+                  <a:schemeClr val="tx2"/>
+                </a:solidFill>
+                <a:uFill>
+                  <a:solidFill>
+                    <a:srgbClr val="FFFFFF"/>
+                  </a:solidFill>
+                </a:uFill>
+                <a:latin typeface="Arial Rounded MT Bold" panose="020F0704030504030204" pitchFamily="34" charset="0"/>
+              </a:rPr>
+              <a:t>Themes: </a:t>
+            </a:r>
+          </a:p>
+          <a:p>
+            <a:pPr defTabSz="914400">
+              <a:lnSpc>
+                <a:spcPct val="90000"/>
+              </a:lnSpc>
+              <a:spcAft>
+                <a:spcPts val="600"/>
+              </a:spcAft>
+            </a:pPr>
+            <a:r>
+              <a:rPr lang="en-US" sz="2400" spc="-1" dirty="0">
+                <a:uFill>
+                  <a:solidFill>
+                    <a:srgbClr val="FFFFFF"/>
+                  </a:solidFill>
+                </a:uFill>
+                <a:latin typeface="Arial Rounded MT Bold" panose="020F0704030504030204" pitchFamily="34" charset="0"/>
+              </a:rPr>
+              <a:t>01: Managing code and data </a:t>
+            </a:r>
+          </a:p>
+          <a:p>
+            <a:pPr defTabSz="914400">
+              <a:lnSpc>
+                <a:spcPct val="90000"/>
+              </a:lnSpc>
+              <a:spcAft>
+                <a:spcPts val="600"/>
+              </a:spcAft>
+            </a:pPr>
+            <a:r>
+              <a:rPr lang="en-US" sz="2400" spc="-1" dirty="0">
+                <a:uFill>
+                  <a:solidFill>
+                    <a:srgbClr val="FFFFFF"/>
+                  </a:solidFill>
+                </a:uFill>
+                <a:latin typeface="Arial Rounded MT Bold" panose="020F0704030504030204" pitchFamily="34" charset="0"/>
+              </a:rPr>
+              <a:t>02: MATLAB primer</a:t>
+            </a:r>
+          </a:p>
+          <a:p>
+            <a:pPr defTabSz="914400">
+              <a:lnSpc>
+                <a:spcPct val="90000"/>
+              </a:lnSpc>
+              <a:spcAft>
+                <a:spcPts val="600"/>
+              </a:spcAft>
+            </a:pPr>
+            <a:r>
+              <a:rPr lang="en-US" sz="2400" spc="-1" dirty="0">
+                <a:uFill>
+                  <a:solidFill>
+                    <a:srgbClr val="FFFFFF"/>
+                  </a:solidFill>
+                </a:uFill>
+                <a:latin typeface="Arial Rounded MT Bold" panose="020F0704030504030204" pitchFamily="34" charset="0"/>
+              </a:rPr>
+              <a:t>03: MATLAB challenges</a:t>
+            </a:r>
+          </a:p>
+          <a:p>
+            <a:pPr defTabSz="914400">
+              <a:lnSpc>
+                <a:spcPct val="90000"/>
+              </a:lnSpc>
+              <a:spcAft>
+                <a:spcPts val="600"/>
+              </a:spcAft>
+            </a:pPr>
+            <a:endParaRPr lang="en-US" sz="2400" spc="-1" dirty="0">
+              <a:uFill>
+                <a:solidFill>
+                  <a:srgbClr val="FFFFFF"/>
+                </a:solidFill>
+              </a:uFill>
+              <a:latin typeface="Arial Rounded MT Bold" panose="020F0704030504030204" pitchFamily="34" charset="0"/>
+            </a:endParaRPr>
+          </a:p>
+          <a:p>
+            <a:pPr defTabSz="914400">
+              <a:lnSpc>
+                <a:spcPct val="90000"/>
+              </a:lnSpc>
+              <a:spcAft>
+                <a:spcPts val="600"/>
+              </a:spcAft>
+            </a:pPr>
+            <a:endParaRPr lang="en-US" sz="2400" spc="-1" dirty="0">
+              <a:uFill>
+                <a:solidFill>
+                  <a:srgbClr val="FFFFFF"/>
+                </a:solidFill>
+              </a:uFill>
+              <a:latin typeface="Arial Rounded MT Bold" panose="020F0704030504030204" pitchFamily="34" charset="0"/>
+            </a:endParaRPr>
+          </a:p>
+          <a:p>
+            <a:pPr defTabSz="914400">
+              <a:lnSpc>
+                <a:spcPct val="90000"/>
+              </a:lnSpc>
+              <a:spcAft>
+                <a:spcPts val="600"/>
+              </a:spcAft>
+            </a:pPr>
+            <a:r>
+              <a:rPr lang="en-US" sz="2400" spc="-1" dirty="0">
+                <a:solidFill>
+                  <a:schemeClr val="tx2"/>
+                </a:solidFill>
+                <a:uFill>
+                  <a:solidFill>
+                    <a:srgbClr val="FFFFFF"/>
+                  </a:solidFill>
+                </a:uFill>
+                <a:latin typeface="Arial Rounded MT Bold" panose="020F0704030504030204" pitchFamily="34" charset="0"/>
+              </a:rPr>
+              <a:t>Room: </a:t>
+            </a:r>
+            <a:r>
+              <a:rPr lang="en-US" sz="2400" spc="-1" dirty="0">
+                <a:uFill>
+                  <a:solidFill>
+                    <a:srgbClr val="FFFFFF"/>
+                  </a:solidFill>
+                </a:uFill>
+                <a:latin typeface="Arial Rounded MT Bold" panose="020F0704030504030204" pitchFamily="34" charset="0"/>
+              </a:rPr>
+              <a:t>BSTC.2.40. PC</a:t>
+            </a:r>
+          </a:p>
+          <a:p>
+            <a:pPr defTabSz="914400">
+              <a:lnSpc>
+                <a:spcPct val="90000"/>
+              </a:lnSpc>
+              <a:spcAft>
+                <a:spcPts val="600"/>
+              </a:spcAft>
+            </a:pPr>
+            <a:endParaRPr lang="en-US" sz="2400" spc="-1" dirty="0">
+              <a:uFill>
+                <a:solidFill>
+                  <a:srgbClr val="FFFFFF"/>
+                </a:solidFill>
+              </a:uFill>
+              <a:latin typeface="Arial Rounded MT Bold" panose="020F0704030504030204" pitchFamily="34" charset="0"/>
+            </a:endParaRPr>
+          </a:p>
+          <a:p>
+            <a:pPr defTabSz="914400">
+              <a:lnSpc>
+                <a:spcPct val="90000"/>
+              </a:lnSpc>
+              <a:spcAft>
+                <a:spcPts val="600"/>
+              </a:spcAft>
+            </a:pPr>
+            <a:endParaRPr lang="en-US" sz="2400" spc="-1" dirty="0">
+              <a:uFill>
+                <a:solidFill>
+                  <a:srgbClr val="FFFFFF"/>
+                </a:solidFill>
+              </a:uFill>
+              <a:latin typeface="Arial Rounded MT Bold" panose="020F0704030504030204" pitchFamily="34" charset="0"/>
+            </a:endParaRPr>
+          </a:p>
+          <a:p>
+            <a:pPr defTabSz="914400">
+              <a:lnSpc>
+                <a:spcPct val="90000"/>
+              </a:lnSpc>
+              <a:spcAft>
+                <a:spcPts val="600"/>
+              </a:spcAft>
+            </a:pPr>
+            <a:r>
+              <a:rPr lang="en-US" sz="2400" spc="-1" dirty="0">
+                <a:solidFill>
+                  <a:schemeClr val="tx2"/>
+                </a:solidFill>
+                <a:uFill>
+                  <a:solidFill>
+                    <a:srgbClr val="FFFFFF"/>
+                  </a:solidFill>
+                </a:uFill>
+                <a:latin typeface="Arial Rounded MT Bold" panose="020F0704030504030204" pitchFamily="34" charset="0"/>
+              </a:rPr>
+              <a:t>Time: </a:t>
+            </a:r>
+            <a:r>
+              <a:rPr lang="en-US" sz="2400" spc="-1" dirty="0">
+                <a:uFill>
+                  <a:solidFill>
+                    <a:srgbClr val="FFFFFF"/>
+                  </a:solidFill>
+                </a:uFill>
+                <a:latin typeface="Arial Rounded MT Bold" panose="020F0704030504030204" pitchFamily="34" charset="0"/>
+              </a:rPr>
+              <a:t>11:00 – 13:00</a:t>
+            </a:r>
+          </a:p>
+          <a:p>
+            <a:pPr defTabSz="914400">
+              <a:lnSpc>
+                <a:spcPct val="90000"/>
+              </a:lnSpc>
+              <a:spcAft>
+                <a:spcPts val="600"/>
+              </a:spcAft>
+            </a:pPr>
+            <a:endParaRPr lang="en-US" spc="-1" dirty="0">
+              <a:uFill>
+                <a:solidFill>
+                  <a:srgbClr val="FFFFFF"/>
+                </a:solidFill>
+              </a:uFill>
+              <a:latin typeface="Arial Rounded MT Bold" panose="020F0704030504030204" pitchFamily="34" charset="0"/>
+            </a:endParaRPr>
+          </a:p>
+          <a:p>
+            <a:pPr defTabSz="914400">
+              <a:lnSpc>
+                <a:spcPct val="90000"/>
+              </a:lnSpc>
+              <a:spcAft>
+                <a:spcPts val="600"/>
+              </a:spcAft>
+            </a:pPr>
+            <a:endParaRPr lang="en-US" spc="-1" dirty="0">
+              <a:uFill>
+                <a:solidFill>
+                  <a:srgbClr val="FFFFFF"/>
+                </a:solidFill>
+              </a:uFill>
+              <a:latin typeface="Arial Rounded MT Bold" panose="020F0704030504030204" pitchFamily="34" charset="0"/>
+            </a:endParaRPr>
+          </a:p>
+        </p:txBody>
+      </p:sp>
+    </p:spTree>
+    <p:extLst>
+      <p:ext uri="{BB962C8B-B14F-4D97-AF65-F5344CB8AC3E}">
+        <p14:creationId xmlns:p14="http://schemas.microsoft.com/office/powerpoint/2010/main" val="102555537"/>
       </p:ext>
     </p:extLst>
   </p:cSld>
@@ -16583,6 +20416,11 @@
           <a:prstGeom prst="rect">
             <a:avLst/>
           </a:prstGeom>
+          <a:ln>
+            <a:solidFill>
+              <a:schemeClr val="tx1"/>
+            </a:solidFill>
+          </a:ln>
         </p:spPr>
       </p:pic>
       <p:pic>
@@ -16613,6 +20451,11 @@
           <a:prstGeom prst="rect">
             <a:avLst/>
           </a:prstGeom>
+          <a:ln>
+            <a:solidFill>
+              <a:schemeClr val="tx1"/>
+            </a:solidFill>
+          </a:ln>
         </p:spPr>
       </p:pic>
       <p:pic>
@@ -16643,6 +20486,11 @@
           <a:prstGeom prst="rect">
             <a:avLst/>
           </a:prstGeom>
+          <a:ln>
+            <a:solidFill>
+              <a:schemeClr val="tx1"/>
+            </a:solidFill>
+          </a:ln>
         </p:spPr>
       </p:pic>
       <p:pic>
@@ -16673,6 +20521,11 @@
           <a:prstGeom prst="rect">
             <a:avLst/>
           </a:prstGeom>
+          <a:ln>
+            <a:solidFill>
+              <a:schemeClr val="tx1"/>
+            </a:solidFill>
+          </a:ln>
         </p:spPr>
       </p:pic>
       <p:pic>
@@ -16703,6 +20556,11 @@
           <a:prstGeom prst="rect">
             <a:avLst/>
           </a:prstGeom>
+          <a:ln>
+            <a:solidFill>
+              <a:schemeClr val="tx1"/>
+            </a:solidFill>
+          </a:ln>
         </p:spPr>
       </p:pic>
       <p:pic>
@@ -16733,6 +20591,11 @@
           <a:prstGeom prst="rect">
             <a:avLst/>
           </a:prstGeom>
+          <a:ln>
+            <a:solidFill>
+              <a:schemeClr val="tx1"/>
+            </a:solidFill>
+          </a:ln>
         </p:spPr>
       </p:pic>
       <p:pic>
@@ -16763,6 +20626,11 @@
           <a:prstGeom prst="rect">
             <a:avLst/>
           </a:prstGeom>
+          <a:ln>
+            <a:solidFill>
+              <a:schemeClr val="tx1"/>
+            </a:solidFill>
+          </a:ln>
         </p:spPr>
       </p:pic>
       <p:pic>
@@ -16793,6 +20661,11 @@
           <a:prstGeom prst="rect">
             <a:avLst/>
           </a:prstGeom>
+          <a:ln>
+            <a:solidFill>
+              <a:schemeClr val="tx1"/>
+            </a:solidFill>
+          </a:ln>
         </p:spPr>
       </p:pic>
       <p:pic>
@@ -16823,6 +20696,11 @@
           <a:prstGeom prst="rect">
             <a:avLst/>
           </a:prstGeom>
+          <a:ln>
+            <a:solidFill>
+              <a:schemeClr val="tx1"/>
+            </a:solidFill>
+          </a:ln>
         </p:spPr>
       </p:pic>
       <p:pic>
@@ -16853,6 +20731,11 @@
           <a:prstGeom prst="rect">
             <a:avLst/>
           </a:prstGeom>
+          <a:ln>
+            <a:solidFill>
+              <a:schemeClr val="tx1"/>
+            </a:solidFill>
+          </a:ln>
         </p:spPr>
       </p:pic>
     </p:spTree>
@@ -17099,7 +20982,7 @@
                 <a:ea typeface="+mj-ea"/>
                 <a:cs typeface="+mj-cs"/>
               </a:rPr>
-              <a:t>What’s your topic(s) of interest?</a:t>
+              <a:t>What are your topic(s) of interest?</a:t>
             </a:r>
           </a:p>
         </p:txBody>
@@ -17132,6 +21015,11 @@
           <a:prstGeom prst="rect">
             <a:avLst/>
           </a:prstGeom>
+          <a:ln>
+            <a:solidFill>
+              <a:schemeClr val="tx1"/>
+            </a:solidFill>
+          </a:ln>
         </p:spPr>
       </p:pic>
     </p:spTree>
@@ -17411,6 +21299,11 @@
           <a:prstGeom prst="rect">
             <a:avLst/>
           </a:prstGeom>
+          <a:ln>
+            <a:solidFill>
+              <a:schemeClr val="tx1"/>
+            </a:solidFill>
+          </a:ln>
         </p:spPr>
       </p:pic>
     </p:spTree>
@@ -17690,6 +21583,11 @@
           <a:prstGeom prst="rect">
             <a:avLst/>
           </a:prstGeom>
+          <a:ln>
+            <a:solidFill>
+              <a:schemeClr val="tx1"/>
+            </a:solidFill>
+          </a:ln>
         </p:spPr>
       </p:pic>
     </p:spTree>
@@ -18260,6 +22158,11 @@
           <a:prstGeom prst="rect">
             <a:avLst/>
           </a:prstGeom>
+          <a:ln>
+            <a:solidFill>
+              <a:schemeClr val="tx1"/>
+            </a:solidFill>
+          </a:ln>
         </p:spPr>
       </p:pic>
       <p:pic>
@@ -18290,6 +22193,11 @@
           <a:prstGeom prst="rect">
             <a:avLst/>
           </a:prstGeom>
+          <a:ln>
+            <a:solidFill>
+              <a:schemeClr val="tx1"/>
+            </a:solidFill>
+          </a:ln>
         </p:spPr>
       </p:pic>
       <p:sp>
